--- a/EES/L9 Superposition Theorem.pptx
+++ b/EES/L9 Superposition Theorem.pptx
@@ -5,29 +5,22 @@
     <p:sldMasterId id="2147483803" r:id="rId1"/>
   </p:sldMasterIdLst>
   <p:notesMasterIdLst>
-    <p:notesMasterId r:id="rId19"/>
+    <p:notesMasterId r:id="rId12"/>
   </p:notesMasterIdLst>
   <p:handoutMasterIdLst>
-    <p:handoutMasterId r:id="rId20"/>
+    <p:handoutMasterId r:id="rId13"/>
   </p:handoutMasterIdLst>
   <p:sldIdLst>
-    <p:sldId id="256" r:id="rId2"/>
-    <p:sldId id="257" r:id="rId3"/>
-    <p:sldId id="258" r:id="rId4"/>
-    <p:sldId id="259" r:id="rId5"/>
-    <p:sldId id="276" r:id="rId6"/>
-    <p:sldId id="277" r:id="rId7"/>
-    <p:sldId id="294" r:id="rId8"/>
-    <p:sldId id="301" r:id="rId9"/>
-    <p:sldId id="295" r:id="rId10"/>
-    <p:sldId id="296" r:id="rId11"/>
-    <p:sldId id="297" r:id="rId12"/>
-    <p:sldId id="298" r:id="rId13"/>
-    <p:sldId id="299" r:id="rId14"/>
-    <p:sldId id="300" r:id="rId15"/>
-    <p:sldId id="302" r:id="rId16"/>
-    <p:sldId id="303" r:id="rId17"/>
-    <p:sldId id="292" r:id="rId18"/>
+    <p:sldId id="301" r:id="rId2"/>
+    <p:sldId id="295" r:id="rId3"/>
+    <p:sldId id="296" r:id="rId4"/>
+    <p:sldId id="297" r:id="rId5"/>
+    <p:sldId id="298" r:id="rId6"/>
+    <p:sldId id="299" r:id="rId7"/>
+    <p:sldId id="300" r:id="rId8"/>
+    <p:sldId id="302" r:id="rId9"/>
+    <p:sldId id="303" r:id="rId10"/>
+    <p:sldId id="292" r:id="rId11"/>
   </p:sldIdLst>
   <p:sldSz cx="12192000" cy="6858000"/>
   <p:notesSz cx="6858000" cy="9144000"/>
@@ -231,7 +224,7 @@
           <a:p>
             <a:fld id="{21C59637-E6AF-4FE5-9805-20E237C3A76A}" type="datetime1">
               <a:rPr lang="en-IN" smtClean="0"/>
-              <a:t>20-08-2023</a:t>
+              <a:t>26-03-2025</a:t>
             </a:fld>
             <a:endParaRPr lang="en-US"/>
           </a:p>
@@ -416,7 +409,7 @@
           <a:p>
             <a:fld id="{287AD853-9C5F-4B5F-919F-C4EAF0FB58FE}" type="datetime1">
               <a:rPr lang="en-IN" smtClean="0"/>
-              <a:t>20-08-2023</a:t>
+              <a:t>26-03-2025</a:t>
             </a:fld>
             <a:endParaRPr lang="en-IN"/>
           </a:p>
@@ -688,90 +681,6 @@
 </p:notesMaster>
 </file>
 
-<file path=ppt/notesSlides/notesSlide1.xml><?xml version="1.0" encoding="utf-8"?>
-<p:notes xmlns:a="http://schemas.openxmlformats.org/drawingml/2006/main" xmlns:r="http://schemas.openxmlformats.org/officeDocument/2006/relationships" xmlns:p="http://schemas.openxmlformats.org/presentationml/2006/main">
-  <p:cSld>
-    <p:spTree>
-      <p:nvGrpSpPr>
-        <p:cNvPr id="1" name=""/>
-        <p:cNvGrpSpPr/>
-        <p:nvPr/>
-      </p:nvGrpSpPr>
-      <p:grpSpPr>
-        <a:xfrm>
-          <a:off x="0" y="0"/>
-          <a:ext cx="0" cy="0"/>
-          <a:chOff x="0" y="0"/>
-          <a:chExt cx="0" cy="0"/>
-        </a:xfrm>
-      </p:grpSpPr>
-      <p:sp>
-        <p:nvSpPr>
-          <p:cNvPr id="2" name="Slide Image Placeholder 1"/>
-          <p:cNvSpPr>
-            <a:spLocks noGrp="1" noRot="1" noChangeAspect="1"/>
-          </p:cNvSpPr>
-          <p:nvPr>
-            <p:ph type="sldImg"/>
-          </p:nvPr>
-        </p:nvSpPr>
-        <p:spPr/>
-      </p:sp>
-      <p:sp>
-        <p:nvSpPr>
-          <p:cNvPr id="3" name="Notes Placeholder 2"/>
-          <p:cNvSpPr>
-            <a:spLocks noGrp="1"/>
-          </p:cNvSpPr>
-          <p:nvPr>
-            <p:ph type="body" idx="1"/>
-          </p:nvPr>
-        </p:nvSpPr>
-        <p:spPr/>
-        <p:txBody>
-          <a:bodyPr/>
-          <a:lstStyle/>
-          <a:p>
-            <a:endParaRPr lang="en-IN" dirty="0"/>
-          </a:p>
-        </p:txBody>
-      </p:sp>
-      <p:sp>
-        <p:nvSpPr>
-          <p:cNvPr id="4" name="Header Placeholder 3"/>
-          <p:cNvSpPr>
-            <a:spLocks noGrp="1"/>
-          </p:cNvSpPr>
-          <p:nvPr>
-            <p:ph type="hdr" sz="quarter"/>
-          </p:nvPr>
-        </p:nvSpPr>
-        <p:spPr/>
-        <p:txBody>
-          <a:bodyPr/>
-          <a:lstStyle/>
-          <a:p>
-            <a:r>
-              <a:rPr lang="en-US"/>
-              <a:t>School of Electrical, Electronics &amp; Communication Engineering</a:t>
-            </a:r>
-            <a:endParaRPr lang="en-IN"/>
-          </a:p>
-        </p:txBody>
-      </p:sp>
-    </p:spTree>
-    <p:extLst>
-      <p:ext uri="{BB962C8B-B14F-4D97-AF65-F5344CB8AC3E}">
-        <p14:creationId xmlns:p14="http://schemas.microsoft.com/office/powerpoint/2010/main" val="3628203605"/>
-      </p:ext>
-    </p:extLst>
-  </p:cSld>
-  <p:clrMapOvr>
-    <a:masterClrMapping/>
-  </p:clrMapOvr>
-</p:notes>
-</file>
-
 <file path=ppt/slideLayouts/slideLayout1.xml><?xml version="1.0" encoding="utf-8"?>
 <p:sldLayout xmlns:a="http://schemas.openxmlformats.org/drawingml/2006/main" xmlns:r="http://schemas.openxmlformats.org/officeDocument/2006/relationships" xmlns:p="http://schemas.openxmlformats.org/presentationml/2006/main" type="title" preserve="1">
   <p:cSld name="Title Slide">
@@ -1008,7 +917,7 @@
           <a:p>
             <a:fld id="{A2700D5A-969B-4B1E-9245-4F3E7A1E359D}" type="datetime1">
               <a:rPr lang="en-US" smtClean="0"/>
-              <a:t>8/20/2023</a:t>
+              <a:t>3/26/2025</a:t>
             </a:fld>
             <a:endParaRPr lang="en-US"/>
           </a:p>
@@ -1235,7 +1144,7 @@
           <a:p>
             <a:fld id="{F75EAF49-8678-46F3-8795-218214E8C458}" type="datetime1">
               <a:rPr lang="en-US" smtClean="0"/>
-              <a:t>8/20/2023</a:t>
+              <a:t>3/26/2025</a:t>
             </a:fld>
             <a:endParaRPr lang="en-US"/>
           </a:p>
@@ -1922,247 +1831,6 @@
       </p:sp>
       <p:sp>
         <p:nvSpPr>
-          <p:cNvPr id="2" name="Title 1">
-            <a:extLst>
-              <a:ext uri="{FF2B5EF4-FFF2-40B4-BE49-F238E27FC236}">
-                <a16:creationId xmlns:a16="http://schemas.microsoft.com/office/drawing/2014/main" id="{5AC39E7D-C549-4EF1-9B69-5A83062E23EC}"/>
-              </a:ext>
-            </a:extLst>
-          </p:cNvPr>
-          <p:cNvSpPr>
-            <a:spLocks noGrp="1"/>
-          </p:cNvSpPr>
-          <p:nvPr>
-            <p:ph type="ctrTitle"/>
-          </p:nvPr>
-        </p:nvSpPr>
-        <p:spPr>
-          <a:xfrm>
-            <a:off x="238199" y="3643976"/>
-            <a:ext cx="10993549" cy="550687"/>
-          </a:xfrm>
-        </p:spPr>
-        <p:txBody>
-          <a:bodyPr>
-            <a:normAutofit fontScale="90000"/>
-          </a:bodyPr>
-          <a:lstStyle/>
-          <a:p>
-            <a:pPr algn="ctr"/>
-            <a:r>
-              <a:rPr lang="en-US" dirty="0"/>
-              <a:t>   </a:t>
-            </a:r>
-            <a:r>
-              <a:rPr lang="en-US" sz="3100" dirty="0"/>
-              <a:t>Course name: Electrical &amp; Electronics System (EE1002)</a:t>
-            </a:r>
-          </a:p>
-        </p:txBody>
-      </p:sp>
-      <p:sp>
-        <p:nvSpPr>
-          <p:cNvPr id="3" name="Subtitle 2">
-            <a:extLst>
-              <a:ext uri="{FF2B5EF4-FFF2-40B4-BE49-F238E27FC236}">
-                <a16:creationId xmlns:a16="http://schemas.microsoft.com/office/drawing/2014/main" id="{D6020E74-3AC4-4B9C-82CD-211A6006A463}"/>
-              </a:ext>
-            </a:extLst>
-          </p:cNvPr>
-          <p:cNvSpPr>
-            <a:spLocks noGrp="1"/>
-          </p:cNvSpPr>
-          <p:nvPr>
-            <p:ph type="subTitle" idx="1"/>
-          </p:nvPr>
-        </p:nvSpPr>
-        <p:spPr>
-          <a:xfrm>
-            <a:off x="520511" y="4194663"/>
-            <a:ext cx="11224956" cy="2534212"/>
-          </a:xfrm>
-          <a:solidFill>
-            <a:schemeClr val="accent1">
-              <a:lumMod val="20000"/>
-              <a:lumOff val="80000"/>
-            </a:schemeClr>
-          </a:solidFill>
-          <a:ln>
-            <a:solidFill>
-              <a:srgbClr val="0070C0"/>
-            </a:solidFill>
-          </a:ln>
-        </p:spPr>
-        <p:txBody>
-          <a:bodyPr>
-            <a:noAutofit/>
-          </a:bodyPr>
-          <a:lstStyle/>
-          <a:p>
-            <a:r>
-              <a:rPr lang="en-US" b="1" dirty="0">
-                <a:solidFill>
-                  <a:schemeClr val="tx1"/>
-                </a:solidFill>
-                <a:latin typeface="Abadi Extra Light" panose="020B0604020202020204" pitchFamily="34" charset="0"/>
-              </a:rPr>
-              <a:t>Course code          	:   EE 1002</a:t>
-            </a:r>
-          </a:p>
-          <a:p>
-            <a:r>
-              <a:rPr lang="en-US" b="1" dirty="0">
-                <a:solidFill>
-                  <a:schemeClr val="tx1"/>
-                </a:solidFill>
-                <a:latin typeface="Abadi Extra Light" panose="020B0604020202020204" pitchFamily="34" charset="0"/>
-              </a:rPr>
-              <a:t>lecture series no 	</a:t>
-            </a:r>
-            <a:r>
-              <a:rPr lang="en-US" b="1">
-                <a:solidFill>
-                  <a:schemeClr val="tx1"/>
-                </a:solidFill>
-                <a:latin typeface="Abadi Extra Light" panose="020B0604020202020204" pitchFamily="34" charset="0"/>
-              </a:rPr>
-              <a:t>:   09 </a:t>
-            </a:r>
-            <a:r>
-              <a:rPr lang="en-US" b="1" dirty="0">
-                <a:solidFill>
-                  <a:schemeClr val="tx1"/>
-                </a:solidFill>
-                <a:latin typeface="Abadi Extra Light" panose="020B0604020202020204" pitchFamily="34" charset="0"/>
-              </a:rPr>
-              <a:t>(one)</a:t>
-            </a:r>
-          </a:p>
-          <a:p>
-            <a:r>
-              <a:rPr lang="en-US" b="1" dirty="0">
-                <a:solidFill>
-                  <a:schemeClr val="tx1"/>
-                </a:solidFill>
-                <a:latin typeface="Abadi Extra Light" panose="020B0604020202020204" pitchFamily="34" charset="0"/>
-              </a:rPr>
-              <a:t>Credits                   	:   04</a:t>
-            </a:r>
-          </a:p>
-          <a:p>
-            <a:r>
-              <a:rPr lang="en-US" b="1" dirty="0">
-                <a:solidFill>
-                  <a:schemeClr val="tx1"/>
-                </a:solidFill>
-                <a:latin typeface="Abadi Extra Light" panose="020B0604020202020204" pitchFamily="34" charset="0"/>
-              </a:rPr>
-              <a:t>Mode of delivery  	:   </a:t>
-            </a:r>
-            <a:r>
-              <a:rPr lang="en-US" b="1" dirty="0" err="1">
-                <a:solidFill>
-                  <a:schemeClr val="tx1"/>
-                </a:solidFill>
-                <a:latin typeface="Abadi Extra Light" panose="020B0604020202020204" pitchFamily="34" charset="0"/>
-              </a:rPr>
-              <a:t>oFF</a:t>
-            </a:r>
-            <a:r>
-              <a:rPr lang="en-US" b="1" dirty="0">
-                <a:solidFill>
-                  <a:schemeClr val="tx1"/>
-                </a:solidFill>
-                <a:latin typeface="Abadi Extra Light" panose="020B0604020202020204" pitchFamily="34" charset="0"/>
-              </a:rPr>
-              <a:t> line (Power point presentation)</a:t>
-            </a:r>
-          </a:p>
-          <a:p>
-            <a:r>
-              <a:rPr lang="en-US" b="1" dirty="0">
-                <a:solidFill>
-                  <a:schemeClr val="tx1"/>
-                </a:solidFill>
-                <a:latin typeface="Abadi Extra Light" panose="020B0604020202020204" pitchFamily="34" charset="0"/>
-              </a:rPr>
-              <a:t>Faculty                   	:    Mr. </a:t>
-            </a:r>
-            <a:r>
-              <a:rPr lang="en-US" b="1" dirty="0" err="1">
-                <a:solidFill>
-                  <a:schemeClr val="tx1"/>
-                </a:solidFill>
-                <a:latin typeface="Abadi Extra Light" panose="020B0604020202020204" pitchFamily="34" charset="0"/>
-              </a:rPr>
-              <a:t>ritesh</a:t>
-            </a:r>
-            <a:r>
-              <a:rPr lang="en-US" b="1" dirty="0">
-                <a:solidFill>
-                  <a:schemeClr val="tx1"/>
-                </a:solidFill>
-                <a:latin typeface="Abadi Extra Light" panose="020B0604020202020204" pitchFamily="34" charset="0"/>
-              </a:rPr>
-              <a:t> </a:t>
-            </a:r>
-            <a:r>
-              <a:rPr lang="en-US" b="1" dirty="0" err="1">
-                <a:solidFill>
-                  <a:schemeClr val="tx1"/>
-                </a:solidFill>
-                <a:latin typeface="Abadi Extra Light" panose="020B0604020202020204" pitchFamily="34" charset="0"/>
-              </a:rPr>
-              <a:t>singh</a:t>
-            </a:r>
-            <a:endParaRPr lang="en-US" b="1" dirty="0">
-              <a:solidFill>
-                <a:schemeClr val="tx1"/>
-              </a:solidFill>
-              <a:latin typeface="Abadi Extra Light" panose="020B0604020202020204" pitchFamily="34" charset="0"/>
-            </a:endParaRPr>
-          </a:p>
-          <a:p>
-            <a:r>
-              <a:rPr lang="en-US" b="1" dirty="0">
-                <a:solidFill>
-                  <a:schemeClr val="tx1"/>
-                </a:solidFill>
-                <a:latin typeface="Abadi Extra Light" panose="020B0604020202020204" pitchFamily="34" charset="0"/>
-              </a:rPr>
-              <a:t>Email-id                   	:   </a:t>
-            </a:r>
-            <a:r>
-              <a:rPr lang="en-US" b="1" cap="none" dirty="0">
-                <a:solidFill>
-                  <a:schemeClr val="accent3"/>
-                </a:solidFill>
-                <a:latin typeface="Abadi Extra Light" panose="020B0604020202020204" pitchFamily="34" charset="0"/>
-              </a:rPr>
-              <a:t> ritesh.singh@jaipur.manipal.edu</a:t>
-            </a:r>
-          </a:p>
-          <a:p>
-            <a:r>
-              <a:rPr lang="en-US" b="1" cap="none" dirty="0">
-                <a:solidFill>
-                  <a:schemeClr val="tx1"/>
-                </a:solidFill>
-                <a:latin typeface="Abadi Extra Light" panose="020B0604020202020204" pitchFamily="34" charset="0"/>
-              </a:rPr>
-              <a:t>PROPOSED DATE OF DELIVERY:   16 Aug 2023</a:t>
-            </a:r>
-            <a:endParaRPr lang="en-US" b="1" dirty="0">
-              <a:solidFill>
-                <a:schemeClr val="tx1"/>
-              </a:solidFill>
-              <a:latin typeface="Abadi Extra Light" panose="020B0604020202020204" pitchFamily="34" charset="0"/>
-            </a:endParaRPr>
-          </a:p>
-        </p:txBody>
-      </p:sp>
-      <p:sp>
-        <p:nvSpPr>
           <p:cNvPr id="78" name="Rectangle 77">
             <a:extLst>
               <a:ext uri="{FF2B5EF4-FFF2-40B4-BE49-F238E27FC236}">
@@ -2323,287 +1991,347 @@
           </a:fontRef>
         </p:style>
       </p:sp>
-      <p:pic>
-        <p:nvPicPr>
-          <p:cNvPr id="1026" name="Picture 2">
-            <a:extLst>
-              <a:ext uri="{FF2B5EF4-FFF2-40B4-BE49-F238E27FC236}">
-                <a16:creationId xmlns:a16="http://schemas.microsoft.com/office/drawing/2014/main" id="{EF531DFA-4938-4D0A-9F2E-D44A14B5186F}"/>
-              </a:ext>
-            </a:extLst>
-          </p:cNvPr>
-          <p:cNvPicPr>
-            <a:picLocks noChangeAspect="1" noChangeArrowheads="1"/>
-          </p:cNvPicPr>
+      <p:sp>
+        <p:nvSpPr>
+          <p:cNvPr id="7" name="Rectangle 6"/>
+          <p:cNvSpPr/>
           <p:nvPr/>
-        </p:nvPicPr>
-        <p:blipFill rotWithShape="1">
-          <a:blip r:embed="rId3">
-            <a:extLst>
-              <a:ext uri="{28A0092B-C50C-407E-A947-70E740481C1C}">
-                <a14:useLocalDpi xmlns:a14="http://schemas.microsoft.com/office/drawing/2010/main" val="0"/>
-              </a:ext>
-            </a:extLst>
-          </a:blip>
-          <a:srcRect t="5257" r="-1" b="-1"/>
-          <a:stretch/>
-        </p:blipFill>
-        <p:spPr bwMode="auto">
+        </p:nvSpPr>
+        <p:spPr>
           <a:xfrm>
-            <a:off x="446532" y="599725"/>
-            <a:ext cx="11292143" cy="3044251"/>
+            <a:off x="446535" y="6572250"/>
+            <a:ext cx="11298932" cy="71437"/>
           </a:xfrm>
           <a:prstGeom prst="rect">
             <a:avLst/>
           </a:prstGeom>
-          <a:noFill/>
-          <a:extLst>
-            <a:ext uri="{909E8E84-426E-40DD-AFC4-6F175D3DCCD1}">
-              <a14:hiddenFill xmlns:a14="http://schemas.microsoft.com/office/drawing/2010/main">
-                <a:solidFill>
-                  <a:srgbClr val="FFFFFF"/>
-                </a:solidFill>
-              </a14:hiddenFill>
-            </a:ext>
-          </a:extLst>
+          <a:solidFill>
+            <a:schemeClr val="accent3"/>
+          </a:solidFill>
+          <a:ln>
+            <a:noFill/>
+          </a:ln>
         </p:spPr>
-      </p:pic>
-      <p:pic>
-        <p:nvPicPr>
-          <p:cNvPr id="29" name="Picture 28">
-            <a:extLst>
-              <a:ext uri="{FF2B5EF4-FFF2-40B4-BE49-F238E27FC236}">
-                <a16:creationId xmlns:a16="http://schemas.microsoft.com/office/drawing/2014/main" id="{05DDD683-894B-41F7-B88E-7BE51AD8BD71}"/>
-              </a:ext>
-            </a:extLst>
-          </p:cNvPr>
-          <p:cNvPicPr/>
+        <p:style>
+          <a:lnRef idx="2">
+            <a:schemeClr val="accent1">
+              <a:shade val="50000"/>
+            </a:schemeClr>
+          </a:lnRef>
+          <a:fillRef idx="1">
+            <a:schemeClr val="accent1"/>
+          </a:fillRef>
+          <a:effectRef idx="0">
+            <a:schemeClr val="accent1"/>
+          </a:effectRef>
+          <a:fontRef idx="minor">
+            <a:schemeClr val="lt1"/>
+          </a:fontRef>
+        </p:style>
+        <p:txBody>
+          <a:bodyPr rtlCol="0" anchor="ctr"/>
+          <a:lstStyle/>
+          <a:p>
+            <a:pPr algn="ctr"/>
+            <a:endParaRPr lang="en-IN"/>
+          </a:p>
+        </p:txBody>
+      </p:sp>
+      <p:sp>
+        <p:nvSpPr>
+          <p:cNvPr id="10" name="Content Placeholder 2"/>
+          <p:cNvSpPr txBox="1">
+            <a:spLocks/>
+          </p:cNvSpPr>
           <p:nvPr/>
-        </p:nvPicPr>
-        <p:blipFill>
-          <a:blip r:embed="rId4"/>
-          <a:stretch>
-            <a:fillRect/>
-          </a:stretch>
-        </p:blipFill>
+        </p:nvSpPr>
         <p:spPr>
           <a:xfrm>
-            <a:off x="520511" y="633477"/>
-            <a:ext cx="3555365" cy="751840"/>
+            <a:off x="1750090" y="723900"/>
+            <a:ext cx="8686800" cy="5410200"/>
           </a:xfrm>
           <a:prstGeom prst="rect">
             <a:avLst/>
           </a:prstGeom>
         </p:spPr>
-      </p:pic>
-      <p:pic>
-        <p:nvPicPr>
-          <p:cNvPr id="34" name="Picture 33">
-            <a:extLst>
-              <a:ext uri="{FF2B5EF4-FFF2-40B4-BE49-F238E27FC236}">
-                <a16:creationId xmlns:a16="http://schemas.microsoft.com/office/drawing/2014/main" id="{DAC0C290-2609-4A17-97AB-BA0516A766DE}"/>
-              </a:ext>
-            </a:extLst>
-          </p:cNvPr>
-          <p:cNvPicPr/>
-          <p:nvPr/>
-        </p:nvPicPr>
-        <p:blipFill>
-          <a:blip r:embed="rId5"/>
-          <a:stretch>
-            <a:fillRect/>
-          </a:stretch>
-        </p:blipFill>
-        <p:spPr>
-          <a:xfrm>
-            <a:off x="10395774" y="593439"/>
-            <a:ext cx="1275715" cy="1116965"/>
-          </a:xfrm>
-          <a:prstGeom prst="rect">
-            <a:avLst/>
-          </a:prstGeom>
-        </p:spPr>
-      </p:pic>
-      <p:pic>
-        <p:nvPicPr>
-          <p:cNvPr id="11" name="Picture 10">
-            <a:extLst>
-              <a:ext uri="{FF2B5EF4-FFF2-40B4-BE49-F238E27FC236}">
-                <a16:creationId xmlns:a16="http://schemas.microsoft.com/office/drawing/2014/main" id="{CA80EC55-5386-4FD3-9F4C-3F86378C1037}"/>
-              </a:ext>
-            </a:extLst>
-          </p:cNvPr>
-          <p:cNvPicPr>
-            <a:picLocks noChangeAspect="1"/>
-          </p:cNvPicPr>
-          <p:nvPr/>
-        </p:nvPicPr>
-        <p:blipFill>
-          <a:blip r:embed="rId6" cstate="print">
-            <a:extLst>
-              <a:ext uri="{28A0092B-C50C-407E-A947-70E740481C1C}">
-                <a14:useLocalDpi xmlns:a14="http://schemas.microsoft.com/office/drawing/2010/main" val="0"/>
-              </a:ext>
-            </a:extLst>
-          </a:blip>
-          <a:stretch>
-            <a:fillRect/>
-          </a:stretch>
-        </p:blipFill>
-        <p:spPr>
-          <a:xfrm>
-            <a:off x="8330919" y="4342917"/>
-            <a:ext cx="3286599" cy="2244011"/>
-          </a:xfrm>
-          <a:prstGeom prst="rect">
-            <a:avLst/>
-          </a:prstGeom>
-        </p:spPr>
-      </p:pic>
-      <p:sp>
-        <p:nvSpPr>
-          <p:cNvPr id="12" name="Title 1">
-            <a:extLst>
-              <a:ext uri="{FF2B5EF4-FFF2-40B4-BE49-F238E27FC236}">
-                <a16:creationId xmlns:a16="http://schemas.microsoft.com/office/drawing/2014/main" id="{6C346B9C-5AAE-4F02-9F77-158150CA8CAC}"/>
-              </a:ext>
-            </a:extLst>
-          </p:cNvPr>
-          <p:cNvSpPr txBox="1">
-            <a:spLocks/>
-          </p:cNvSpPr>
-          <p:nvPr/>
-        </p:nvSpPr>
-        <p:spPr>
-          <a:xfrm>
-            <a:off x="630925" y="1710404"/>
-            <a:ext cx="4095820" cy="1253760"/>
-          </a:xfrm>
-          <a:prstGeom prst="rect">
-            <a:avLst/>
-          </a:prstGeom>
-          <a:effectLst/>
-        </p:spPr>
         <p:txBody>
-          <a:bodyPr vert="horz" lIns="91440" tIns="45720" rIns="91440" bIns="45720" rtlCol="0" anchor="b">
-            <a:normAutofit fontScale="60000" lnSpcReduction="20000"/>
+          <a:bodyPr vert="horz" lIns="91440" tIns="45720" rIns="91440" bIns="45720" rtlCol="0" anchor="t">
+            <a:normAutofit/>
           </a:bodyPr>
           <a:lstStyle>
-            <a:lvl1pPr algn="l" defTabSz="457200" rtl="0" eaLnBrk="1" latinLnBrk="0" hangingPunct="1">
+            <a:lvl1pPr marL="0" indent="0" algn="l" defTabSz="457200" rtl="0" eaLnBrk="1" latinLnBrk="0" hangingPunct="1">
               <a:lnSpc>
                 <a:spcPct val="100000"/>
               </a:lnSpc>
               <a:spcBef>
-                <a:spcPct val="0"/>
+                <a:spcPct val="20000"/>
               </a:spcBef>
+              <a:spcAft>
+                <a:spcPts val="600"/>
+              </a:spcAft>
+              <a:buClr>
+                <a:schemeClr val="accent1"/>
+              </a:buClr>
+              <a:buSzPct val="92000"/>
+              <a:buFont typeface="Wingdings 2" panose="05020102010507070707" pitchFamily="18" charset="2"/>
               <a:buNone/>
-              <a:defRPr sz="3600" b="0" kern="1200" cap="all">
-                <a:solidFill>
-                  <a:schemeClr val="tx1">
-                    <a:lumMod val="75000"/>
-                    <a:lumOff val="25000"/>
-                  </a:schemeClr>
-                </a:solidFill>
-                <a:latin typeface="+mj-lt"/>
-                <a:ea typeface="+mj-ea"/>
-                <a:cs typeface="+mj-cs"/>
+              <a:defRPr sz="1600" kern="1200" cap="all">
+                <a:solidFill>
+                  <a:schemeClr val="accent1"/>
+                </a:solidFill>
+                <a:latin typeface="+mn-lt"/>
+                <a:ea typeface="+mn-ea"/>
+                <a:cs typeface="+mn-cs"/>
               </a:defRPr>
             </a:lvl1pPr>
-            <a:lvl2pPr eaLnBrk="1" hangingPunct="1">
-              <a:defRPr>
-                <a:solidFill>
-                  <a:schemeClr val="tx2"/>
-                </a:solidFill>
+            <a:lvl2pPr marL="457200" indent="0" algn="ctr" defTabSz="457200" rtl="0" eaLnBrk="1" latinLnBrk="0" hangingPunct="1">
+              <a:spcBef>
+                <a:spcPct val="20000"/>
+              </a:spcBef>
+              <a:spcAft>
+                <a:spcPts val="600"/>
+              </a:spcAft>
+              <a:buClr>
+                <a:schemeClr val="accent1"/>
+              </a:buClr>
+              <a:buSzPct val="92000"/>
+              <a:buFont typeface="Wingdings 2" panose="05020102010507070707" pitchFamily="18" charset="2"/>
+              <a:buNone/>
+              <a:defRPr sz="1600" kern="1200">
+                <a:solidFill>
+                  <a:schemeClr val="tx1">
+                    <a:tint val="75000"/>
+                  </a:schemeClr>
+                </a:solidFill>
+                <a:latin typeface="+mn-lt"/>
+                <a:ea typeface="+mn-ea"/>
+                <a:cs typeface="+mn-cs"/>
               </a:defRPr>
             </a:lvl2pPr>
-            <a:lvl3pPr eaLnBrk="1" hangingPunct="1">
-              <a:defRPr>
-                <a:solidFill>
-                  <a:schemeClr val="tx2"/>
-                </a:solidFill>
+            <a:lvl3pPr marL="914400" indent="0" algn="ctr" defTabSz="457200" rtl="0" eaLnBrk="1" latinLnBrk="0" hangingPunct="1">
+              <a:spcBef>
+                <a:spcPct val="20000"/>
+              </a:spcBef>
+              <a:spcAft>
+                <a:spcPts val="600"/>
+              </a:spcAft>
+              <a:buClr>
+                <a:schemeClr val="accent1"/>
+              </a:buClr>
+              <a:buSzPct val="92000"/>
+              <a:buFont typeface="Wingdings 2" panose="05020102010507070707" pitchFamily="18" charset="2"/>
+              <a:buNone/>
+              <a:defRPr sz="1400" kern="1200">
+                <a:solidFill>
+                  <a:schemeClr val="tx1">
+                    <a:tint val="75000"/>
+                  </a:schemeClr>
+                </a:solidFill>
+                <a:latin typeface="+mn-lt"/>
+                <a:ea typeface="+mn-ea"/>
+                <a:cs typeface="+mn-cs"/>
               </a:defRPr>
             </a:lvl3pPr>
-            <a:lvl4pPr eaLnBrk="1" hangingPunct="1">
-              <a:defRPr>
-                <a:solidFill>
-                  <a:schemeClr val="tx2"/>
-                </a:solidFill>
+            <a:lvl4pPr marL="1371600" indent="0" algn="ctr" defTabSz="457200" rtl="0" eaLnBrk="1" latinLnBrk="0" hangingPunct="1">
+              <a:spcBef>
+                <a:spcPct val="20000"/>
+              </a:spcBef>
+              <a:spcAft>
+                <a:spcPts val="600"/>
+              </a:spcAft>
+              <a:buClr>
+                <a:schemeClr val="accent1"/>
+              </a:buClr>
+              <a:buSzPct val="92000"/>
+              <a:buFont typeface="Wingdings 2" panose="05020102010507070707" pitchFamily="18" charset="2"/>
+              <a:buNone/>
+              <a:defRPr sz="1200" kern="1200">
+                <a:solidFill>
+                  <a:schemeClr val="tx1">
+                    <a:tint val="75000"/>
+                  </a:schemeClr>
+                </a:solidFill>
+                <a:latin typeface="+mn-lt"/>
+                <a:ea typeface="+mn-ea"/>
+                <a:cs typeface="+mn-cs"/>
               </a:defRPr>
             </a:lvl4pPr>
-            <a:lvl5pPr eaLnBrk="1" hangingPunct="1">
-              <a:defRPr>
-                <a:solidFill>
-                  <a:schemeClr val="tx2"/>
-                </a:solidFill>
+            <a:lvl5pPr marL="1828800" indent="0" algn="ctr" defTabSz="457200" rtl="0" eaLnBrk="1" latinLnBrk="0" hangingPunct="1">
+              <a:spcBef>
+                <a:spcPct val="20000"/>
+              </a:spcBef>
+              <a:spcAft>
+                <a:spcPts val="600"/>
+              </a:spcAft>
+              <a:buClr>
+                <a:schemeClr val="accent1"/>
+              </a:buClr>
+              <a:buSzPct val="92000"/>
+              <a:buFont typeface="Wingdings 2" panose="05020102010507070707" pitchFamily="18" charset="2"/>
+              <a:buNone/>
+              <a:defRPr sz="1200" kern="1200">
+                <a:solidFill>
+                  <a:schemeClr val="tx1">
+                    <a:tint val="75000"/>
+                  </a:schemeClr>
+                </a:solidFill>
+                <a:latin typeface="+mn-lt"/>
+                <a:ea typeface="+mn-ea"/>
+                <a:cs typeface="+mn-cs"/>
               </a:defRPr>
             </a:lvl5pPr>
-            <a:lvl6pPr eaLnBrk="1" hangingPunct="1">
-              <a:defRPr>
-                <a:solidFill>
-                  <a:schemeClr val="tx2"/>
-                </a:solidFill>
+            <a:lvl6pPr marL="2286000" indent="0" algn="ctr" defTabSz="457200" rtl="0" eaLnBrk="1" latinLnBrk="0" hangingPunct="1">
+              <a:spcBef>
+                <a:spcPct val="20000"/>
+              </a:spcBef>
+              <a:spcAft>
+                <a:spcPts val="600"/>
+              </a:spcAft>
+              <a:buClr>
+                <a:schemeClr val="accent2"/>
+              </a:buClr>
+              <a:buSzPct val="92000"/>
+              <a:buFont typeface="Wingdings 2" panose="05020102010507070707" pitchFamily="18" charset="2"/>
+              <a:buNone/>
+              <a:defRPr sz="1200" kern="1200">
+                <a:solidFill>
+                  <a:schemeClr val="tx1">
+                    <a:tint val="75000"/>
+                  </a:schemeClr>
+                </a:solidFill>
+                <a:latin typeface="+mn-lt"/>
+                <a:ea typeface="+mn-ea"/>
+                <a:cs typeface="+mn-cs"/>
               </a:defRPr>
             </a:lvl6pPr>
-            <a:lvl7pPr eaLnBrk="1" hangingPunct="1">
-              <a:defRPr>
-                <a:solidFill>
-                  <a:schemeClr val="tx2"/>
-                </a:solidFill>
+            <a:lvl7pPr marL="2743200" indent="0" algn="ctr" defTabSz="457200" rtl="0" eaLnBrk="1" latinLnBrk="0" hangingPunct="1">
+              <a:spcBef>
+                <a:spcPct val="20000"/>
+              </a:spcBef>
+              <a:spcAft>
+                <a:spcPts val="600"/>
+              </a:spcAft>
+              <a:buClr>
+                <a:schemeClr val="accent2"/>
+              </a:buClr>
+              <a:buSzPct val="92000"/>
+              <a:buFont typeface="Wingdings 2" panose="05020102010507070707" pitchFamily="18" charset="2"/>
+              <a:buNone/>
+              <a:defRPr sz="1200" kern="1200">
+                <a:solidFill>
+                  <a:schemeClr val="tx1">
+                    <a:tint val="75000"/>
+                  </a:schemeClr>
+                </a:solidFill>
+                <a:latin typeface="+mn-lt"/>
+                <a:ea typeface="+mn-ea"/>
+                <a:cs typeface="+mn-cs"/>
               </a:defRPr>
             </a:lvl7pPr>
-            <a:lvl8pPr eaLnBrk="1" hangingPunct="1">
-              <a:defRPr>
-                <a:solidFill>
-                  <a:schemeClr val="tx2"/>
-                </a:solidFill>
+            <a:lvl8pPr marL="3200400" indent="0" algn="ctr" defTabSz="457200" rtl="0" eaLnBrk="1" latinLnBrk="0" hangingPunct="1">
+              <a:spcBef>
+                <a:spcPct val="20000"/>
+              </a:spcBef>
+              <a:spcAft>
+                <a:spcPts val="600"/>
+              </a:spcAft>
+              <a:buClr>
+                <a:schemeClr val="accent2"/>
+              </a:buClr>
+              <a:buSzPct val="92000"/>
+              <a:buFont typeface="Wingdings 2" panose="05020102010507070707" pitchFamily="18" charset="2"/>
+              <a:buNone/>
+              <a:defRPr sz="1200" kern="1200">
+                <a:solidFill>
+                  <a:schemeClr val="tx1">
+                    <a:tint val="75000"/>
+                  </a:schemeClr>
+                </a:solidFill>
+                <a:latin typeface="+mn-lt"/>
+                <a:ea typeface="+mn-ea"/>
+                <a:cs typeface="+mn-cs"/>
               </a:defRPr>
             </a:lvl8pPr>
-            <a:lvl9pPr eaLnBrk="1" hangingPunct="1">
-              <a:defRPr>
-                <a:solidFill>
-                  <a:schemeClr val="tx2"/>
-                </a:solidFill>
+            <a:lvl9pPr marL="3657600" indent="0" algn="ctr" defTabSz="457200" rtl="0" eaLnBrk="1" latinLnBrk="0" hangingPunct="1">
+              <a:spcBef>
+                <a:spcPct val="20000"/>
+              </a:spcBef>
+              <a:spcAft>
+                <a:spcPts val="600"/>
+              </a:spcAft>
+              <a:buClr>
+                <a:schemeClr val="accent2"/>
+              </a:buClr>
+              <a:buSzPct val="92000"/>
+              <a:buFont typeface="Wingdings 2" panose="05020102010507070707" pitchFamily="18" charset="2"/>
+              <a:buNone/>
+              <a:defRPr sz="1200" kern="1200">
+                <a:solidFill>
+                  <a:schemeClr val="tx1">
+                    <a:tint val="75000"/>
+                  </a:schemeClr>
+                </a:solidFill>
+                <a:latin typeface="+mn-lt"/>
+                <a:ea typeface="+mn-ea"/>
+                <a:cs typeface="+mn-cs"/>
               </a:defRPr>
             </a:lvl9pPr>
           </a:lstStyle>
           <a:p>
-            <a:r>
-              <a:rPr lang="en-US" dirty="0"/>
-              <a:t>   </a:t>
-            </a:r>
-            <a:r>
-              <a:rPr lang="en-US" sz="5300" dirty="0">
-                <a:solidFill>
-                  <a:schemeClr val="accent6">
-                    <a:lumMod val="75000"/>
-                  </a:schemeClr>
-                </a:solidFill>
-              </a:rPr>
-              <a:t>B.TECH FIRST YEAR</a:t>
-            </a:r>
+            <a:pPr algn="ctr"/>
+            <a:r>
+              <a:rPr lang="en-IN" sz="3200" u="sng" dirty="0">
+                <a:latin typeface="Times New Roman" panose="02020603050405020304" pitchFamily="18" charset="0"/>
+                <a:ea typeface="Calibri" panose="020F0502020204030204" pitchFamily="34" charset="0"/>
+                <a:cs typeface="Times New Roman" panose="02020603050405020304" pitchFamily="18" charset="0"/>
+              </a:rPr>
+              <a:t>Superposition Theorem</a:t>
+            </a:r>
+            <a:endParaRPr lang="en-US" sz="1100" u="sng" dirty="0"/>
           </a:p>
           <a:p>
-            <a:r>
-              <a:rPr lang="en-US" sz="5300" dirty="0"/>
-              <a:t>    </a:t>
-            </a:r>
-            <a:r>
-              <a:rPr lang="en-US" sz="3000" dirty="0" err="1"/>
-              <a:t>ACADemic</a:t>
-            </a:r>
-            <a:r>
-              <a:rPr lang="en-US" sz="3000" dirty="0"/>
-              <a:t> YEAR: 2023-2024</a:t>
-            </a:r>
+            <a:endParaRPr lang="en-US" sz="1000" i="1" dirty="0"/>
+          </a:p>
+          <a:p>
+            <a:pPr defTabSz="342900"/>
+            <a:endParaRPr lang="en-US" sz="2000" dirty="0"/>
           </a:p>
         </p:txBody>
       </p:sp>
       <p:sp>
         <p:nvSpPr>
-          <p:cNvPr id="13" name="Slide Number Placeholder 12">
+          <p:cNvPr id="9" name="Footer Placeholder 8">
             <a:extLst>
               <a:ext uri="{FF2B5EF4-FFF2-40B4-BE49-F238E27FC236}">
-                <a16:creationId xmlns:a16="http://schemas.microsoft.com/office/drawing/2014/main" id="{3C9DBEA6-A122-B3E6-85EC-49CEF707EEA2}"/>
+                <a16:creationId xmlns:a16="http://schemas.microsoft.com/office/drawing/2014/main" id="{03B6280D-9E9C-4B24-0D52-50288439A32E}"/>
+              </a:ext>
+            </a:extLst>
+          </p:cNvPr>
+          <p:cNvSpPr>
+            <a:spLocks noGrp="1"/>
+          </p:cNvSpPr>
+          <p:nvPr>
+            <p:ph type="ftr" sz="quarter" idx="11"/>
+          </p:nvPr>
+        </p:nvSpPr>
+        <p:spPr/>
+        <p:txBody>
+          <a:bodyPr/>
+          <a:lstStyle/>
+          <a:p>
+            <a:r>
+              <a:rPr lang="en-US"/>
+              <a:t>Electrical &amp; Electronics System EE1002</a:t>
+            </a:r>
+          </a:p>
+        </p:txBody>
+      </p:sp>
+      <p:sp>
+        <p:nvSpPr>
+          <p:cNvPr id="11" name="Slide Number Placeholder 10">
+            <a:extLst>
+              <a:ext uri="{FF2B5EF4-FFF2-40B4-BE49-F238E27FC236}">
+                <a16:creationId xmlns:a16="http://schemas.microsoft.com/office/drawing/2014/main" id="{3012B307-4052-AB1F-E405-FF42AE9F3DEA}"/>
               </a:ext>
             </a:extLst>
           </p:cNvPr>
@@ -2623,14 +2351,203 @@
               <a:rPr lang="en-US" smtClean="0"/>
               <a:t>1</a:t>
             </a:fld>
-            <a:endParaRPr lang="en-US" dirty="0"/>
+            <a:endParaRPr lang="en-US"/>
+          </a:p>
+        </p:txBody>
+      </p:sp>
+      <p:sp>
+        <p:nvSpPr>
+          <p:cNvPr id="3" name="Rectangle 2">
+            <a:extLst>
+              <a:ext uri="{FF2B5EF4-FFF2-40B4-BE49-F238E27FC236}">
+                <a16:creationId xmlns:a16="http://schemas.microsoft.com/office/drawing/2014/main" id="{19A2F149-D4AD-9939-9A12-9CB5BDA87AF8}"/>
+              </a:ext>
+            </a:extLst>
+          </p:cNvPr>
+          <p:cNvSpPr/>
+          <p:nvPr/>
+        </p:nvSpPr>
+        <p:spPr>
+          <a:xfrm>
+            <a:off x="716071" y="1272540"/>
+            <a:ext cx="10759858" cy="1323439"/>
+          </a:xfrm>
+          <a:prstGeom prst="rect">
+            <a:avLst/>
+          </a:prstGeom>
+        </p:spPr>
+        <p:txBody>
+          <a:bodyPr wrap="square">
+            <a:spAutoFit/>
+          </a:bodyPr>
+          <a:lstStyle/>
+          <a:p>
+            <a:pPr algn="just"/>
+            <a:r>
+              <a:rPr lang="en-IN" sz="2000" u="sng" dirty="0">
+                <a:solidFill>
+                  <a:srgbClr val="202122"/>
+                </a:solidFill>
+                <a:latin typeface="Times New Roman" panose="02020603050405020304" pitchFamily="18" charset="0"/>
+                <a:cs typeface="Times New Roman" panose="02020603050405020304" pitchFamily="18" charset="0"/>
+              </a:rPr>
+              <a:t>Statement</a:t>
+            </a:r>
+            <a:r>
+              <a:rPr lang="en-IN" sz="2000" dirty="0">
+                <a:solidFill>
+                  <a:srgbClr val="202122"/>
+                </a:solidFill>
+                <a:latin typeface="Times New Roman" panose="02020603050405020304" pitchFamily="18" charset="0"/>
+                <a:cs typeface="Times New Roman" panose="02020603050405020304" pitchFamily="18" charset="0"/>
+              </a:rPr>
+              <a:t>:-  In a linear network with several independent sources, the response in a particular branch when all the sources are acting simultaneously is equal to the linear sum of individual responses calculated by taking one independent source at a time. Superposition theorem is used only in linear networks. </a:t>
+            </a:r>
+          </a:p>
+        </p:txBody>
+      </p:sp>
+      <p:pic>
+        <p:nvPicPr>
+          <p:cNvPr id="4" name="Picture 2" descr="Super Position Theorem">
+            <a:extLst>
+              <a:ext uri="{FF2B5EF4-FFF2-40B4-BE49-F238E27FC236}">
+                <a16:creationId xmlns:a16="http://schemas.microsoft.com/office/drawing/2014/main" id="{1DFAB120-1549-47DA-66B4-0596AE7D8156}"/>
+              </a:ext>
+            </a:extLst>
+          </p:cNvPr>
+          <p:cNvPicPr>
+            <a:picLocks noChangeAspect="1" noChangeArrowheads="1"/>
+          </p:cNvPicPr>
+          <p:nvPr/>
+        </p:nvPicPr>
+        <p:blipFill>
+          <a:blip r:embed="rId2">
+            <a:extLst>
+              <a:ext uri="{28A0092B-C50C-407E-A947-70E740481C1C}">
+                <a14:useLocalDpi xmlns:a14="http://schemas.microsoft.com/office/drawing/2010/main" val="0"/>
+              </a:ext>
+            </a:extLst>
+          </a:blip>
+          <a:srcRect/>
+          <a:stretch>
+            <a:fillRect/>
+          </a:stretch>
+        </p:blipFill>
+        <p:spPr bwMode="auto">
+          <a:xfrm>
+            <a:off x="2438886" y="2950915"/>
+            <a:ext cx="4543705" cy="3354888"/>
+          </a:xfrm>
+          <a:prstGeom prst="rect">
+            <a:avLst/>
+          </a:prstGeom>
+          <a:noFill/>
+          <a:extLst>
+            <a:ext uri="{909E8E84-426E-40DD-AFC4-6F175D3DCCD1}">
+              <a14:hiddenFill xmlns:a14="http://schemas.microsoft.com/office/drawing/2010/main">
+                <a:solidFill>
+                  <a:srgbClr val="FFFFFF"/>
+                </a:solidFill>
+              </a14:hiddenFill>
+            </a:ext>
+          </a:extLst>
+        </p:spPr>
+      </p:pic>
+      <p:sp>
+        <p:nvSpPr>
+          <p:cNvPr id="5" name="Rectangle 4">
+            <a:extLst>
+              <a:ext uri="{FF2B5EF4-FFF2-40B4-BE49-F238E27FC236}">
+                <a16:creationId xmlns:a16="http://schemas.microsoft.com/office/drawing/2014/main" id="{F76B408B-E128-C5CE-7395-CDAE918FE2B5}"/>
+              </a:ext>
+            </a:extLst>
+          </p:cNvPr>
+          <p:cNvSpPr/>
+          <p:nvPr/>
+        </p:nvSpPr>
+        <p:spPr>
+          <a:xfrm>
+            <a:off x="7095341" y="4309934"/>
+            <a:ext cx="4767844" cy="400110"/>
+          </a:xfrm>
+          <a:prstGeom prst="rect">
+            <a:avLst/>
+          </a:prstGeom>
+        </p:spPr>
+        <p:txBody>
+          <a:bodyPr wrap="none">
+            <a:spAutoFit/>
+          </a:bodyPr>
+          <a:lstStyle/>
+          <a:p>
+            <a:r>
+              <a:rPr lang="en-IN" sz="2000" dirty="0">
+                <a:solidFill>
+                  <a:prstClr val="black"/>
+                </a:solidFill>
+                <a:latin typeface="Times New Roman" panose="02020603050405020304" pitchFamily="18" charset="0"/>
+                <a:cs typeface="Times New Roman" panose="02020603050405020304" pitchFamily="18" charset="0"/>
+              </a:rPr>
+              <a:t>Fig.1 Explanation of Superposition Theorem</a:t>
+            </a:r>
+          </a:p>
+        </p:txBody>
+      </p:sp>
+      <p:sp>
+        <p:nvSpPr>
+          <p:cNvPr id="6" name="TextBox 5">
+            <a:extLst>
+              <a:ext uri="{FF2B5EF4-FFF2-40B4-BE49-F238E27FC236}">
+                <a16:creationId xmlns:a16="http://schemas.microsoft.com/office/drawing/2014/main" id="{8B41FFB8-4990-A78A-4AC6-4810F1C0D008}"/>
+              </a:ext>
+            </a:extLst>
+          </p:cNvPr>
+          <p:cNvSpPr txBox="1"/>
+          <p:nvPr/>
+        </p:nvSpPr>
+        <p:spPr>
+          <a:xfrm>
+            <a:off x="716071" y="2571664"/>
+            <a:ext cx="10471760" cy="400110"/>
+          </a:xfrm>
+          <a:prstGeom prst="rect">
+            <a:avLst/>
+          </a:prstGeom>
+          <a:noFill/>
+        </p:spPr>
+        <p:txBody>
+          <a:bodyPr wrap="square" rtlCol="0">
+            <a:spAutoFit/>
+          </a:bodyPr>
+          <a:lstStyle/>
+          <a:p>
+            <a:r>
+              <a:rPr lang="en-IN" sz="2000" b="1" dirty="0">
+                <a:solidFill>
+                  <a:srgbClr val="FF0000"/>
+                </a:solidFill>
+                <a:latin typeface="Times New Roman" panose="02020603050405020304" pitchFamily="18" charset="0"/>
+                <a:cs typeface="Times New Roman" panose="02020603050405020304" pitchFamily="18" charset="0"/>
+              </a:rPr>
+              <a:t>Problem-1</a:t>
+            </a:r>
+            <a:r>
+              <a:rPr lang="en-IN" sz="2000" dirty="0">
+                <a:solidFill>
+                  <a:srgbClr val="FF0000"/>
+                </a:solidFill>
+                <a:latin typeface="Times New Roman" panose="02020603050405020304" pitchFamily="18" charset="0"/>
+                <a:cs typeface="Times New Roman" panose="02020603050405020304" pitchFamily="18" charset="0"/>
+              </a:rPr>
+              <a:t>-: Find the voltage drop across the 2 ohm (R2)  resistor using superposition theorem. </a:t>
+            </a:r>
           </a:p>
         </p:txBody>
       </p:sp>
     </p:spTree>
     <p:extLst>
       <p:ext uri="{BB962C8B-B14F-4D97-AF65-F5344CB8AC3E}">
-        <p14:creationId xmlns:p14="http://schemas.microsoft.com/office/powerpoint/2010/main" val="384003318"/>
+        <p14:creationId xmlns:p14="http://schemas.microsoft.com/office/powerpoint/2010/main" val="3276181006"/>
       </p:ext>
     </p:extLst>
   </p:cSld>
@@ -2927,10 +2844,46 @@
       </p:sp>
       <p:sp>
         <p:nvSpPr>
-          <p:cNvPr id="9" name="Footer Placeholder 8">
+          <p:cNvPr id="2" name="TextBox 1"/>
+          <p:cNvSpPr txBox="1"/>
+          <p:nvPr/>
+        </p:nvSpPr>
+        <p:spPr>
+          <a:xfrm>
+            <a:off x="2586038" y="3247187"/>
+            <a:ext cx="6557962" cy="553998"/>
+          </a:xfrm>
+          <a:prstGeom prst="rect">
+            <a:avLst/>
+          </a:prstGeom>
+          <a:noFill/>
+        </p:spPr>
+        <p:txBody>
+          <a:bodyPr wrap="square" rtlCol="0">
+            <a:spAutoFit/>
+          </a:bodyPr>
+          <a:lstStyle/>
+          <a:p>
+            <a:pPr algn="ctr"/>
+            <a:r>
+              <a:rPr lang="en-IN" sz="3000" dirty="0">
+                <a:solidFill>
+                  <a:srgbClr val="002060"/>
+                </a:solidFill>
+                <a:latin typeface="Times New Roman" panose="02020603050405020304" pitchFamily="18" charset="0"/>
+                <a:cs typeface="Times New Roman" panose="02020603050405020304" pitchFamily="18" charset="0"/>
+              </a:rPr>
+              <a:t>THANK YOU</a:t>
+            </a:r>
+          </a:p>
+        </p:txBody>
+      </p:sp>
+      <p:sp>
+        <p:nvSpPr>
+          <p:cNvPr id="10" name="Footer Placeholder 9">
             <a:extLst>
               <a:ext uri="{FF2B5EF4-FFF2-40B4-BE49-F238E27FC236}">
-                <a16:creationId xmlns:a16="http://schemas.microsoft.com/office/drawing/2014/main" id="{769A03A9-F847-CC98-D741-39AC19167788}"/>
+                <a16:creationId xmlns:a16="http://schemas.microsoft.com/office/drawing/2014/main" id="{97E5F167-CBCD-DACD-543E-993E67DB43CF}"/>
               </a:ext>
             </a:extLst>
           </p:cNvPr>
@@ -2958,7 +2911,7 @@
           <p:cNvPr id="11" name="Slide Number Placeholder 10">
             <a:extLst>
               <a:ext uri="{FF2B5EF4-FFF2-40B4-BE49-F238E27FC236}">
-                <a16:creationId xmlns:a16="http://schemas.microsoft.com/office/drawing/2014/main" id="{8033D47E-0A47-279F-45A1-B05AA6FF8E85}"/>
+                <a16:creationId xmlns:a16="http://schemas.microsoft.com/office/drawing/2014/main" id="{6409F930-4FBB-E894-967A-ABE2C1F32753}"/>
               </a:ext>
             </a:extLst>
           </p:cNvPr>
@@ -2977,6 +2930,1551 @@
             <a:fld id="{3A98EE3D-8CD1-4C3F-BD1C-C98C9596463C}" type="slidenum">
               <a:rPr lang="en-US" smtClean="0"/>
               <a:t>10</a:t>
+            </a:fld>
+            <a:endParaRPr lang="en-US"/>
+          </a:p>
+        </p:txBody>
+      </p:sp>
+    </p:spTree>
+    <p:extLst>
+      <p:ext uri="{BB962C8B-B14F-4D97-AF65-F5344CB8AC3E}">
+        <p14:creationId xmlns:p14="http://schemas.microsoft.com/office/powerpoint/2010/main" val="4185844908"/>
+      </p:ext>
+    </p:extLst>
+  </p:cSld>
+  <p:clrMapOvr>
+    <a:masterClrMapping/>
+  </p:clrMapOvr>
+</p:sld>
+</file>
+
+<file path=ppt/slides/slide2.xml><?xml version="1.0" encoding="utf-8"?>
+<p:sld xmlns:a="http://schemas.openxmlformats.org/drawingml/2006/main" xmlns:r="http://schemas.openxmlformats.org/officeDocument/2006/relationships" xmlns:p="http://schemas.openxmlformats.org/presentationml/2006/main">
+  <p:cSld>
+    <p:spTree>
+      <p:nvGrpSpPr>
+        <p:cNvPr id="1" name=""/>
+        <p:cNvGrpSpPr/>
+        <p:nvPr/>
+      </p:nvGrpSpPr>
+      <p:grpSpPr>
+        <a:xfrm>
+          <a:off x="0" y="0"/>
+          <a:ext cx="0" cy="0"/>
+          <a:chOff x="0" y="0"/>
+          <a:chExt cx="0" cy="0"/>
+        </a:xfrm>
+      </p:grpSpPr>
+      <p:sp useBgFill="1">
+        <p:nvSpPr>
+          <p:cNvPr id="76" name="Rectangle 75">
+            <a:extLst>
+              <a:ext uri="{FF2B5EF4-FFF2-40B4-BE49-F238E27FC236}">
+                <a16:creationId xmlns:a16="http://schemas.microsoft.com/office/drawing/2014/main" id="{38733D19-FF76-4DF6-985F-DB050AF87F9E}"/>
+              </a:ext>
+              <a:ext uri="{C183D7F6-B498-43B3-948B-1728B52AA6E4}">
+                <adec:decorative xmlns:adec="http://schemas.microsoft.com/office/drawing/2017/decorative" val="1"/>
+              </a:ext>
+            </a:extLst>
+          </p:cNvPr>
+          <p:cNvSpPr>
+            <a:spLocks noGrp="1" noRot="1" noChangeAspect="1" noMove="1" noResize="1" noEditPoints="1" noAdjustHandles="1" noChangeArrowheads="1" noChangeShapeType="1" noTextEdit="1"/>
+          </p:cNvSpPr>
+          <p:nvPr>
+            <p:extLst>
+              <p:ext uri="{386F3935-93C4-4BCD-93E2-E3B085C9AB24}">
+                <p16:designElem xmlns:p16="http://schemas.microsoft.com/office/powerpoint/2015/main" val="1"/>
+              </p:ext>
+            </p:extLst>
+          </p:nvPr>
+        </p:nvSpPr>
+        <p:spPr>
+          <a:xfrm>
+            <a:off x="0" y="0"/>
+            <a:ext cx="12192000" cy="6858000"/>
+          </a:xfrm>
+          <a:prstGeom prst="rect">
+            <a:avLst/>
+          </a:prstGeom>
+          <a:ln>
+            <a:noFill/>
+          </a:ln>
+        </p:spPr>
+        <p:style>
+          <a:lnRef idx="2">
+            <a:schemeClr val="accent1">
+              <a:shade val="50000"/>
+            </a:schemeClr>
+          </a:lnRef>
+          <a:fillRef idx="1">
+            <a:schemeClr val="accent1"/>
+          </a:fillRef>
+          <a:effectRef idx="0">
+            <a:schemeClr val="accent1"/>
+          </a:effectRef>
+          <a:fontRef idx="minor">
+            <a:schemeClr val="lt1"/>
+          </a:fontRef>
+        </p:style>
+        <p:txBody>
+          <a:bodyPr rtlCol="0" anchor="ctr"/>
+          <a:lstStyle/>
+          <a:p>
+            <a:pPr algn="ctr"/>
+            <a:endParaRPr lang="en-US"/>
+          </a:p>
+        </p:txBody>
+      </p:sp>
+      <p:sp>
+        <p:nvSpPr>
+          <p:cNvPr id="78" name="Rectangle 77">
+            <a:extLst>
+              <a:ext uri="{FF2B5EF4-FFF2-40B4-BE49-F238E27FC236}">
+                <a16:creationId xmlns:a16="http://schemas.microsoft.com/office/drawing/2014/main" id="{B8931767-514A-4E70-9129-DB6B46BFA823}"/>
+              </a:ext>
+              <a:ext uri="{C183D7F6-B498-43B3-948B-1728B52AA6E4}">
+                <adec:decorative xmlns:adec="http://schemas.microsoft.com/office/drawing/2017/decorative" val="1"/>
+              </a:ext>
+            </a:extLst>
+          </p:cNvPr>
+          <p:cNvSpPr>
+            <a:spLocks noGrp="1" noRot="1" noChangeAspect="1" noMove="1" noResize="1" noEditPoints="1" noAdjustHandles="1" noChangeArrowheads="1" noChangeShapeType="1" noTextEdit="1"/>
+          </p:cNvSpPr>
+          <p:nvPr>
+            <p:extLst>
+              <p:ext uri="{386F3935-93C4-4BCD-93E2-E3B085C9AB24}">
+                <p16:designElem xmlns:p16="http://schemas.microsoft.com/office/powerpoint/2015/main" val="1"/>
+              </p:ext>
+            </p:extLst>
+          </p:nvPr>
+        </p:nvSpPr>
+        <p:spPr>
+          <a:xfrm>
+            <a:off x="446534" y="457200"/>
+            <a:ext cx="3703320" cy="94997"/>
+          </a:xfrm>
+          <a:prstGeom prst="rect">
+            <a:avLst/>
+          </a:prstGeom>
+          <a:solidFill>
+            <a:srgbClr val="465359"/>
+          </a:solidFill>
+          <a:ln>
+            <a:noFill/>
+          </a:ln>
+          <a:effectLst/>
+        </p:spPr>
+        <p:style>
+          <a:lnRef idx="1">
+            <a:schemeClr val="accent1"/>
+          </a:lnRef>
+          <a:fillRef idx="3">
+            <a:schemeClr val="accent1"/>
+          </a:fillRef>
+          <a:effectRef idx="2">
+            <a:schemeClr val="accent1"/>
+          </a:effectRef>
+          <a:fontRef idx="minor">
+            <a:schemeClr val="lt1"/>
+          </a:fontRef>
+        </p:style>
+      </p:sp>
+      <p:sp>
+        <p:nvSpPr>
+          <p:cNvPr id="80" name="Rectangle 79">
+            <a:extLst>
+              <a:ext uri="{FF2B5EF4-FFF2-40B4-BE49-F238E27FC236}">
+                <a16:creationId xmlns:a16="http://schemas.microsoft.com/office/drawing/2014/main" id="{092556C3-D615-4E70-B4AD-7791DE6BBDE9}"/>
+              </a:ext>
+              <a:ext uri="{C183D7F6-B498-43B3-948B-1728B52AA6E4}">
+                <adec:decorative xmlns:adec="http://schemas.microsoft.com/office/drawing/2017/decorative" val="1"/>
+              </a:ext>
+            </a:extLst>
+          </p:cNvPr>
+          <p:cNvSpPr>
+            <a:spLocks noGrp="1" noRot="1" noChangeAspect="1" noMove="1" noResize="1" noEditPoints="1" noAdjustHandles="1" noChangeArrowheads="1" noChangeShapeType="1" noTextEdit="1"/>
+          </p:cNvSpPr>
+          <p:nvPr>
+            <p:extLst>
+              <p:ext uri="{386F3935-93C4-4BCD-93E2-E3B085C9AB24}">
+                <p16:designElem xmlns:p16="http://schemas.microsoft.com/office/powerpoint/2015/main" val="1"/>
+              </p:ext>
+            </p:extLst>
+          </p:nvPr>
+        </p:nvSpPr>
+        <p:spPr>
+          <a:xfrm>
+            <a:off x="4241830" y="457200"/>
+            <a:ext cx="3703320" cy="91440"/>
+          </a:xfrm>
+          <a:prstGeom prst="rect">
+            <a:avLst/>
+          </a:prstGeom>
+          <a:solidFill>
+            <a:schemeClr val="accent1"/>
+          </a:solidFill>
+          <a:ln>
+            <a:noFill/>
+          </a:ln>
+          <a:effectLst/>
+        </p:spPr>
+        <p:style>
+          <a:lnRef idx="1">
+            <a:schemeClr val="accent1"/>
+          </a:lnRef>
+          <a:fillRef idx="3">
+            <a:schemeClr val="accent1"/>
+          </a:fillRef>
+          <a:effectRef idx="2">
+            <a:schemeClr val="accent1"/>
+          </a:effectRef>
+          <a:fontRef idx="minor">
+            <a:schemeClr val="lt1"/>
+          </a:fontRef>
+        </p:style>
+      </p:sp>
+      <p:sp>
+        <p:nvSpPr>
+          <p:cNvPr id="1036" name="Rectangle 81">
+            <a:extLst>
+              <a:ext uri="{FF2B5EF4-FFF2-40B4-BE49-F238E27FC236}">
+                <a16:creationId xmlns:a16="http://schemas.microsoft.com/office/drawing/2014/main" id="{5D468424-DF72-426E-8DB3-F91B8857CB3B}"/>
+              </a:ext>
+              <a:ext uri="{C183D7F6-B498-43B3-948B-1728B52AA6E4}">
+                <adec:decorative xmlns:adec="http://schemas.microsoft.com/office/drawing/2017/decorative" val="1"/>
+              </a:ext>
+            </a:extLst>
+          </p:cNvPr>
+          <p:cNvSpPr>
+            <a:spLocks noGrp="1" noRot="1" noChangeAspect="1" noMove="1" noResize="1" noEditPoints="1" noAdjustHandles="1" noChangeArrowheads="1" noChangeShapeType="1" noTextEdit="1"/>
+          </p:cNvSpPr>
+          <p:nvPr>
+            <p:extLst>
+              <p:ext uri="{386F3935-93C4-4BCD-93E2-E3B085C9AB24}">
+                <p16:designElem xmlns:p16="http://schemas.microsoft.com/office/powerpoint/2015/main" val="1"/>
+              </p:ext>
+            </p:extLst>
+          </p:nvPr>
+        </p:nvSpPr>
+        <p:spPr>
+          <a:xfrm>
+            <a:off x="8042147" y="453643"/>
+            <a:ext cx="3703320" cy="98554"/>
+          </a:xfrm>
+          <a:prstGeom prst="rect">
+            <a:avLst/>
+          </a:prstGeom>
+          <a:solidFill>
+            <a:srgbClr val="969FA7"/>
+          </a:solidFill>
+          <a:ln>
+            <a:noFill/>
+          </a:ln>
+          <a:effectLst/>
+        </p:spPr>
+        <p:style>
+          <a:lnRef idx="1">
+            <a:schemeClr val="accent1"/>
+          </a:lnRef>
+          <a:fillRef idx="3">
+            <a:schemeClr val="accent1"/>
+          </a:fillRef>
+          <a:effectRef idx="2">
+            <a:schemeClr val="accent1"/>
+          </a:effectRef>
+          <a:fontRef idx="minor">
+            <a:schemeClr val="lt1"/>
+          </a:fontRef>
+        </p:style>
+      </p:sp>
+      <p:sp>
+        <p:nvSpPr>
+          <p:cNvPr id="7" name="Rectangle 6"/>
+          <p:cNvSpPr/>
+          <p:nvPr/>
+        </p:nvSpPr>
+        <p:spPr>
+          <a:xfrm>
+            <a:off x="446535" y="6572250"/>
+            <a:ext cx="11298932" cy="71437"/>
+          </a:xfrm>
+          <a:prstGeom prst="rect">
+            <a:avLst/>
+          </a:prstGeom>
+          <a:solidFill>
+            <a:schemeClr val="accent3"/>
+          </a:solidFill>
+          <a:ln>
+            <a:noFill/>
+          </a:ln>
+        </p:spPr>
+        <p:style>
+          <a:lnRef idx="2">
+            <a:schemeClr val="accent1">
+              <a:shade val="50000"/>
+            </a:schemeClr>
+          </a:lnRef>
+          <a:fillRef idx="1">
+            <a:schemeClr val="accent1"/>
+          </a:fillRef>
+          <a:effectRef idx="0">
+            <a:schemeClr val="accent1"/>
+          </a:effectRef>
+          <a:fontRef idx="minor">
+            <a:schemeClr val="lt1"/>
+          </a:fontRef>
+        </p:style>
+        <p:txBody>
+          <a:bodyPr rtlCol="0" anchor="ctr"/>
+          <a:lstStyle/>
+          <a:p>
+            <a:pPr algn="ctr"/>
+            <a:endParaRPr lang="en-IN"/>
+          </a:p>
+        </p:txBody>
+      </p:sp>
+      <p:sp>
+        <p:nvSpPr>
+          <p:cNvPr id="9" name="Footer Placeholder 8">
+            <a:extLst>
+              <a:ext uri="{FF2B5EF4-FFF2-40B4-BE49-F238E27FC236}">
+                <a16:creationId xmlns:a16="http://schemas.microsoft.com/office/drawing/2014/main" id="{769A03A9-F847-CC98-D741-39AC19167788}"/>
+              </a:ext>
+            </a:extLst>
+          </p:cNvPr>
+          <p:cNvSpPr>
+            <a:spLocks noGrp="1"/>
+          </p:cNvSpPr>
+          <p:nvPr>
+            <p:ph type="ftr" sz="quarter" idx="11"/>
+          </p:nvPr>
+        </p:nvSpPr>
+        <p:spPr/>
+        <p:txBody>
+          <a:bodyPr/>
+          <a:lstStyle/>
+          <a:p>
+            <a:r>
+              <a:rPr lang="en-US"/>
+              <a:t>Electrical &amp; Electronics System EE1002</a:t>
+            </a:r>
+          </a:p>
+        </p:txBody>
+      </p:sp>
+      <p:sp>
+        <p:nvSpPr>
+          <p:cNvPr id="11" name="Slide Number Placeholder 10">
+            <a:extLst>
+              <a:ext uri="{FF2B5EF4-FFF2-40B4-BE49-F238E27FC236}">
+                <a16:creationId xmlns:a16="http://schemas.microsoft.com/office/drawing/2014/main" id="{8033D47E-0A47-279F-45A1-B05AA6FF8E85}"/>
+              </a:ext>
+            </a:extLst>
+          </p:cNvPr>
+          <p:cNvSpPr>
+            <a:spLocks noGrp="1"/>
+          </p:cNvSpPr>
+          <p:nvPr>
+            <p:ph type="sldNum" sz="quarter" idx="12"/>
+          </p:nvPr>
+        </p:nvSpPr>
+        <p:spPr/>
+        <p:txBody>
+          <a:bodyPr/>
+          <a:lstStyle/>
+          <a:p>
+            <a:fld id="{3A98EE3D-8CD1-4C3F-BD1C-C98C9596463C}" type="slidenum">
+              <a:rPr lang="en-US" smtClean="0"/>
+              <a:t>2</a:t>
+            </a:fld>
+            <a:endParaRPr lang="en-US"/>
+          </a:p>
+        </p:txBody>
+      </p:sp>
+      <p:sp>
+        <p:nvSpPr>
+          <p:cNvPr id="2" name="Rectangle 1">
+            <a:extLst>
+              <a:ext uri="{FF2B5EF4-FFF2-40B4-BE49-F238E27FC236}">
+                <a16:creationId xmlns:a16="http://schemas.microsoft.com/office/drawing/2014/main" id="{AF585998-8EDD-CCE0-41DB-072814858778}"/>
+              </a:ext>
+            </a:extLst>
+          </p:cNvPr>
+          <p:cNvSpPr/>
+          <p:nvPr/>
+        </p:nvSpPr>
+        <p:spPr>
+          <a:xfrm>
+            <a:off x="568665" y="796352"/>
+            <a:ext cx="10768208" cy="707886"/>
+          </a:xfrm>
+          <a:prstGeom prst="rect">
+            <a:avLst/>
+          </a:prstGeom>
+        </p:spPr>
+        <p:txBody>
+          <a:bodyPr wrap="square">
+            <a:spAutoFit/>
+          </a:bodyPr>
+          <a:lstStyle/>
+          <a:p>
+            <a:r>
+              <a:rPr lang="en-IN" sz="2000" dirty="0">
+                <a:solidFill>
+                  <a:srgbClr val="333333"/>
+                </a:solidFill>
+                <a:latin typeface="Times New Roman" panose="02020603050405020304" pitchFamily="18" charset="0"/>
+                <a:cs typeface="Times New Roman" panose="02020603050405020304" pitchFamily="18" charset="0"/>
+              </a:rPr>
+              <a:t>In the above figure, the circuit with two voltage sources is divided into two individual circuits according to this theorem’s statement. </a:t>
+            </a:r>
+            <a:endParaRPr lang="en-IN" sz="2000" dirty="0">
+              <a:solidFill>
+                <a:prstClr val="black"/>
+              </a:solidFill>
+              <a:latin typeface="Times New Roman" panose="02020603050405020304" pitchFamily="18" charset="0"/>
+              <a:cs typeface="Times New Roman" panose="02020603050405020304" pitchFamily="18" charset="0"/>
+            </a:endParaRPr>
+          </a:p>
+        </p:txBody>
+      </p:sp>
+      <p:sp>
+        <p:nvSpPr>
+          <p:cNvPr id="3" name="Rectangle 2">
+            <a:extLst>
+              <a:ext uri="{FF2B5EF4-FFF2-40B4-BE49-F238E27FC236}">
+                <a16:creationId xmlns:a16="http://schemas.microsoft.com/office/drawing/2014/main" id="{6B836175-C51A-7341-D0C4-5C55BF71BCA1}"/>
+              </a:ext>
+            </a:extLst>
+          </p:cNvPr>
+          <p:cNvSpPr/>
+          <p:nvPr/>
+        </p:nvSpPr>
+        <p:spPr>
+          <a:xfrm>
+            <a:off x="568665" y="1687787"/>
+            <a:ext cx="10768208" cy="1323439"/>
+          </a:xfrm>
+          <a:prstGeom prst="rect">
+            <a:avLst/>
+          </a:prstGeom>
+        </p:spPr>
+        <p:txBody>
+          <a:bodyPr wrap="square">
+            <a:spAutoFit/>
+          </a:bodyPr>
+          <a:lstStyle/>
+          <a:p>
+            <a:pPr algn="just"/>
+            <a:r>
+              <a:rPr lang="en-IN" sz="2000" dirty="0">
+                <a:solidFill>
+                  <a:srgbClr val="333333"/>
+                </a:solidFill>
+                <a:latin typeface="Times New Roman" panose="02020603050405020304" pitchFamily="18" charset="0"/>
+                <a:cs typeface="Times New Roman" panose="02020603050405020304" pitchFamily="18" charset="0"/>
+              </a:rPr>
+              <a:t>In first case used only one voltage source and other voltage source is replace with their internal resistance which is </a:t>
+            </a:r>
+            <a:r>
+              <a:rPr lang="en-IN" sz="2000" dirty="0">
+                <a:solidFill>
+                  <a:srgbClr val="5B9BD5"/>
+                </a:solidFill>
+                <a:latin typeface="Times New Roman" panose="02020603050405020304" pitchFamily="18" charset="0"/>
+                <a:cs typeface="Times New Roman" panose="02020603050405020304" pitchFamily="18" charset="0"/>
+              </a:rPr>
+              <a:t>zero </a:t>
+            </a:r>
+            <a:r>
+              <a:rPr lang="en-IN" sz="2000" dirty="0">
+                <a:solidFill>
+                  <a:srgbClr val="333333"/>
+                </a:solidFill>
+                <a:latin typeface="Times New Roman" panose="02020603050405020304" pitchFamily="18" charset="0"/>
+                <a:cs typeface="Times New Roman" panose="02020603050405020304" pitchFamily="18" charset="0"/>
+              </a:rPr>
+              <a:t>in case of voltage source and </a:t>
+            </a:r>
+            <a:r>
+              <a:rPr lang="en-IN" sz="2000" dirty="0">
+                <a:solidFill>
+                  <a:srgbClr val="5B9BD5"/>
+                </a:solidFill>
+                <a:latin typeface="Times New Roman" panose="02020603050405020304" pitchFamily="18" charset="0"/>
+                <a:cs typeface="Times New Roman" panose="02020603050405020304" pitchFamily="18" charset="0"/>
+              </a:rPr>
+              <a:t>infinity</a:t>
+            </a:r>
+            <a:r>
+              <a:rPr lang="en-IN" sz="2000" dirty="0">
+                <a:solidFill>
+                  <a:srgbClr val="333333"/>
+                </a:solidFill>
+                <a:latin typeface="Times New Roman" panose="02020603050405020304" pitchFamily="18" charset="0"/>
+                <a:cs typeface="Times New Roman" panose="02020603050405020304" pitchFamily="18" charset="0"/>
+              </a:rPr>
+              <a:t> in case of current source. So voltage source is changed to </a:t>
+            </a:r>
+            <a:r>
+              <a:rPr lang="en-IN" sz="2000" dirty="0">
+                <a:solidFill>
+                  <a:srgbClr val="5B9BD5"/>
+                </a:solidFill>
+                <a:latin typeface="Times New Roman" panose="02020603050405020304" pitchFamily="18" charset="0"/>
+                <a:cs typeface="Times New Roman" panose="02020603050405020304" pitchFamily="18" charset="0"/>
+              </a:rPr>
+              <a:t>short circuit </a:t>
+            </a:r>
+            <a:r>
+              <a:rPr lang="en-IN" sz="2000" dirty="0">
+                <a:solidFill>
+                  <a:srgbClr val="333333"/>
+                </a:solidFill>
+                <a:latin typeface="Times New Roman" panose="02020603050405020304" pitchFamily="18" charset="0"/>
+                <a:cs typeface="Times New Roman" panose="02020603050405020304" pitchFamily="18" charset="0"/>
+              </a:rPr>
+              <a:t>and current source is changed by </a:t>
+            </a:r>
+            <a:r>
+              <a:rPr lang="en-IN" sz="2000" dirty="0">
+                <a:solidFill>
+                  <a:srgbClr val="5B9BD5"/>
+                </a:solidFill>
+                <a:latin typeface="Times New Roman" panose="02020603050405020304" pitchFamily="18" charset="0"/>
+                <a:cs typeface="Times New Roman" panose="02020603050405020304" pitchFamily="18" charset="0"/>
+              </a:rPr>
+              <a:t>open circuit</a:t>
+            </a:r>
+            <a:r>
+              <a:rPr lang="en-IN" sz="2000" dirty="0">
+                <a:solidFill>
+                  <a:srgbClr val="333333"/>
+                </a:solidFill>
+                <a:latin typeface="Times New Roman" panose="02020603050405020304" pitchFamily="18" charset="0"/>
+                <a:cs typeface="Times New Roman" panose="02020603050405020304" pitchFamily="18" charset="0"/>
+              </a:rPr>
+              <a:t>. And find the current in the specific branch.</a:t>
+            </a:r>
+            <a:endParaRPr lang="en-IN" sz="2000" dirty="0">
+              <a:solidFill>
+                <a:prstClr val="black"/>
+              </a:solidFill>
+              <a:latin typeface="Times New Roman" panose="02020603050405020304" pitchFamily="18" charset="0"/>
+              <a:cs typeface="Times New Roman" panose="02020603050405020304" pitchFamily="18" charset="0"/>
+            </a:endParaRPr>
+          </a:p>
+        </p:txBody>
+      </p:sp>
+      <p:grpSp>
+        <p:nvGrpSpPr>
+          <p:cNvPr id="4" name="Group 3">
+            <a:extLst>
+              <a:ext uri="{FF2B5EF4-FFF2-40B4-BE49-F238E27FC236}">
+                <a16:creationId xmlns:a16="http://schemas.microsoft.com/office/drawing/2014/main" id="{68752157-8D91-8C5A-10F6-415B8649A82B}"/>
+              </a:ext>
+            </a:extLst>
+          </p:cNvPr>
+          <p:cNvGrpSpPr/>
+          <p:nvPr/>
+        </p:nvGrpSpPr>
+        <p:grpSpPr>
+          <a:xfrm>
+            <a:off x="581190" y="2948554"/>
+            <a:ext cx="11306828" cy="3146643"/>
+            <a:chOff x="643002" y="2664435"/>
+            <a:chExt cx="10292220" cy="3146643"/>
+          </a:xfrm>
+        </p:grpSpPr>
+        <p:sp>
+          <p:nvSpPr>
+            <p:cNvPr id="5" name="Rectangle 4">
+              <a:extLst>
+                <a:ext uri="{FF2B5EF4-FFF2-40B4-BE49-F238E27FC236}">
+                  <a16:creationId xmlns:a16="http://schemas.microsoft.com/office/drawing/2014/main" id="{FA8E1F7C-6860-5121-7596-1138138FD4BE}"/>
+                </a:ext>
+              </a:extLst>
+            </p:cNvPr>
+            <p:cNvSpPr/>
+            <p:nvPr/>
+          </p:nvSpPr>
+          <p:spPr>
+            <a:xfrm>
+              <a:off x="2918564" y="4539638"/>
+              <a:ext cx="2768251" cy="707886"/>
+            </a:xfrm>
+            <a:prstGeom prst="rect">
+              <a:avLst/>
+            </a:prstGeom>
+          </p:spPr>
+          <p:txBody>
+            <a:bodyPr wrap="square">
+              <a:spAutoFit/>
+            </a:bodyPr>
+            <a:lstStyle/>
+            <a:p>
+              <a:r>
+                <a:rPr lang="en-US" altLang="en-US" sz="2000" dirty="0">
+                  <a:solidFill>
+                    <a:prstClr val="black"/>
+                  </a:solidFill>
+                  <a:latin typeface="Times New Roman" panose="02020603050405020304" pitchFamily="18" charset="0"/>
+                  <a:cs typeface="Times New Roman" panose="02020603050405020304" pitchFamily="18" charset="0"/>
+                </a:rPr>
+                <a:t>R</a:t>
+              </a:r>
+              <a:r>
+                <a:rPr lang="en-US" altLang="en-US" sz="2000" baseline="-25000" dirty="0">
+                  <a:solidFill>
+                    <a:prstClr val="black"/>
+                  </a:solidFill>
+                  <a:latin typeface="Times New Roman" panose="02020603050405020304" pitchFamily="18" charset="0"/>
+                  <a:cs typeface="Times New Roman" panose="02020603050405020304" pitchFamily="18" charset="0"/>
+                </a:rPr>
+                <a:t>1eq</a:t>
+              </a:r>
+              <a:r>
+                <a:rPr lang="en-US" altLang="en-US" sz="2000" dirty="0">
+                  <a:solidFill>
+                    <a:prstClr val="black"/>
+                  </a:solidFill>
+                  <a:latin typeface="Times New Roman" panose="02020603050405020304" pitchFamily="18" charset="0"/>
+                  <a:cs typeface="Times New Roman" panose="02020603050405020304" pitchFamily="18" charset="0"/>
+                </a:rPr>
+                <a:t> = 2/3 + 4</a:t>
+              </a:r>
+              <a:endParaRPr lang="en-IN" sz="2000" dirty="0">
+                <a:solidFill>
+                  <a:prstClr val="black"/>
+                </a:solidFill>
+                <a:latin typeface="Times New Roman" panose="02020603050405020304" pitchFamily="18" charset="0"/>
+                <a:cs typeface="Times New Roman" panose="02020603050405020304" pitchFamily="18" charset="0"/>
+              </a:endParaRPr>
+            </a:p>
+            <a:p>
+              <a:endParaRPr lang="en-IN" sz="2000" dirty="0">
+                <a:solidFill>
+                  <a:prstClr val="black"/>
+                </a:solidFill>
+                <a:latin typeface="Times New Roman" panose="02020603050405020304" pitchFamily="18" charset="0"/>
+                <a:cs typeface="Times New Roman" panose="02020603050405020304" pitchFamily="18" charset="0"/>
+              </a:endParaRPr>
+            </a:p>
+          </p:txBody>
+        </p:sp>
+        <p:grpSp>
+          <p:nvGrpSpPr>
+            <p:cNvPr id="6" name="Group 5">
+              <a:extLst>
+                <a:ext uri="{FF2B5EF4-FFF2-40B4-BE49-F238E27FC236}">
+                  <a16:creationId xmlns:a16="http://schemas.microsoft.com/office/drawing/2014/main" id="{53667B01-6A75-116F-7605-8CD263154D88}"/>
+                </a:ext>
+              </a:extLst>
+            </p:cNvPr>
+            <p:cNvGrpSpPr/>
+            <p:nvPr/>
+          </p:nvGrpSpPr>
+          <p:grpSpPr>
+            <a:xfrm>
+              <a:off x="643002" y="2664435"/>
+              <a:ext cx="10292220" cy="3146643"/>
+              <a:chOff x="643002" y="2664435"/>
+              <a:chExt cx="10292220" cy="3146643"/>
+            </a:xfrm>
+          </p:grpSpPr>
+          <p:sp>
+            <p:nvSpPr>
+              <p:cNvPr id="8" name="TextBox 7">
+                <a:extLst>
+                  <a:ext uri="{FF2B5EF4-FFF2-40B4-BE49-F238E27FC236}">
+                    <a16:creationId xmlns:a16="http://schemas.microsoft.com/office/drawing/2014/main" id="{BE1F33AE-2654-7955-2641-F0A23CC69F50}"/>
+                  </a:ext>
+                </a:extLst>
+              </p:cNvPr>
+              <p:cNvSpPr txBox="1"/>
+              <p:nvPr/>
+            </p:nvSpPr>
+            <p:spPr>
+              <a:xfrm>
+                <a:off x="643002" y="2664435"/>
+                <a:ext cx="10292219" cy="400110"/>
+              </a:xfrm>
+              <a:prstGeom prst="rect">
+                <a:avLst/>
+              </a:prstGeom>
+              <a:noFill/>
+            </p:spPr>
+            <p:txBody>
+              <a:bodyPr wrap="square" rtlCol="0">
+                <a:spAutoFit/>
+              </a:bodyPr>
+              <a:lstStyle/>
+              <a:p>
+                <a:r>
+                  <a:rPr lang="en-IN" sz="2000" dirty="0">
+                    <a:solidFill>
+                      <a:srgbClr val="FF0000"/>
+                    </a:solidFill>
+                    <a:latin typeface="Times New Roman" panose="02020603050405020304" pitchFamily="18" charset="0"/>
+                    <a:cs typeface="Times New Roman" panose="02020603050405020304" pitchFamily="18" charset="0"/>
+                  </a:rPr>
+                  <a:t>In First Case-: Applied only first voltage source and short circuit the second voltage source.</a:t>
+                </a:r>
+              </a:p>
+            </p:txBody>
+          </p:sp>
+          <p:sp>
+            <p:nvSpPr>
+              <p:cNvPr id="12" name="Rectangle 11">
+                <a:extLst>
+                  <a:ext uri="{FF2B5EF4-FFF2-40B4-BE49-F238E27FC236}">
+                    <a16:creationId xmlns:a16="http://schemas.microsoft.com/office/drawing/2014/main" id="{C71E400B-4016-29E0-22F1-BB0255A94D2E}"/>
+                  </a:ext>
+                </a:extLst>
+              </p:cNvPr>
+              <p:cNvSpPr/>
+              <p:nvPr/>
+            </p:nvSpPr>
+            <p:spPr>
+              <a:xfrm>
+                <a:off x="951978" y="3033767"/>
+                <a:ext cx="9983244" cy="707886"/>
+              </a:xfrm>
+              <a:prstGeom prst="rect">
+                <a:avLst/>
+              </a:prstGeom>
+            </p:spPr>
+            <p:txBody>
+              <a:bodyPr wrap="square">
+                <a:spAutoFit/>
+              </a:bodyPr>
+              <a:lstStyle/>
+              <a:p>
+                <a:r>
+                  <a:rPr lang="en-US" altLang="en-US" sz="2000" dirty="0">
+                    <a:solidFill>
+                      <a:srgbClr val="202122"/>
+                    </a:solidFill>
+                    <a:latin typeface="Times New Roman" panose="02020603050405020304" pitchFamily="18" charset="0"/>
+                    <a:cs typeface="Times New Roman" panose="02020603050405020304" pitchFamily="18" charset="0"/>
+                  </a:rPr>
+                  <a:t>R2  and R3 are connected in parallel and equivalent resistant is connected in series with the R1. </a:t>
+                </a:r>
+                <a:endParaRPr lang="en-IN" sz="2000" dirty="0">
+                  <a:solidFill>
+                    <a:srgbClr val="202122"/>
+                  </a:solidFill>
+                  <a:latin typeface="Times New Roman" panose="02020603050405020304" pitchFamily="18" charset="0"/>
+                  <a:cs typeface="Times New Roman" panose="02020603050405020304" pitchFamily="18" charset="0"/>
+                </a:endParaRPr>
+              </a:p>
+              <a:p>
+                <a:endParaRPr lang="en-IN" sz="2000" dirty="0">
+                  <a:solidFill>
+                    <a:prstClr val="black"/>
+                  </a:solidFill>
+                  <a:latin typeface="Times New Roman" panose="02020603050405020304" pitchFamily="18" charset="0"/>
+                  <a:cs typeface="Times New Roman" panose="02020603050405020304" pitchFamily="18" charset="0"/>
+                </a:endParaRPr>
+              </a:p>
+            </p:txBody>
+          </p:sp>
+          <p:sp>
+            <p:nvSpPr>
+              <p:cNvPr id="13" name="Rectangle 12">
+                <a:extLst>
+                  <a:ext uri="{FF2B5EF4-FFF2-40B4-BE49-F238E27FC236}">
+                    <a16:creationId xmlns:a16="http://schemas.microsoft.com/office/drawing/2014/main" id="{77A832C0-3766-DB91-7827-9514BD608183}"/>
+                  </a:ext>
+                </a:extLst>
+              </p:cNvPr>
+              <p:cNvSpPr/>
+              <p:nvPr/>
+            </p:nvSpPr>
+            <p:spPr>
+              <a:xfrm>
+                <a:off x="2918564" y="3680098"/>
+                <a:ext cx="2768251" cy="707886"/>
+              </a:xfrm>
+              <a:prstGeom prst="rect">
+                <a:avLst/>
+              </a:prstGeom>
+            </p:spPr>
+            <p:txBody>
+              <a:bodyPr wrap="square">
+                <a:spAutoFit/>
+              </a:bodyPr>
+              <a:lstStyle/>
+              <a:p>
+                <a:r>
+                  <a:rPr lang="en-US" altLang="en-US" sz="2000" dirty="0">
+                    <a:solidFill>
+                      <a:prstClr val="black"/>
+                    </a:solidFill>
+                    <a:latin typeface="Times New Roman" panose="02020603050405020304" pitchFamily="18" charset="0"/>
+                    <a:cs typeface="Times New Roman" panose="02020603050405020304" pitchFamily="18" charset="0"/>
+                  </a:rPr>
+                  <a:t>R</a:t>
+                </a:r>
+                <a:r>
+                  <a:rPr lang="en-US" altLang="en-US" sz="2000" baseline="-25000" dirty="0">
+                    <a:solidFill>
+                      <a:prstClr val="black"/>
+                    </a:solidFill>
+                    <a:latin typeface="Times New Roman" panose="02020603050405020304" pitchFamily="18" charset="0"/>
+                    <a:cs typeface="Times New Roman" panose="02020603050405020304" pitchFamily="18" charset="0"/>
+                  </a:rPr>
+                  <a:t>1eq</a:t>
+                </a:r>
+                <a:r>
+                  <a:rPr lang="en-US" altLang="en-US" sz="2000" dirty="0">
+                    <a:solidFill>
+                      <a:prstClr val="black"/>
+                    </a:solidFill>
+                    <a:latin typeface="Times New Roman" panose="02020603050405020304" pitchFamily="18" charset="0"/>
+                    <a:cs typeface="Times New Roman" panose="02020603050405020304" pitchFamily="18" charset="0"/>
+                  </a:rPr>
+                  <a:t> = R</a:t>
+                </a:r>
+                <a:r>
+                  <a:rPr lang="en-US" altLang="en-US" sz="2000" baseline="-25000" dirty="0">
+                    <a:solidFill>
+                      <a:prstClr val="black"/>
+                    </a:solidFill>
+                    <a:latin typeface="Times New Roman" panose="02020603050405020304" pitchFamily="18" charset="0"/>
+                    <a:cs typeface="Times New Roman" panose="02020603050405020304" pitchFamily="18" charset="0"/>
+                  </a:rPr>
+                  <a:t>2</a:t>
+                </a:r>
+                <a:r>
+                  <a:rPr lang="en-US" altLang="en-US" sz="2000" dirty="0">
+                    <a:solidFill>
+                      <a:prstClr val="black"/>
+                    </a:solidFill>
+                    <a:latin typeface="Times New Roman" panose="02020603050405020304" pitchFamily="18" charset="0"/>
+                    <a:cs typeface="Times New Roman" panose="02020603050405020304" pitchFamily="18" charset="0"/>
+                  </a:rPr>
+                  <a:t>||R</a:t>
+                </a:r>
+                <a:r>
+                  <a:rPr lang="en-US" altLang="en-US" sz="2000" baseline="-25000" dirty="0">
+                    <a:solidFill>
+                      <a:prstClr val="black"/>
+                    </a:solidFill>
+                    <a:latin typeface="Times New Roman" panose="02020603050405020304" pitchFamily="18" charset="0"/>
+                    <a:cs typeface="Times New Roman" panose="02020603050405020304" pitchFamily="18" charset="0"/>
+                  </a:rPr>
+                  <a:t>3</a:t>
+                </a:r>
+                <a:r>
+                  <a:rPr lang="en-US" altLang="en-US" sz="2000" dirty="0">
+                    <a:solidFill>
+                      <a:prstClr val="black"/>
+                    </a:solidFill>
+                    <a:latin typeface="Times New Roman" panose="02020603050405020304" pitchFamily="18" charset="0"/>
+                    <a:cs typeface="Times New Roman" panose="02020603050405020304" pitchFamily="18" charset="0"/>
+                  </a:rPr>
+                  <a:t> + R</a:t>
+                </a:r>
+                <a:r>
+                  <a:rPr lang="en-US" altLang="en-US" sz="2000" baseline="-25000" dirty="0">
+                    <a:solidFill>
+                      <a:prstClr val="black"/>
+                    </a:solidFill>
+                    <a:latin typeface="Times New Roman" panose="02020603050405020304" pitchFamily="18" charset="0"/>
+                    <a:cs typeface="Times New Roman" panose="02020603050405020304" pitchFamily="18" charset="0"/>
+                  </a:rPr>
+                  <a:t>1</a:t>
+                </a:r>
+                <a:endParaRPr lang="en-IN" sz="2000" dirty="0">
+                  <a:solidFill>
+                    <a:prstClr val="black"/>
+                  </a:solidFill>
+                  <a:latin typeface="Times New Roman" panose="02020603050405020304" pitchFamily="18" charset="0"/>
+                  <a:cs typeface="Times New Roman" panose="02020603050405020304" pitchFamily="18" charset="0"/>
+                </a:endParaRPr>
+              </a:p>
+              <a:p>
+                <a:endParaRPr lang="en-IN" sz="2000" dirty="0">
+                  <a:solidFill>
+                    <a:prstClr val="black"/>
+                  </a:solidFill>
+                  <a:latin typeface="Times New Roman" panose="02020603050405020304" pitchFamily="18" charset="0"/>
+                  <a:cs typeface="Times New Roman" panose="02020603050405020304" pitchFamily="18" charset="0"/>
+                </a:endParaRPr>
+              </a:p>
+            </p:txBody>
+          </p:sp>
+          <p:sp>
+            <p:nvSpPr>
+              <p:cNvPr id="14" name="Rectangle 13">
+                <a:extLst>
+                  <a:ext uri="{FF2B5EF4-FFF2-40B4-BE49-F238E27FC236}">
+                    <a16:creationId xmlns:a16="http://schemas.microsoft.com/office/drawing/2014/main" id="{A9A2E704-CC2D-7690-58FD-9A9E30FA4C29}"/>
+                  </a:ext>
+                </a:extLst>
+              </p:cNvPr>
+              <p:cNvSpPr/>
+              <p:nvPr/>
+            </p:nvSpPr>
+            <p:spPr>
+              <a:xfrm>
+                <a:off x="2918564" y="4109868"/>
+                <a:ext cx="2768251" cy="707886"/>
+              </a:xfrm>
+              <a:prstGeom prst="rect">
+                <a:avLst/>
+              </a:prstGeom>
+            </p:spPr>
+            <p:txBody>
+              <a:bodyPr wrap="square">
+                <a:spAutoFit/>
+              </a:bodyPr>
+              <a:lstStyle/>
+              <a:p>
+                <a:r>
+                  <a:rPr lang="en-US" altLang="en-US" sz="2000" dirty="0">
+                    <a:solidFill>
+                      <a:prstClr val="black"/>
+                    </a:solidFill>
+                    <a:latin typeface="Times New Roman" panose="02020603050405020304" pitchFamily="18" charset="0"/>
+                    <a:cs typeface="Times New Roman" panose="02020603050405020304" pitchFamily="18" charset="0"/>
+                  </a:rPr>
+                  <a:t>R</a:t>
+                </a:r>
+                <a:r>
+                  <a:rPr lang="en-US" altLang="en-US" sz="2000" baseline="-25000" dirty="0">
+                    <a:solidFill>
+                      <a:prstClr val="black"/>
+                    </a:solidFill>
+                    <a:latin typeface="Times New Roman" panose="02020603050405020304" pitchFamily="18" charset="0"/>
+                    <a:cs typeface="Times New Roman" panose="02020603050405020304" pitchFamily="18" charset="0"/>
+                  </a:rPr>
+                  <a:t>1eq</a:t>
+                </a:r>
+                <a:r>
+                  <a:rPr lang="en-US" altLang="en-US" sz="2000" dirty="0">
+                    <a:solidFill>
+                      <a:prstClr val="black"/>
+                    </a:solidFill>
+                    <a:latin typeface="Times New Roman" panose="02020603050405020304" pitchFamily="18" charset="0"/>
+                    <a:cs typeface="Times New Roman" panose="02020603050405020304" pitchFamily="18" charset="0"/>
+                  </a:rPr>
+                  <a:t> = 2||1 + 4</a:t>
+                </a:r>
+                <a:endParaRPr lang="en-IN" sz="2000" dirty="0">
+                  <a:solidFill>
+                    <a:prstClr val="black"/>
+                  </a:solidFill>
+                  <a:latin typeface="Times New Roman" panose="02020603050405020304" pitchFamily="18" charset="0"/>
+                  <a:cs typeface="Times New Roman" panose="02020603050405020304" pitchFamily="18" charset="0"/>
+                </a:endParaRPr>
+              </a:p>
+              <a:p>
+                <a:endParaRPr lang="en-IN" sz="2000" dirty="0">
+                  <a:solidFill>
+                    <a:prstClr val="black"/>
+                  </a:solidFill>
+                  <a:latin typeface="Times New Roman" panose="02020603050405020304" pitchFamily="18" charset="0"/>
+                  <a:cs typeface="Times New Roman" panose="02020603050405020304" pitchFamily="18" charset="0"/>
+                </a:endParaRPr>
+              </a:p>
+            </p:txBody>
+          </p:sp>
+          <p:sp>
+            <p:nvSpPr>
+              <p:cNvPr id="15" name="Rectangle 14">
+                <a:extLst>
+                  <a:ext uri="{FF2B5EF4-FFF2-40B4-BE49-F238E27FC236}">
+                    <a16:creationId xmlns:a16="http://schemas.microsoft.com/office/drawing/2014/main" id="{41B185FA-75CF-C600-B516-46FA4967B7D1}"/>
+                  </a:ext>
+                </a:extLst>
+              </p:cNvPr>
+              <p:cNvSpPr/>
+              <p:nvPr/>
+            </p:nvSpPr>
+            <p:spPr>
+              <a:xfrm>
+                <a:off x="2918564" y="5007446"/>
+                <a:ext cx="2768251" cy="707886"/>
+              </a:xfrm>
+              <a:prstGeom prst="rect">
+                <a:avLst/>
+              </a:prstGeom>
+            </p:spPr>
+            <p:txBody>
+              <a:bodyPr wrap="square">
+                <a:spAutoFit/>
+              </a:bodyPr>
+              <a:lstStyle/>
+              <a:p>
+                <a:r>
+                  <a:rPr lang="en-US" altLang="en-US" sz="2000" dirty="0">
+                    <a:solidFill>
+                      <a:prstClr val="black"/>
+                    </a:solidFill>
+                    <a:latin typeface="Times New Roman" panose="02020603050405020304" pitchFamily="18" charset="0"/>
+                    <a:cs typeface="Times New Roman" panose="02020603050405020304" pitchFamily="18" charset="0"/>
+                  </a:rPr>
+                  <a:t>R</a:t>
+                </a:r>
+                <a:r>
+                  <a:rPr lang="en-US" altLang="en-US" sz="2000" baseline="-25000" dirty="0">
+                    <a:solidFill>
+                      <a:prstClr val="black"/>
+                    </a:solidFill>
+                    <a:latin typeface="Times New Roman" panose="02020603050405020304" pitchFamily="18" charset="0"/>
+                    <a:cs typeface="Times New Roman" panose="02020603050405020304" pitchFamily="18" charset="0"/>
+                  </a:rPr>
+                  <a:t>1eq</a:t>
+                </a:r>
+                <a:r>
+                  <a:rPr lang="en-US" altLang="en-US" sz="2000" dirty="0">
+                    <a:solidFill>
+                      <a:prstClr val="black"/>
+                    </a:solidFill>
+                    <a:latin typeface="Times New Roman" panose="02020603050405020304" pitchFamily="18" charset="0"/>
+                    <a:cs typeface="Times New Roman" panose="02020603050405020304" pitchFamily="18" charset="0"/>
+                  </a:rPr>
+                  <a:t> = 14/3 ohms</a:t>
+                </a:r>
+                <a:endParaRPr lang="en-IN" sz="2000" dirty="0">
+                  <a:solidFill>
+                    <a:prstClr val="black"/>
+                  </a:solidFill>
+                  <a:latin typeface="Times New Roman" panose="02020603050405020304" pitchFamily="18" charset="0"/>
+                  <a:cs typeface="Times New Roman" panose="02020603050405020304" pitchFamily="18" charset="0"/>
+                </a:endParaRPr>
+              </a:p>
+              <a:p>
+                <a:endParaRPr lang="en-IN" sz="2000" dirty="0">
+                  <a:solidFill>
+                    <a:prstClr val="black"/>
+                  </a:solidFill>
+                  <a:latin typeface="Times New Roman" panose="02020603050405020304" pitchFamily="18" charset="0"/>
+                  <a:cs typeface="Times New Roman" panose="02020603050405020304" pitchFamily="18" charset="0"/>
+                </a:endParaRPr>
+              </a:p>
+            </p:txBody>
+          </p:sp>
+          <p:sp>
+            <p:nvSpPr>
+              <p:cNvPr id="16" name="Rectangle 15">
+                <a:extLst>
+                  <a:ext uri="{FF2B5EF4-FFF2-40B4-BE49-F238E27FC236}">
+                    <a16:creationId xmlns:a16="http://schemas.microsoft.com/office/drawing/2014/main" id="{F9B427D3-6333-1B3F-9F74-3A80F623F773}"/>
+                  </a:ext>
+                </a:extLst>
+              </p:cNvPr>
+              <p:cNvSpPr/>
+              <p:nvPr/>
+            </p:nvSpPr>
+            <p:spPr>
+              <a:xfrm>
+                <a:off x="829454" y="5410968"/>
+                <a:ext cx="8640872" cy="400110"/>
+              </a:xfrm>
+              <a:prstGeom prst="rect">
+                <a:avLst/>
+              </a:prstGeom>
+            </p:spPr>
+            <p:txBody>
+              <a:bodyPr wrap="square">
+                <a:spAutoFit/>
+              </a:bodyPr>
+              <a:lstStyle/>
+              <a:p>
+                <a:r>
+                  <a:rPr lang="en-IN" altLang="en-US" sz="2000" dirty="0">
+                    <a:solidFill>
+                      <a:srgbClr val="333333"/>
+                    </a:solidFill>
+                    <a:latin typeface="Times New Roman" panose="02020603050405020304" pitchFamily="18" charset="0"/>
+                    <a:cs typeface="Times New Roman" panose="02020603050405020304" pitchFamily="18" charset="0"/>
+                  </a:rPr>
+                  <a:t>Current with draw from the source-1 is calculated by  </a:t>
+                </a:r>
+                <a:r>
+                  <a:rPr lang="en-IN" altLang="en-US" sz="2000" dirty="0">
+                    <a:solidFill>
+                      <a:prstClr val="black"/>
+                    </a:solidFill>
+                    <a:latin typeface="Times New Roman" panose="02020603050405020304" pitchFamily="18" charset="0"/>
+                    <a:cs typeface="Times New Roman" panose="02020603050405020304" pitchFamily="18" charset="0"/>
+                  </a:rPr>
+                  <a:t>I</a:t>
+                </a:r>
+                <a:r>
+                  <a:rPr lang="en-US" altLang="en-US" sz="2000" baseline="-25000" dirty="0">
+                    <a:solidFill>
+                      <a:prstClr val="black"/>
+                    </a:solidFill>
+                    <a:latin typeface="Times New Roman" panose="02020603050405020304" pitchFamily="18" charset="0"/>
+                    <a:cs typeface="Times New Roman" panose="02020603050405020304" pitchFamily="18" charset="0"/>
+                  </a:rPr>
+                  <a:t>1</a:t>
+                </a:r>
+                <a:r>
+                  <a:rPr lang="en-IN" altLang="en-US" sz="2000" dirty="0">
+                    <a:solidFill>
+                      <a:prstClr val="black"/>
+                    </a:solidFill>
+                    <a:latin typeface="Times New Roman" panose="02020603050405020304" pitchFamily="18" charset="0"/>
+                    <a:cs typeface="Times New Roman" panose="02020603050405020304" pitchFamily="18" charset="0"/>
+                  </a:rPr>
+                  <a:t> =</a:t>
+                </a:r>
+                <a:r>
+                  <a:rPr lang="en-US" altLang="en-US" sz="2000" dirty="0">
+                    <a:solidFill>
+                      <a:prstClr val="black"/>
+                    </a:solidFill>
+                    <a:latin typeface="Times New Roman" panose="02020603050405020304" pitchFamily="18" charset="0"/>
+                    <a:cs typeface="Times New Roman" panose="02020603050405020304" pitchFamily="18" charset="0"/>
+                  </a:rPr>
+                  <a:t> V</a:t>
+                </a:r>
+                <a:r>
+                  <a:rPr lang="en-US" altLang="en-US" sz="2000" baseline="-25000" dirty="0">
+                    <a:solidFill>
+                      <a:prstClr val="black"/>
+                    </a:solidFill>
+                    <a:latin typeface="Times New Roman" panose="02020603050405020304" pitchFamily="18" charset="0"/>
+                    <a:cs typeface="Times New Roman" panose="02020603050405020304" pitchFamily="18" charset="0"/>
+                  </a:rPr>
+                  <a:t>1</a:t>
+                </a:r>
+                <a:r>
+                  <a:rPr lang="en-IN" altLang="en-US" sz="2000" dirty="0">
+                    <a:solidFill>
+                      <a:prstClr val="black"/>
+                    </a:solidFill>
+                    <a:latin typeface="Times New Roman" panose="02020603050405020304" pitchFamily="18" charset="0"/>
+                    <a:cs typeface="Times New Roman" panose="02020603050405020304" pitchFamily="18" charset="0"/>
+                  </a:rPr>
+                  <a:t> /</a:t>
+                </a:r>
+                <a:r>
+                  <a:rPr lang="en-US" altLang="en-US" sz="2000" dirty="0">
+                    <a:solidFill>
+                      <a:prstClr val="black"/>
+                    </a:solidFill>
+                    <a:latin typeface="Times New Roman" panose="02020603050405020304" pitchFamily="18" charset="0"/>
+                    <a:cs typeface="Times New Roman" panose="02020603050405020304" pitchFamily="18" charset="0"/>
+                  </a:rPr>
+                  <a:t> R</a:t>
+                </a:r>
+                <a:r>
+                  <a:rPr lang="en-US" altLang="en-US" sz="2000" baseline="-25000" dirty="0">
+                    <a:solidFill>
+                      <a:prstClr val="black"/>
+                    </a:solidFill>
+                    <a:latin typeface="Times New Roman" panose="02020603050405020304" pitchFamily="18" charset="0"/>
+                    <a:cs typeface="Times New Roman" panose="02020603050405020304" pitchFamily="18" charset="0"/>
+                  </a:rPr>
+                  <a:t>1eq</a:t>
+                </a:r>
+                <a:r>
+                  <a:rPr lang="en-IN" altLang="en-US" sz="2000" dirty="0">
+                    <a:solidFill>
+                      <a:prstClr val="black"/>
+                    </a:solidFill>
+                    <a:latin typeface="Times New Roman" panose="02020603050405020304" pitchFamily="18" charset="0"/>
+                    <a:cs typeface="Times New Roman" panose="02020603050405020304" pitchFamily="18" charset="0"/>
+                  </a:rPr>
+                  <a:t> = 28*3/14 = 6 Amp</a:t>
+                </a:r>
+                <a:endParaRPr lang="en-IN" sz="2000" dirty="0">
+                  <a:solidFill>
+                    <a:prstClr val="black"/>
+                  </a:solidFill>
+                  <a:latin typeface="Times New Roman" panose="02020603050405020304" pitchFamily="18" charset="0"/>
+                  <a:cs typeface="Times New Roman" panose="02020603050405020304" pitchFamily="18" charset="0"/>
+                </a:endParaRPr>
+              </a:p>
+            </p:txBody>
+          </p:sp>
+        </p:grpSp>
+      </p:grpSp>
+      <p:pic>
+        <p:nvPicPr>
+          <p:cNvPr id="17" name="Picture 16">
+            <a:extLst>
+              <a:ext uri="{FF2B5EF4-FFF2-40B4-BE49-F238E27FC236}">
+                <a16:creationId xmlns:a16="http://schemas.microsoft.com/office/drawing/2014/main" id="{1CEB4166-90C4-2C27-1E95-123C58A65B09}"/>
+              </a:ext>
+            </a:extLst>
+          </p:cNvPr>
+          <p:cNvPicPr>
+            <a:picLocks noChangeAspect="1"/>
+          </p:cNvPicPr>
+          <p:nvPr/>
+        </p:nvPicPr>
+        <p:blipFill>
+          <a:blip r:embed="rId2"/>
+          <a:stretch>
+            <a:fillRect/>
+          </a:stretch>
+        </p:blipFill>
+        <p:spPr>
+          <a:xfrm>
+            <a:off x="5952769" y="3882460"/>
+            <a:ext cx="3593238" cy="1709143"/>
+          </a:xfrm>
+          <a:prstGeom prst="rect">
+            <a:avLst/>
+          </a:prstGeom>
+        </p:spPr>
+      </p:pic>
+    </p:spTree>
+    <p:extLst>
+      <p:ext uri="{BB962C8B-B14F-4D97-AF65-F5344CB8AC3E}">
+        <p14:creationId xmlns:p14="http://schemas.microsoft.com/office/powerpoint/2010/main" val="4183667249"/>
+      </p:ext>
+    </p:extLst>
+  </p:cSld>
+  <p:clrMapOvr>
+    <a:masterClrMapping/>
+  </p:clrMapOvr>
+</p:sld>
+</file>
+
+<file path=ppt/slides/slide3.xml><?xml version="1.0" encoding="utf-8"?>
+<p:sld xmlns:a="http://schemas.openxmlformats.org/drawingml/2006/main" xmlns:r="http://schemas.openxmlformats.org/officeDocument/2006/relationships" xmlns:p="http://schemas.openxmlformats.org/presentationml/2006/main">
+  <p:cSld>
+    <p:spTree>
+      <p:nvGrpSpPr>
+        <p:cNvPr id="1" name=""/>
+        <p:cNvGrpSpPr/>
+        <p:nvPr/>
+      </p:nvGrpSpPr>
+      <p:grpSpPr>
+        <a:xfrm>
+          <a:off x="0" y="0"/>
+          <a:ext cx="0" cy="0"/>
+          <a:chOff x="0" y="0"/>
+          <a:chExt cx="0" cy="0"/>
+        </a:xfrm>
+      </p:grpSpPr>
+      <p:sp useBgFill="1">
+        <p:nvSpPr>
+          <p:cNvPr id="76" name="Rectangle 75">
+            <a:extLst>
+              <a:ext uri="{FF2B5EF4-FFF2-40B4-BE49-F238E27FC236}">
+                <a16:creationId xmlns:a16="http://schemas.microsoft.com/office/drawing/2014/main" id="{38733D19-FF76-4DF6-985F-DB050AF87F9E}"/>
+              </a:ext>
+              <a:ext uri="{C183D7F6-B498-43B3-948B-1728B52AA6E4}">
+                <adec:decorative xmlns:adec="http://schemas.microsoft.com/office/drawing/2017/decorative" val="1"/>
+              </a:ext>
+            </a:extLst>
+          </p:cNvPr>
+          <p:cNvSpPr>
+            <a:spLocks noGrp="1" noRot="1" noChangeAspect="1" noMove="1" noResize="1" noEditPoints="1" noAdjustHandles="1" noChangeArrowheads="1" noChangeShapeType="1" noTextEdit="1"/>
+          </p:cNvSpPr>
+          <p:nvPr>
+            <p:extLst>
+              <p:ext uri="{386F3935-93C4-4BCD-93E2-E3B085C9AB24}">
+                <p16:designElem xmlns:p16="http://schemas.microsoft.com/office/powerpoint/2015/main" val="1"/>
+              </p:ext>
+            </p:extLst>
+          </p:nvPr>
+        </p:nvSpPr>
+        <p:spPr>
+          <a:xfrm>
+            <a:off x="0" y="0"/>
+            <a:ext cx="12192000" cy="6858000"/>
+          </a:xfrm>
+          <a:prstGeom prst="rect">
+            <a:avLst/>
+          </a:prstGeom>
+          <a:ln>
+            <a:noFill/>
+          </a:ln>
+        </p:spPr>
+        <p:style>
+          <a:lnRef idx="2">
+            <a:schemeClr val="accent1">
+              <a:shade val="50000"/>
+            </a:schemeClr>
+          </a:lnRef>
+          <a:fillRef idx="1">
+            <a:schemeClr val="accent1"/>
+          </a:fillRef>
+          <a:effectRef idx="0">
+            <a:schemeClr val="accent1"/>
+          </a:effectRef>
+          <a:fontRef idx="minor">
+            <a:schemeClr val="lt1"/>
+          </a:fontRef>
+        </p:style>
+        <p:txBody>
+          <a:bodyPr rtlCol="0" anchor="ctr"/>
+          <a:lstStyle/>
+          <a:p>
+            <a:pPr algn="ctr"/>
+            <a:endParaRPr lang="en-US"/>
+          </a:p>
+        </p:txBody>
+      </p:sp>
+      <p:sp>
+        <p:nvSpPr>
+          <p:cNvPr id="78" name="Rectangle 77">
+            <a:extLst>
+              <a:ext uri="{FF2B5EF4-FFF2-40B4-BE49-F238E27FC236}">
+                <a16:creationId xmlns:a16="http://schemas.microsoft.com/office/drawing/2014/main" id="{B8931767-514A-4E70-9129-DB6B46BFA823}"/>
+              </a:ext>
+              <a:ext uri="{C183D7F6-B498-43B3-948B-1728B52AA6E4}">
+                <adec:decorative xmlns:adec="http://schemas.microsoft.com/office/drawing/2017/decorative" val="1"/>
+              </a:ext>
+            </a:extLst>
+          </p:cNvPr>
+          <p:cNvSpPr>
+            <a:spLocks noGrp="1" noRot="1" noChangeAspect="1" noMove="1" noResize="1" noEditPoints="1" noAdjustHandles="1" noChangeArrowheads="1" noChangeShapeType="1" noTextEdit="1"/>
+          </p:cNvSpPr>
+          <p:nvPr>
+            <p:extLst>
+              <p:ext uri="{386F3935-93C4-4BCD-93E2-E3B085C9AB24}">
+                <p16:designElem xmlns:p16="http://schemas.microsoft.com/office/powerpoint/2015/main" val="1"/>
+              </p:ext>
+            </p:extLst>
+          </p:nvPr>
+        </p:nvSpPr>
+        <p:spPr>
+          <a:xfrm>
+            <a:off x="446534" y="457200"/>
+            <a:ext cx="3703320" cy="94997"/>
+          </a:xfrm>
+          <a:prstGeom prst="rect">
+            <a:avLst/>
+          </a:prstGeom>
+          <a:solidFill>
+            <a:srgbClr val="465359"/>
+          </a:solidFill>
+          <a:ln>
+            <a:noFill/>
+          </a:ln>
+          <a:effectLst/>
+        </p:spPr>
+        <p:style>
+          <a:lnRef idx="1">
+            <a:schemeClr val="accent1"/>
+          </a:lnRef>
+          <a:fillRef idx="3">
+            <a:schemeClr val="accent1"/>
+          </a:fillRef>
+          <a:effectRef idx="2">
+            <a:schemeClr val="accent1"/>
+          </a:effectRef>
+          <a:fontRef idx="minor">
+            <a:schemeClr val="lt1"/>
+          </a:fontRef>
+        </p:style>
+      </p:sp>
+      <p:sp>
+        <p:nvSpPr>
+          <p:cNvPr id="80" name="Rectangle 79">
+            <a:extLst>
+              <a:ext uri="{FF2B5EF4-FFF2-40B4-BE49-F238E27FC236}">
+                <a16:creationId xmlns:a16="http://schemas.microsoft.com/office/drawing/2014/main" id="{092556C3-D615-4E70-B4AD-7791DE6BBDE9}"/>
+              </a:ext>
+              <a:ext uri="{C183D7F6-B498-43B3-948B-1728B52AA6E4}">
+                <adec:decorative xmlns:adec="http://schemas.microsoft.com/office/drawing/2017/decorative" val="1"/>
+              </a:ext>
+            </a:extLst>
+          </p:cNvPr>
+          <p:cNvSpPr>
+            <a:spLocks noGrp="1" noRot="1" noChangeAspect="1" noMove="1" noResize="1" noEditPoints="1" noAdjustHandles="1" noChangeArrowheads="1" noChangeShapeType="1" noTextEdit="1"/>
+          </p:cNvSpPr>
+          <p:nvPr>
+            <p:extLst>
+              <p:ext uri="{386F3935-93C4-4BCD-93E2-E3B085C9AB24}">
+                <p16:designElem xmlns:p16="http://schemas.microsoft.com/office/powerpoint/2015/main" val="1"/>
+              </p:ext>
+            </p:extLst>
+          </p:nvPr>
+        </p:nvSpPr>
+        <p:spPr>
+          <a:xfrm>
+            <a:off x="4241830" y="457200"/>
+            <a:ext cx="3703320" cy="91440"/>
+          </a:xfrm>
+          <a:prstGeom prst="rect">
+            <a:avLst/>
+          </a:prstGeom>
+          <a:solidFill>
+            <a:schemeClr val="accent1"/>
+          </a:solidFill>
+          <a:ln>
+            <a:noFill/>
+          </a:ln>
+          <a:effectLst/>
+        </p:spPr>
+        <p:style>
+          <a:lnRef idx="1">
+            <a:schemeClr val="accent1"/>
+          </a:lnRef>
+          <a:fillRef idx="3">
+            <a:schemeClr val="accent1"/>
+          </a:fillRef>
+          <a:effectRef idx="2">
+            <a:schemeClr val="accent1"/>
+          </a:effectRef>
+          <a:fontRef idx="minor">
+            <a:schemeClr val="lt1"/>
+          </a:fontRef>
+        </p:style>
+      </p:sp>
+      <p:sp>
+        <p:nvSpPr>
+          <p:cNvPr id="1036" name="Rectangle 81">
+            <a:extLst>
+              <a:ext uri="{FF2B5EF4-FFF2-40B4-BE49-F238E27FC236}">
+                <a16:creationId xmlns:a16="http://schemas.microsoft.com/office/drawing/2014/main" id="{5D468424-DF72-426E-8DB3-F91B8857CB3B}"/>
+              </a:ext>
+              <a:ext uri="{C183D7F6-B498-43B3-948B-1728B52AA6E4}">
+                <adec:decorative xmlns:adec="http://schemas.microsoft.com/office/drawing/2017/decorative" val="1"/>
+              </a:ext>
+            </a:extLst>
+          </p:cNvPr>
+          <p:cNvSpPr>
+            <a:spLocks noGrp="1" noRot="1" noChangeAspect="1" noMove="1" noResize="1" noEditPoints="1" noAdjustHandles="1" noChangeArrowheads="1" noChangeShapeType="1" noTextEdit="1"/>
+          </p:cNvSpPr>
+          <p:nvPr>
+            <p:extLst>
+              <p:ext uri="{386F3935-93C4-4BCD-93E2-E3B085C9AB24}">
+                <p16:designElem xmlns:p16="http://schemas.microsoft.com/office/powerpoint/2015/main" val="1"/>
+              </p:ext>
+            </p:extLst>
+          </p:nvPr>
+        </p:nvSpPr>
+        <p:spPr>
+          <a:xfrm>
+            <a:off x="8042147" y="453643"/>
+            <a:ext cx="3703320" cy="98554"/>
+          </a:xfrm>
+          <a:prstGeom prst="rect">
+            <a:avLst/>
+          </a:prstGeom>
+          <a:solidFill>
+            <a:srgbClr val="969FA7"/>
+          </a:solidFill>
+          <a:ln>
+            <a:noFill/>
+          </a:ln>
+          <a:effectLst/>
+        </p:spPr>
+        <p:style>
+          <a:lnRef idx="1">
+            <a:schemeClr val="accent1"/>
+          </a:lnRef>
+          <a:fillRef idx="3">
+            <a:schemeClr val="accent1"/>
+          </a:fillRef>
+          <a:effectRef idx="2">
+            <a:schemeClr val="accent1"/>
+          </a:effectRef>
+          <a:fontRef idx="minor">
+            <a:schemeClr val="lt1"/>
+          </a:fontRef>
+        </p:style>
+      </p:sp>
+      <p:sp>
+        <p:nvSpPr>
+          <p:cNvPr id="7" name="Rectangle 6"/>
+          <p:cNvSpPr/>
+          <p:nvPr/>
+        </p:nvSpPr>
+        <p:spPr>
+          <a:xfrm>
+            <a:off x="446535" y="6572250"/>
+            <a:ext cx="11298932" cy="71437"/>
+          </a:xfrm>
+          <a:prstGeom prst="rect">
+            <a:avLst/>
+          </a:prstGeom>
+          <a:solidFill>
+            <a:schemeClr val="accent3"/>
+          </a:solidFill>
+          <a:ln>
+            <a:noFill/>
+          </a:ln>
+        </p:spPr>
+        <p:style>
+          <a:lnRef idx="2">
+            <a:schemeClr val="accent1">
+              <a:shade val="50000"/>
+            </a:schemeClr>
+          </a:lnRef>
+          <a:fillRef idx="1">
+            <a:schemeClr val="accent1"/>
+          </a:fillRef>
+          <a:effectRef idx="0">
+            <a:schemeClr val="accent1"/>
+          </a:effectRef>
+          <a:fontRef idx="minor">
+            <a:schemeClr val="lt1"/>
+          </a:fontRef>
+        </p:style>
+        <p:txBody>
+          <a:bodyPr rtlCol="0" anchor="ctr"/>
+          <a:lstStyle/>
+          <a:p>
+            <a:pPr algn="ctr"/>
+            <a:endParaRPr lang="en-IN"/>
+          </a:p>
+        </p:txBody>
+      </p:sp>
+      <p:sp>
+        <p:nvSpPr>
+          <p:cNvPr id="9" name="Footer Placeholder 8">
+            <a:extLst>
+              <a:ext uri="{FF2B5EF4-FFF2-40B4-BE49-F238E27FC236}">
+                <a16:creationId xmlns:a16="http://schemas.microsoft.com/office/drawing/2014/main" id="{769A03A9-F847-CC98-D741-39AC19167788}"/>
+              </a:ext>
+            </a:extLst>
+          </p:cNvPr>
+          <p:cNvSpPr>
+            <a:spLocks noGrp="1"/>
+          </p:cNvSpPr>
+          <p:nvPr>
+            <p:ph type="ftr" sz="quarter" idx="11"/>
+          </p:nvPr>
+        </p:nvSpPr>
+        <p:spPr/>
+        <p:txBody>
+          <a:bodyPr/>
+          <a:lstStyle/>
+          <a:p>
+            <a:r>
+              <a:rPr lang="en-US"/>
+              <a:t>Electrical &amp; Electronics System EE1002</a:t>
+            </a:r>
+          </a:p>
+        </p:txBody>
+      </p:sp>
+      <p:sp>
+        <p:nvSpPr>
+          <p:cNvPr id="11" name="Slide Number Placeholder 10">
+            <a:extLst>
+              <a:ext uri="{FF2B5EF4-FFF2-40B4-BE49-F238E27FC236}">
+                <a16:creationId xmlns:a16="http://schemas.microsoft.com/office/drawing/2014/main" id="{8033D47E-0A47-279F-45A1-B05AA6FF8E85}"/>
+              </a:ext>
+            </a:extLst>
+          </p:cNvPr>
+          <p:cNvSpPr>
+            <a:spLocks noGrp="1"/>
+          </p:cNvSpPr>
+          <p:nvPr>
+            <p:ph type="sldNum" sz="quarter" idx="12"/>
+          </p:nvPr>
+        </p:nvSpPr>
+        <p:spPr/>
+        <p:txBody>
+          <a:bodyPr/>
+          <a:lstStyle/>
+          <a:p>
+            <a:fld id="{3A98EE3D-8CD1-4C3F-BD1C-C98C9596463C}" type="slidenum">
+              <a:rPr lang="en-US" smtClean="0"/>
+              <a:t>3</a:t>
             </a:fld>
             <a:endParaRPr lang="en-US"/>
           </a:p>
@@ -4008,7 +5506,7 @@
 </p:sld>
 </file>
 
-<file path=ppt/slides/slide11.xml><?xml version="1.0" encoding="utf-8"?>
+<file path=ppt/slides/slide4.xml><?xml version="1.0" encoding="utf-8"?>
 <p:sld xmlns:a="http://schemas.openxmlformats.org/drawingml/2006/main" xmlns:r="http://schemas.openxmlformats.org/officeDocument/2006/relationships" xmlns:p="http://schemas.openxmlformats.org/presentationml/2006/main">
   <p:cSld>
     <p:spTree>
@@ -4344,7 +5842,7 @@
           <a:p>
             <a:fld id="{3A98EE3D-8CD1-4C3F-BD1C-C98C9596463C}" type="slidenum">
               <a:rPr lang="en-US" smtClean="0"/>
-              <a:t>11</a:t>
+              <a:t>4</a:t>
             </a:fld>
             <a:endParaRPr lang="en-US"/>
           </a:p>
@@ -4565,7 +6063,7 @@
 </p:sld>
 </file>
 
-<file path=ppt/slides/slide12.xml><?xml version="1.0" encoding="utf-8"?>
+<file path=ppt/slides/slide5.xml><?xml version="1.0" encoding="utf-8"?>
 <p:sld xmlns:a="http://schemas.openxmlformats.org/drawingml/2006/main" xmlns:r="http://schemas.openxmlformats.org/officeDocument/2006/relationships" xmlns:p="http://schemas.openxmlformats.org/presentationml/2006/main">
   <p:cSld>
     <p:spTree>
@@ -4901,7 +6399,7 @@
           <a:p>
             <a:fld id="{3A98EE3D-8CD1-4C3F-BD1C-C98C9596463C}" type="slidenum">
               <a:rPr lang="en-US" smtClean="0"/>
-              <a:t>12</a:t>
+              <a:t>5</a:t>
             </a:fld>
             <a:endParaRPr lang="en-US"/>
           </a:p>
@@ -5306,7 +6804,7 @@
 </p:sld>
 </file>
 
-<file path=ppt/slides/slide13.xml><?xml version="1.0" encoding="utf-8"?>
+<file path=ppt/slides/slide6.xml><?xml version="1.0" encoding="utf-8"?>
 <p:sld xmlns:a="http://schemas.openxmlformats.org/drawingml/2006/main" xmlns:r="http://schemas.openxmlformats.org/officeDocument/2006/relationships" xmlns:p="http://schemas.openxmlformats.org/presentationml/2006/main">
   <p:cSld>
     <p:spTree>
@@ -5642,7 +7140,7 @@
           <a:p>
             <a:fld id="{3A98EE3D-8CD1-4C3F-BD1C-C98C9596463C}" type="slidenum">
               <a:rPr lang="en-US" smtClean="0"/>
-              <a:t>13</a:t>
+              <a:t>6</a:t>
             </a:fld>
             <a:endParaRPr lang="en-US"/>
           </a:p>
@@ -6256,7 +7754,7 @@
 </p:sld>
 </file>
 
-<file path=ppt/slides/slide14.xml><?xml version="1.0" encoding="utf-8"?>
+<file path=ppt/slides/slide7.xml><?xml version="1.0" encoding="utf-8"?>
 <p:sld xmlns:a="http://schemas.openxmlformats.org/drawingml/2006/main" xmlns:r="http://schemas.openxmlformats.org/officeDocument/2006/relationships" xmlns:p="http://schemas.openxmlformats.org/presentationml/2006/main">
   <p:cSld>
     <p:spTree>
@@ -6592,7 +8090,7 @@
           <a:p>
             <a:fld id="{3A98EE3D-8CD1-4C3F-BD1C-C98C9596463C}" type="slidenum">
               <a:rPr lang="en-US" smtClean="0"/>
-              <a:t>14</a:t>
+              <a:t>7</a:t>
             </a:fld>
             <a:endParaRPr lang="en-US"/>
           </a:p>
@@ -7577,7 +9075,7 @@
 </p:sld>
 </file>
 
-<file path=ppt/slides/slide15.xml><?xml version="1.0" encoding="utf-8"?>
+<file path=ppt/slides/slide8.xml><?xml version="1.0" encoding="utf-8"?>
 <p:sld xmlns:a="http://schemas.openxmlformats.org/drawingml/2006/main" xmlns:r="http://schemas.openxmlformats.org/officeDocument/2006/relationships" xmlns:p="http://schemas.openxmlformats.org/presentationml/2006/main">
   <p:cSld>
     <p:spTree>
@@ -7913,7 +9411,7 @@
           <a:p>
             <a:fld id="{3A98EE3D-8CD1-4C3F-BD1C-C98C9596463C}" type="slidenum">
               <a:rPr lang="en-US" smtClean="0"/>
-              <a:t>15</a:t>
+              <a:t>8</a:t>
             </a:fld>
             <a:endParaRPr lang="en-US"/>
           </a:p>
@@ -8974,7 +10472,7 @@
 </p:sld>
 </file>
 
-<file path=ppt/slides/slide16.xml><?xml version="1.0" encoding="utf-8"?>
+<file path=ppt/slides/slide9.xml><?xml version="1.0" encoding="utf-8"?>
 <p:sld xmlns:a="http://schemas.openxmlformats.org/drawingml/2006/main" xmlns:r="http://schemas.openxmlformats.org/officeDocument/2006/relationships" xmlns:p="http://schemas.openxmlformats.org/presentationml/2006/main">
   <p:cSld>
     <p:spTree>
@@ -9310,7 +10808,7 @@
           <a:p>
             <a:fld id="{3A98EE3D-8CD1-4C3F-BD1C-C98C9596463C}" type="slidenum">
               <a:rPr lang="en-US" smtClean="0"/>
-              <a:t>16</a:t>
+              <a:t>9</a:t>
             </a:fld>
             <a:endParaRPr lang="en-US"/>
           </a:p>
@@ -10449,5742 +11947,6 @@
     <p:extLst>
       <p:ext uri="{BB962C8B-B14F-4D97-AF65-F5344CB8AC3E}">
         <p14:creationId xmlns:p14="http://schemas.microsoft.com/office/powerpoint/2010/main" val="313340755"/>
-      </p:ext>
-    </p:extLst>
-  </p:cSld>
-  <p:clrMapOvr>
-    <a:masterClrMapping/>
-  </p:clrMapOvr>
-</p:sld>
-</file>
-
-<file path=ppt/slides/slide17.xml><?xml version="1.0" encoding="utf-8"?>
-<p:sld xmlns:a="http://schemas.openxmlformats.org/drawingml/2006/main" xmlns:r="http://schemas.openxmlformats.org/officeDocument/2006/relationships" xmlns:p="http://schemas.openxmlformats.org/presentationml/2006/main">
-  <p:cSld>
-    <p:spTree>
-      <p:nvGrpSpPr>
-        <p:cNvPr id="1" name=""/>
-        <p:cNvGrpSpPr/>
-        <p:nvPr/>
-      </p:nvGrpSpPr>
-      <p:grpSpPr>
-        <a:xfrm>
-          <a:off x="0" y="0"/>
-          <a:ext cx="0" cy="0"/>
-          <a:chOff x="0" y="0"/>
-          <a:chExt cx="0" cy="0"/>
-        </a:xfrm>
-      </p:grpSpPr>
-      <p:sp useBgFill="1">
-        <p:nvSpPr>
-          <p:cNvPr id="76" name="Rectangle 75">
-            <a:extLst>
-              <a:ext uri="{FF2B5EF4-FFF2-40B4-BE49-F238E27FC236}">
-                <a16:creationId xmlns:a16="http://schemas.microsoft.com/office/drawing/2014/main" id="{38733D19-FF76-4DF6-985F-DB050AF87F9E}"/>
-              </a:ext>
-              <a:ext uri="{C183D7F6-B498-43B3-948B-1728B52AA6E4}">
-                <adec:decorative xmlns:adec="http://schemas.microsoft.com/office/drawing/2017/decorative" val="1"/>
-              </a:ext>
-            </a:extLst>
-          </p:cNvPr>
-          <p:cNvSpPr>
-            <a:spLocks noGrp="1" noRot="1" noChangeAspect="1" noMove="1" noResize="1" noEditPoints="1" noAdjustHandles="1" noChangeArrowheads="1" noChangeShapeType="1" noTextEdit="1"/>
-          </p:cNvSpPr>
-          <p:nvPr>
-            <p:extLst>
-              <p:ext uri="{386F3935-93C4-4BCD-93E2-E3B085C9AB24}">
-                <p16:designElem xmlns:p16="http://schemas.microsoft.com/office/powerpoint/2015/main" val="1"/>
-              </p:ext>
-            </p:extLst>
-          </p:nvPr>
-        </p:nvSpPr>
-        <p:spPr>
-          <a:xfrm>
-            <a:off x="0" y="0"/>
-            <a:ext cx="12192000" cy="6858000"/>
-          </a:xfrm>
-          <a:prstGeom prst="rect">
-            <a:avLst/>
-          </a:prstGeom>
-          <a:ln>
-            <a:noFill/>
-          </a:ln>
-        </p:spPr>
-        <p:style>
-          <a:lnRef idx="2">
-            <a:schemeClr val="accent1">
-              <a:shade val="50000"/>
-            </a:schemeClr>
-          </a:lnRef>
-          <a:fillRef idx="1">
-            <a:schemeClr val="accent1"/>
-          </a:fillRef>
-          <a:effectRef idx="0">
-            <a:schemeClr val="accent1"/>
-          </a:effectRef>
-          <a:fontRef idx="minor">
-            <a:schemeClr val="lt1"/>
-          </a:fontRef>
-        </p:style>
-        <p:txBody>
-          <a:bodyPr rtlCol="0" anchor="ctr"/>
-          <a:lstStyle/>
-          <a:p>
-            <a:pPr algn="ctr"/>
-            <a:endParaRPr lang="en-US"/>
-          </a:p>
-        </p:txBody>
-      </p:sp>
-      <p:sp>
-        <p:nvSpPr>
-          <p:cNvPr id="78" name="Rectangle 77">
-            <a:extLst>
-              <a:ext uri="{FF2B5EF4-FFF2-40B4-BE49-F238E27FC236}">
-                <a16:creationId xmlns:a16="http://schemas.microsoft.com/office/drawing/2014/main" id="{B8931767-514A-4E70-9129-DB6B46BFA823}"/>
-              </a:ext>
-              <a:ext uri="{C183D7F6-B498-43B3-948B-1728B52AA6E4}">
-                <adec:decorative xmlns:adec="http://schemas.microsoft.com/office/drawing/2017/decorative" val="1"/>
-              </a:ext>
-            </a:extLst>
-          </p:cNvPr>
-          <p:cNvSpPr>
-            <a:spLocks noGrp="1" noRot="1" noChangeAspect="1" noMove="1" noResize="1" noEditPoints="1" noAdjustHandles="1" noChangeArrowheads="1" noChangeShapeType="1" noTextEdit="1"/>
-          </p:cNvSpPr>
-          <p:nvPr>
-            <p:extLst>
-              <p:ext uri="{386F3935-93C4-4BCD-93E2-E3B085C9AB24}">
-                <p16:designElem xmlns:p16="http://schemas.microsoft.com/office/powerpoint/2015/main" val="1"/>
-              </p:ext>
-            </p:extLst>
-          </p:nvPr>
-        </p:nvSpPr>
-        <p:spPr>
-          <a:xfrm>
-            <a:off x="446534" y="457200"/>
-            <a:ext cx="3703320" cy="94997"/>
-          </a:xfrm>
-          <a:prstGeom prst="rect">
-            <a:avLst/>
-          </a:prstGeom>
-          <a:solidFill>
-            <a:srgbClr val="465359"/>
-          </a:solidFill>
-          <a:ln>
-            <a:noFill/>
-          </a:ln>
-          <a:effectLst/>
-        </p:spPr>
-        <p:style>
-          <a:lnRef idx="1">
-            <a:schemeClr val="accent1"/>
-          </a:lnRef>
-          <a:fillRef idx="3">
-            <a:schemeClr val="accent1"/>
-          </a:fillRef>
-          <a:effectRef idx="2">
-            <a:schemeClr val="accent1"/>
-          </a:effectRef>
-          <a:fontRef idx="minor">
-            <a:schemeClr val="lt1"/>
-          </a:fontRef>
-        </p:style>
-      </p:sp>
-      <p:sp>
-        <p:nvSpPr>
-          <p:cNvPr id="80" name="Rectangle 79">
-            <a:extLst>
-              <a:ext uri="{FF2B5EF4-FFF2-40B4-BE49-F238E27FC236}">
-                <a16:creationId xmlns:a16="http://schemas.microsoft.com/office/drawing/2014/main" id="{092556C3-D615-4E70-B4AD-7791DE6BBDE9}"/>
-              </a:ext>
-              <a:ext uri="{C183D7F6-B498-43B3-948B-1728B52AA6E4}">
-                <adec:decorative xmlns:adec="http://schemas.microsoft.com/office/drawing/2017/decorative" val="1"/>
-              </a:ext>
-            </a:extLst>
-          </p:cNvPr>
-          <p:cNvSpPr>
-            <a:spLocks noGrp="1" noRot="1" noChangeAspect="1" noMove="1" noResize="1" noEditPoints="1" noAdjustHandles="1" noChangeArrowheads="1" noChangeShapeType="1" noTextEdit="1"/>
-          </p:cNvSpPr>
-          <p:nvPr>
-            <p:extLst>
-              <p:ext uri="{386F3935-93C4-4BCD-93E2-E3B085C9AB24}">
-                <p16:designElem xmlns:p16="http://schemas.microsoft.com/office/powerpoint/2015/main" val="1"/>
-              </p:ext>
-            </p:extLst>
-          </p:nvPr>
-        </p:nvSpPr>
-        <p:spPr>
-          <a:xfrm>
-            <a:off x="4241830" y="457200"/>
-            <a:ext cx="3703320" cy="91440"/>
-          </a:xfrm>
-          <a:prstGeom prst="rect">
-            <a:avLst/>
-          </a:prstGeom>
-          <a:solidFill>
-            <a:schemeClr val="accent1"/>
-          </a:solidFill>
-          <a:ln>
-            <a:noFill/>
-          </a:ln>
-          <a:effectLst/>
-        </p:spPr>
-        <p:style>
-          <a:lnRef idx="1">
-            <a:schemeClr val="accent1"/>
-          </a:lnRef>
-          <a:fillRef idx="3">
-            <a:schemeClr val="accent1"/>
-          </a:fillRef>
-          <a:effectRef idx="2">
-            <a:schemeClr val="accent1"/>
-          </a:effectRef>
-          <a:fontRef idx="minor">
-            <a:schemeClr val="lt1"/>
-          </a:fontRef>
-        </p:style>
-      </p:sp>
-      <p:sp>
-        <p:nvSpPr>
-          <p:cNvPr id="1036" name="Rectangle 81">
-            <a:extLst>
-              <a:ext uri="{FF2B5EF4-FFF2-40B4-BE49-F238E27FC236}">
-                <a16:creationId xmlns:a16="http://schemas.microsoft.com/office/drawing/2014/main" id="{5D468424-DF72-426E-8DB3-F91B8857CB3B}"/>
-              </a:ext>
-              <a:ext uri="{C183D7F6-B498-43B3-948B-1728B52AA6E4}">
-                <adec:decorative xmlns:adec="http://schemas.microsoft.com/office/drawing/2017/decorative" val="1"/>
-              </a:ext>
-            </a:extLst>
-          </p:cNvPr>
-          <p:cNvSpPr>
-            <a:spLocks noGrp="1" noRot="1" noChangeAspect="1" noMove="1" noResize="1" noEditPoints="1" noAdjustHandles="1" noChangeArrowheads="1" noChangeShapeType="1" noTextEdit="1"/>
-          </p:cNvSpPr>
-          <p:nvPr>
-            <p:extLst>
-              <p:ext uri="{386F3935-93C4-4BCD-93E2-E3B085C9AB24}">
-                <p16:designElem xmlns:p16="http://schemas.microsoft.com/office/powerpoint/2015/main" val="1"/>
-              </p:ext>
-            </p:extLst>
-          </p:nvPr>
-        </p:nvSpPr>
-        <p:spPr>
-          <a:xfrm>
-            <a:off x="8042147" y="453643"/>
-            <a:ext cx="3703320" cy="98554"/>
-          </a:xfrm>
-          <a:prstGeom prst="rect">
-            <a:avLst/>
-          </a:prstGeom>
-          <a:solidFill>
-            <a:srgbClr val="969FA7"/>
-          </a:solidFill>
-          <a:ln>
-            <a:noFill/>
-          </a:ln>
-          <a:effectLst/>
-        </p:spPr>
-        <p:style>
-          <a:lnRef idx="1">
-            <a:schemeClr val="accent1"/>
-          </a:lnRef>
-          <a:fillRef idx="3">
-            <a:schemeClr val="accent1"/>
-          </a:fillRef>
-          <a:effectRef idx="2">
-            <a:schemeClr val="accent1"/>
-          </a:effectRef>
-          <a:fontRef idx="minor">
-            <a:schemeClr val="lt1"/>
-          </a:fontRef>
-        </p:style>
-      </p:sp>
-      <p:sp>
-        <p:nvSpPr>
-          <p:cNvPr id="7" name="Rectangle 6"/>
-          <p:cNvSpPr/>
-          <p:nvPr/>
-        </p:nvSpPr>
-        <p:spPr>
-          <a:xfrm>
-            <a:off x="446535" y="6572250"/>
-            <a:ext cx="11298932" cy="71437"/>
-          </a:xfrm>
-          <a:prstGeom prst="rect">
-            <a:avLst/>
-          </a:prstGeom>
-          <a:solidFill>
-            <a:schemeClr val="accent3"/>
-          </a:solidFill>
-          <a:ln>
-            <a:noFill/>
-          </a:ln>
-        </p:spPr>
-        <p:style>
-          <a:lnRef idx="2">
-            <a:schemeClr val="accent1">
-              <a:shade val="50000"/>
-            </a:schemeClr>
-          </a:lnRef>
-          <a:fillRef idx="1">
-            <a:schemeClr val="accent1"/>
-          </a:fillRef>
-          <a:effectRef idx="0">
-            <a:schemeClr val="accent1"/>
-          </a:effectRef>
-          <a:fontRef idx="minor">
-            <a:schemeClr val="lt1"/>
-          </a:fontRef>
-        </p:style>
-        <p:txBody>
-          <a:bodyPr rtlCol="0" anchor="ctr"/>
-          <a:lstStyle/>
-          <a:p>
-            <a:pPr algn="ctr"/>
-            <a:endParaRPr lang="en-IN"/>
-          </a:p>
-        </p:txBody>
-      </p:sp>
-      <p:sp>
-        <p:nvSpPr>
-          <p:cNvPr id="2" name="TextBox 1"/>
-          <p:cNvSpPr txBox="1"/>
-          <p:nvPr/>
-        </p:nvSpPr>
-        <p:spPr>
-          <a:xfrm>
-            <a:off x="2586038" y="3247187"/>
-            <a:ext cx="6557962" cy="553998"/>
-          </a:xfrm>
-          <a:prstGeom prst="rect">
-            <a:avLst/>
-          </a:prstGeom>
-          <a:noFill/>
-        </p:spPr>
-        <p:txBody>
-          <a:bodyPr wrap="square" rtlCol="0">
-            <a:spAutoFit/>
-          </a:bodyPr>
-          <a:lstStyle/>
-          <a:p>
-            <a:pPr algn="ctr"/>
-            <a:r>
-              <a:rPr lang="en-IN" sz="3000" dirty="0">
-                <a:solidFill>
-                  <a:srgbClr val="002060"/>
-                </a:solidFill>
-                <a:latin typeface="Times New Roman" panose="02020603050405020304" pitchFamily="18" charset="0"/>
-                <a:cs typeface="Times New Roman" panose="02020603050405020304" pitchFamily="18" charset="0"/>
-              </a:rPr>
-              <a:t>THANK YOU</a:t>
-            </a:r>
-          </a:p>
-        </p:txBody>
-      </p:sp>
-      <p:sp>
-        <p:nvSpPr>
-          <p:cNvPr id="10" name="Footer Placeholder 9">
-            <a:extLst>
-              <a:ext uri="{FF2B5EF4-FFF2-40B4-BE49-F238E27FC236}">
-                <a16:creationId xmlns:a16="http://schemas.microsoft.com/office/drawing/2014/main" id="{97E5F167-CBCD-DACD-543E-993E67DB43CF}"/>
-              </a:ext>
-            </a:extLst>
-          </p:cNvPr>
-          <p:cNvSpPr>
-            <a:spLocks noGrp="1"/>
-          </p:cNvSpPr>
-          <p:nvPr>
-            <p:ph type="ftr" sz="quarter" idx="11"/>
-          </p:nvPr>
-        </p:nvSpPr>
-        <p:spPr/>
-        <p:txBody>
-          <a:bodyPr/>
-          <a:lstStyle/>
-          <a:p>
-            <a:r>
-              <a:rPr lang="en-US"/>
-              <a:t>Electrical &amp; Electronics System EE1002</a:t>
-            </a:r>
-          </a:p>
-        </p:txBody>
-      </p:sp>
-      <p:sp>
-        <p:nvSpPr>
-          <p:cNvPr id="11" name="Slide Number Placeholder 10">
-            <a:extLst>
-              <a:ext uri="{FF2B5EF4-FFF2-40B4-BE49-F238E27FC236}">
-                <a16:creationId xmlns:a16="http://schemas.microsoft.com/office/drawing/2014/main" id="{6409F930-4FBB-E894-967A-ABE2C1F32753}"/>
-              </a:ext>
-            </a:extLst>
-          </p:cNvPr>
-          <p:cNvSpPr>
-            <a:spLocks noGrp="1"/>
-          </p:cNvSpPr>
-          <p:nvPr>
-            <p:ph type="sldNum" sz="quarter" idx="12"/>
-          </p:nvPr>
-        </p:nvSpPr>
-        <p:spPr/>
-        <p:txBody>
-          <a:bodyPr/>
-          <a:lstStyle/>
-          <a:p>
-            <a:fld id="{3A98EE3D-8CD1-4C3F-BD1C-C98C9596463C}" type="slidenum">
-              <a:rPr lang="en-US" smtClean="0"/>
-              <a:t>17</a:t>
-            </a:fld>
-            <a:endParaRPr lang="en-US"/>
-          </a:p>
-        </p:txBody>
-      </p:sp>
-    </p:spTree>
-    <p:extLst>
-      <p:ext uri="{BB962C8B-B14F-4D97-AF65-F5344CB8AC3E}">
-        <p14:creationId xmlns:p14="http://schemas.microsoft.com/office/powerpoint/2010/main" val="4185844908"/>
-      </p:ext>
-    </p:extLst>
-  </p:cSld>
-  <p:clrMapOvr>
-    <a:masterClrMapping/>
-  </p:clrMapOvr>
-</p:sld>
-</file>
-
-<file path=ppt/slides/slide2.xml><?xml version="1.0" encoding="utf-8"?>
-<p:sld xmlns:a="http://schemas.openxmlformats.org/drawingml/2006/main" xmlns:r="http://schemas.openxmlformats.org/officeDocument/2006/relationships" xmlns:p="http://schemas.openxmlformats.org/presentationml/2006/main">
-  <p:cSld>
-    <p:spTree>
-      <p:nvGrpSpPr>
-        <p:cNvPr id="1" name=""/>
-        <p:cNvGrpSpPr/>
-        <p:nvPr/>
-      </p:nvGrpSpPr>
-      <p:grpSpPr>
-        <a:xfrm>
-          <a:off x="0" y="0"/>
-          <a:ext cx="0" cy="0"/>
-          <a:chOff x="0" y="0"/>
-          <a:chExt cx="0" cy="0"/>
-        </a:xfrm>
-      </p:grpSpPr>
-      <p:sp useBgFill="1">
-        <p:nvSpPr>
-          <p:cNvPr id="8" name="Rectangle 7">
-            <a:extLst>
-              <a:ext uri="{FF2B5EF4-FFF2-40B4-BE49-F238E27FC236}">
-                <a16:creationId xmlns:a16="http://schemas.microsoft.com/office/drawing/2014/main" id="{9DD60C94-0C9C-47B7-BE88-045235ACCC6A}"/>
-              </a:ext>
-              <a:ext uri="{C183D7F6-B498-43B3-948B-1728B52AA6E4}">
-                <adec:decorative xmlns:adec="http://schemas.microsoft.com/office/drawing/2017/decorative" val="1"/>
-              </a:ext>
-            </a:extLst>
-          </p:cNvPr>
-          <p:cNvSpPr>
-            <a:spLocks noGrp="1" noRot="1" noChangeAspect="1" noMove="1" noResize="1" noEditPoints="1" noAdjustHandles="1" noChangeArrowheads="1" noChangeShapeType="1" noTextEdit="1"/>
-          </p:cNvSpPr>
-          <p:nvPr>
-            <p:extLst>
-              <p:ext uri="{386F3935-93C4-4BCD-93E2-E3B085C9AB24}">
-                <p16:designElem xmlns:p16="http://schemas.microsoft.com/office/powerpoint/2015/main" val="1"/>
-              </p:ext>
-            </p:extLst>
-          </p:nvPr>
-        </p:nvSpPr>
-        <p:spPr>
-          <a:xfrm>
-            <a:off x="0" y="0"/>
-            <a:ext cx="12192000" cy="6858000"/>
-          </a:xfrm>
-          <a:prstGeom prst="rect">
-            <a:avLst/>
-          </a:prstGeom>
-          <a:ln>
-            <a:noFill/>
-          </a:ln>
-        </p:spPr>
-        <p:style>
-          <a:lnRef idx="2">
-            <a:schemeClr val="accent1">
-              <a:shade val="50000"/>
-            </a:schemeClr>
-          </a:lnRef>
-          <a:fillRef idx="1">
-            <a:schemeClr val="accent1"/>
-          </a:fillRef>
-          <a:effectRef idx="0">
-            <a:schemeClr val="accent1"/>
-          </a:effectRef>
-          <a:fontRef idx="minor">
-            <a:schemeClr val="lt1"/>
-          </a:fontRef>
-        </p:style>
-        <p:txBody>
-          <a:bodyPr rtlCol="0" anchor="ctr"/>
-          <a:lstStyle/>
-          <a:p>
-            <a:pPr algn="ctr"/>
-            <a:endParaRPr lang="en-US"/>
-          </a:p>
-        </p:txBody>
-      </p:sp>
-      <p:sp>
-        <p:nvSpPr>
-          <p:cNvPr id="2" name="Title 1">
-            <a:extLst>
-              <a:ext uri="{FF2B5EF4-FFF2-40B4-BE49-F238E27FC236}">
-                <a16:creationId xmlns:a16="http://schemas.microsoft.com/office/drawing/2014/main" id="{603CA3CD-620A-4E5E-A1C7-BBB18570C299}"/>
-              </a:ext>
-            </a:extLst>
-          </p:cNvPr>
-          <p:cNvSpPr>
-            <a:spLocks noGrp="1"/>
-          </p:cNvSpPr>
-          <p:nvPr>
-            <p:ph type="ctrTitle"/>
-          </p:nvPr>
-        </p:nvSpPr>
-        <p:spPr>
-          <a:xfrm>
-            <a:off x="446533" y="1552397"/>
-            <a:ext cx="7231784" cy="3654081"/>
-          </a:xfrm>
-        </p:spPr>
-        <p:txBody>
-          <a:bodyPr anchor="ctr">
-            <a:normAutofit/>
-          </a:bodyPr>
-          <a:lstStyle/>
-          <a:p>
-            <a:r>
-              <a:rPr lang="en-US" sz="5400" dirty="0">
-                <a:solidFill>
-                  <a:schemeClr val="tx2"/>
-                </a:solidFill>
-              </a:rPr>
-              <a:t>Session outcome</a:t>
-            </a:r>
-          </a:p>
-        </p:txBody>
-      </p:sp>
-      <p:sp>
-        <p:nvSpPr>
-          <p:cNvPr id="3" name="Subtitle 2">
-            <a:extLst>
-              <a:ext uri="{FF2B5EF4-FFF2-40B4-BE49-F238E27FC236}">
-                <a16:creationId xmlns:a16="http://schemas.microsoft.com/office/drawing/2014/main" id="{380BEE3A-B36C-4174-A295-3E5F260225DE}"/>
-              </a:ext>
-            </a:extLst>
-          </p:cNvPr>
-          <p:cNvSpPr>
-            <a:spLocks noGrp="1"/>
-          </p:cNvSpPr>
-          <p:nvPr>
-            <p:ph type="subTitle" idx="1"/>
-          </p:nvPr>
-        </p:nvSpPr>
-        <p:spPr>
-          <a:xfrm>
-            <a:off x="7678317" y="1552397"/>
-            <a:ext cx="4062129" cy="3654082"/>
-          </a:xfrm>
-        </p:spPr>
-        <p:txBody>
-          <a:bodyPr anchor="ctr">
-            <a:normAutofit/>
-          </a:bodyPr>
-          <a:lstStyle/>
-          <a:p>
-            <a:r>
-              <a:rPr lang="en-US" sz="2800" dirty="0">
-                <a:solidFill>
-                  <a:srgbClr val="0070C0"/>
-                </a:solidFill>
-                <a:latin typeface="Agency FB" panose="020B0503020202020204" pitchFamily="34" charset="0"/>
-              </a:rPr>
-              <a:t>“</a:t>
-            </a:r>
-            <a:r>
-              <a:rPr lang="en-IN" sz="2300" dirty="0"/>
-              <a:t>Analyse DC circuit using superposition theorem</a:t>
-            </a:r>
-            <a:r>
-              <a:rPr lang="en-US" sz="2800" dirty="0">
-                <a:solidFill>
-                  <a:srgbClr val="0070C0"/>
-                </a:solidFill>
-                <a:latin typeface="Agency FB" panose="020B0503020202020204" pitchFamily="34" charset="0"/>
-              </a:rPr>
-              <a:t>”</a:t>
-            </a:r>
-          </a:p>
-        </p:txBody>
-      </p:sp>
-      <p:sp>
-        <p:nvSpPr>
-          <p:cNvPr id="10" name="Rectangle 9">
-            <a:extLst>
-              <a:ext uri="{FF2B5EF4-FFF2-40B4-BE49-F238E27FC236}">
-                <a16:creationId xmlns:a16="http://schemas.microsoft.com/office/drawing/2014/main" id="{BFCF7016-AC99-433F-B943-24C3736E0602}"/>
-              </a:ext>
-              <a:ext uri="{C183D7F6-B498-43B3-948B-1728B52AA6E4}">
-                <adec:decorative xmlns:adec="http://schemas.microsoft.com/office/drawing/2017/decorative" val="1"/>
-              </a:ext>
-            </a:extLst>
-          </p:cNvPr>
-          <p:cNvSpPr>
-            <a:spLocks noGrp="1" noRot="1" noChangeAspect="1" noMove="1" noResize="1" noEditPoints="1" noAdjustHandles="1" noChangeArrowheads="1" noChangeShapeType="1" noTextEdit="1"/>
-          </p:cNvSpPr>
-          <p:nvPr>
-            <p:extLst>
-              <p:ext uri="{386F3935-93C4-4BCD-93E2-E3B085C9AB24}">
-                <p16:designElem xmlns:p16="http://schemas.microsoft.com/office/powerpoint/2015/main" val="1"/>
-              </p:ext>
-            </p:extLst>
-          </p:nvPr>
-        </p:nvSpPr>
-        <p:spPr>
-          <a:xfrm>
-            <a:off x="446533" y="457200"/>
-            <a:ext cx="7579574" cy="643614"/>
-          </a:xfrm>
-          <a:prstGeom prst="rect">
-            <a:avLst/>
-          </a:prstGeom>
-          <a:solidFill>
-            <a:schemeClr val="accent1"/>
-          </a:solidFill>
-          <a:ln>
-            <a:noFill/>
-          </a:ln>
-          <a:effectLst/>
-        </p:spPr>
-        <p:style>
-          <a:lnRef idx="1">
-            <a:schemeClr val="accent1"/>
-          </a:lnRef>
-          <a:fillRef idx="3">
-            <a:schemeClr val="accent1"/>
-          </a:fillRef>
-          <a:effectRef idx="2">
-            <a:schemeClr val="accent1"/>
-          </a:effectRef>
-          <a:fontRef idx="minor">
-            <a:schemeClr val="lt1"/>
-          </a:fontRef>
-        </p:style>
-      </p:sp>
-      <p:sp>
-        <p:nvSpPr>
-          <p:cNvPr id="12" name="Rectangle 11">
-            <a:extLst>
-              <a:ext uri="{FF2B5EF4-FFF2-40B4-BE49-F238E27FC236}">
-                <a16:creationId xmlns:a16="http://schemas.microsoft.com/office/drawing/2014/main" id="{A03737D1-A930-4E3E-9160-3CD4AEC72AB7}"/>
-              </a:ext>
-              <a:ext uri="{C183D7F6-B498-43B3-948B-1728B52AA6E4}">
-                <adec:decorative xmlns:adec="http://schemas.microsoft.com/office/drawing/2017/decorative" val="1"/>
-              </a:ext>
-            </a:extLst>
-          </p:cNvPr>
-          <p:cNvSpPr>
-            <a:spLocks noGrp="1" noRot="1" noChangeAspect="1" noMove="1" noResize="1" noEditPoints="1" noAdjustHandles="1" noChangeArrowheads="1" noChangeShapeType="1" noTextEdit="1"/>
-          </p:cNvSpPr>
-          <p:nvPr>
-            <p:extLst>
-              <p:ext uri="{386F3935-93C4-4BCD-93E2-E3B085C9AB24}">
-                <p16:designElem xmlns:p16="http://schemas.microsoft.com/office/powerpoint/2015/main" val="1"/>
-              </p:ext>
-            </p:extLst>
-          </p:nvPr>
-        </p:nvSpPr>
-        <p:spPr>
-          <a:xfrm>
-            <a:off x="8129871" y="453642"/>
-            <a:ext cx="3615596" cy="645113"/>
-          </a:xfrm>
-          <a:prstGeom prst="rect">
-            <a:avLst/>
-          </a:prstGeom>
-          <a:solidFill>
-            <a:schemeClr val="accent4"/>
-          </a:solidFill>
-          <a:ln>
-            <a:noFill/>
-          </a:ln>
-          <a:effectLst/>
-        </p:spPr>
-        <p:style>
-          <a:lnRef idx="1">
-            <a:schemeClr val="accent1"/>
-          </a:lnRef>
-          <a:fillRef idx="3">
-            <a:schemeClr val="accent1"/>
-          </a:fillRef>
-          <a:effectRef idx="2">
-            <a:schemeClr val="accent1"/>
-          </a:effectRef>
-          <a:fontRef idx="minor">
-            <a:schemeClr val="lt1"/>
-          </a:fontRef>
-        </p:style>
-      </p:sp>
-      <p:sp>
-        <p:nvSpPr>
-          <p:cNvPr id="14" name="Rectangle 13">
-            <a:extLst>
-              <a:ext uri="{FF2B5EF4-FFF2-40B4-BE49-F238E27FC236}">
-                <a16:creationId xmlns:a16="http://schemas.microsoft.com/office/drawing/2014/main" id="{F71CFF33-010E-4E26-A285-83B182982358}"/>
-              </a:ext>
-              <a:ext uri="{C183D7F6-B498-43B3-948B-1728B52AA6E4}">
-                <adec:decorative xmlns:adec="http://schemas.microsoft.com/office/drawing/2017/decorative" val="1"/>
-              </a:ext>
-            </a:extLst>
-          </p:cNvPr>
-          <p:cNvSpPr>
-            <a:spLocks noGrp="1" noRot="1" noChangeAspect="1" noMove="1" noResize="1" noEditPoints="1" noAdjustHandles="1" noChangeArrowheads="1" noChangeShapeType="1" noTextEdit="1"/>
-          </p:cNvSpPr>
-          <p:nvPr>
-            <p:extLst>
-              <p:ext uri="{386F3935-93C4-4BCD-93E2-E3B085C9AB24}">
-                <p16:designElem xmlns:p16="http://schemas.microsoft.com/office/powerpoint/2015/main" val="1"/>
-              </p:ext>
-            </p:extLst>
-          </p:nvPr>
-        </p:nvSpPr>
-        <p:spPr>
-          <a:xfrm>
-            <a:off x="446533" y="5707627"/>
-            <a:ext cx="11293913" cy="649224"/>
-          </a:xfrm>
-          <a:prstGeom prst="rect">
-            <a:avLst/>
-          </a:prstGeom>
-          <a:solidFill>
-            <a:srgbClr val="465359"/>
-          </a:solidFill>
-          <a:ln>
-            <a:noFill/>
-          </a:ln>
-          <a:effectLst/>
-        </p:spPr>
-        <p:style>
-          <a:lnRef idx="1">
-            <a:schemeClr val="accent1"/>
-          </a:lnRef>
-          <a:fillRef idx="3">
-            <a:schemeClr val="accent1"/>
-          </a:fillRef>
-          <a:effectRef idx="2">
-            <a:schemeClr val="accent1"/>
-          </a:effectRef>
-          <a:fontRef idx="minor">
-            <a:schemeClr val="lt1"/>
-          </a:fontRef>
-        </p:style>
-      </p:sp>
-      <p:sp>
-        <p:nvSpPr>
-          <p:cNvPr id="13" name="Footer Placeholder 12">
-            <a:extLst>
-              <a:ext uri="{FF2B5EF4-FFF2-40B4-BE49-F238E27FC236}">
-                <a16:creationId xmlns:a16="http://schemas.microsoft.com/office/drawing/2014/main" id="{FA5C7F33-64C7-282B-E03B-CF572D454C36}"/>
-              </a:ext>
-            </a:extLst>
-          </p:cNvPr>
-          <p:cNvSpPr>
-            <a:spLocks noGrp="1"/>
-          </p:cNvSpPr>
-          <p:nvPr>
-            <p:ph type="ftr" sz="quarter" idx="11"/>
-          </p:nvPr>
-        </p:nvSpPr>
-        <p:spPr>
-          <a:xfrm>
-            <a:off x="581190" y="6435453"/>
-            <a:ext cx="4214092" cy="365125"/>
-          </a:xfrm>
-        </p:spPr>
-        <p:txBody>
-          <a:bodyPr/>
-          <a:lstStyle/>
-          <a:p>
-            <a:r>
-              <a:rPr lang="en-US" sz="1200" dirty="0"/>
-              <a:t>Electrical &amp; Electronics System EE1002</a:t>
-            </a:r>
-          </a:p>
-        </p:txBody>
-      </p:sp>
-      <p:sp>
-        <p:nvSpPr>
-          <p:cNvPr id="15" name="Slide Number Placeholder 14">
-            <a:extLst>
-              <a:ext uri="{FF2B5EF4-FFF2-40B4-BE49-F238E27FC236}">
-                <a16:creationId xmlns:a16="http://schemas.microsoft.com/office/drawing/2014/main" id="{84BC8760-023A-DFC0-F205-043DD70BEA58}"/>
-              </a:ext>
-            </a:extLst>
-          </p:cNvPr>
-          <p:cNvSpPr>
-            <a:spLocks noGrp="1"/>
-          </p:cNvSpPr>
-          <p:nvPr>
-            <p:ph type="sldNum" sz="quarter" idx="12"/>
-          </p:nvPr>
-        </p:nvSpPr>
-        <p:spPr/>
-        <p:txBody>
-          <a:bodyPr/>
-          <a:lstStyle/>
-          <a:p>
-            <a:fld id="{3A98EE3D-8CD1-4C3F-BD1C-C98C9596463C}" type="slidenum">
-              <a:rPr lang="en-US" smtClean="0"/>
-              <a:t>2</a:t>
-            </a:fld>
-            <a:endParaRPr lang="en-US"/>
-          </a:p>
-        </p:txBody>
-      </p:sp>
-    </p:spTree>
-    <p:extLst>
-      <p:ext uri="{BB962C8B-B14F-4D97-AF65-F5344CB8AC3E}">
-        <p14:creationId xmlns:p14="http://schemas.microsoft.com/office/powerpoint/2010/main" val="286255501"/>
-      </p:ext>
-    </p:extLst>
-  </p:cSld>
-  <p:clrMapOvr>
-    <a:masterClrMapping/>
-  </p:clrMapOvr>
-</p:sld>
-</file>
-
-<file path=ppt/slides/slide3.xml><?xml version="1.0" encoding="utf-8"?>
-<p:sld xmlns:a="http://schemas.openxmlformats.org/drawingml/2006/main" xmlns:r="http://schemas.openxmlformats.org/officeDocument/2006/relationships" xmlns:p="http://schemas.openxmlformats.org/presentationml/2006/main">
-  <p:cSld>
-    <p:spTree>
-      <p:nvGrpSpPr>
-        <p:cNvPr id="1" name=""/>
-        <p:cNvGrpSpPr/>
-        <p:nvPr/>
-      </p:nvGrpSpPr>
-      <p:grpSpPr>
-        <a:xfrm>
-          <a:off x="0" y="0"/>
-          <a:ext cx="0" cy="0"/>
-          <a:chOff x="0" y="0"/>
-          <a:chExt cx="0" cy="0"/>
-        </a:xfrm>
-      </p:grpSpPr>
-      <p:sp useBgFill="1">
-        <p:nvSpPr>
-          <p:cNvPr id="8" name="Rectangle 7">
-            <a:extLst>
-              <a:ext uri="{FF2B5EF4-FFF2-40B4-BE49-F238E27FC236}">
-                <a16:creationId xmlns:a16="http://schemas.microsoft.com/office/drawing/2014/main" id="{328C565D-A991-4381-AC37-76A58A4A128F}"/>
-              </a:ext>
-              <a:ext uri="{C183D7F6-B498-43B3-948B-1728B52AA6E4}">
-                <adec:decorative xmlns:adec="http://schemas.microsoft.com/office/drawing/2017/decorative" val="1"/>
-              </a:ext>
-            </a:extLst>
-          </p:cNvPr>
-          <p:cNvSpPr>
-            <a:spLocks noGrp="1" noRot="1" noChangeAspect="1" noMove="1" noResize="1" noEditPoints="1" noAdjustHandles="1" noChangeArrowheads="1" noChangeShapeType="1" noTextEdit="1"/>
-          </p:cNvSpPr>
-          <p:nvPr>
-            <p:extLst>
-              <p:ext uri="{386F3935-93C4-4BCD-93E2-E3B085C9AB24}">
-                <p16:designElem xmlns:p16="http://schemas.microsoft.com/office/powerpoint/2015/main" val="1"/>
-              </p:ext>
-            </p:extLst>
-          </p:nvPr>
-        </p:nvSpPr>
-        <p:spPr>
-          <a:xfrm>
-            <a:off x="0" y="0"/>
-            <a:ext cx="12192000" cy="6858000"/>
-          </a:xfrm>
-          <a:prstGeom prst="rect">
-            <a:avLst/>
-          </a:prstGeom>
-          <a:ln>
-            <a:noFill/>
-          </a:ln>
-        </p:spPr>
-        <p:style>
-          <a:lnRef idx="2">
-            <a:schemeClr val="accent1">
-              <a:shade val="50000"/>
-            </a:schemeClr>
-          </a:lnRef>
-          <a:fillRef idx="1">
-            <a:schemeClr val="accent1"/>
-          </a:fillRef>
-          <a:effectRef idx="0">
-            <a:schemeClr val="accent1"/>
-          </a:effectRef>
-          <a:fontRef idx="minor">
-            <a:schemeClr val="lt1"/>
-          </a:fontRef>
-        </p:style>
-        <p:txBody>
-          <a:bodyPr rtlCol="0" anchor="ctr"/>
-          <a:lstStyle/>
-          <a:p>
-            <a:pPr algn="ctr"/>
-            <a:endParaRPr lang="en-US"/>
-          </a:p>
-        </p:txBody>
-      </p:sp>
-      <p:sp>
-        <p:nvSpPr>
-          <p:cNvPr id="2" name="Title 1">
-            <a:extLst>
-              <a:ext uri="{FF2B5EF4-FFF2-40B4-BE49-F238E27FC236}">
-                <a16:creationId xmlns:a16="http://schemas.microsoft.com/office/drawing/2014/main" id="{2AD9C19C-F167-478B-A009-173298A37173}"/>
-              </a:ext>
-            </a:extLst>
-          </p:cNvPr>
-          <p:cNvSpPr>
-            <a:spLocks noGrp="1"/>
-          </p:cNvSpPr>
-          <p:nvPr>
-            <p:ph type="ctrTitle"/>
-          </p:nvPr>
-        </p:nvSpPr>
-        <p:spPr>
-          <a:xfrm>
-            <a:off x="4449960" y="1507414"/>
-            <a:ext cx="7295507" cy="3703320"/>
-          </a:xfrm>
-        </p:spPr>
-        <p:txBody>
-          <a:bodyPr anchor="ctr">
-            <a:normAutofit/>
-          </a:bodyPr>
-          <a:lstStyle/>
-          <a:p>
-            <a:r>
-              <a:rPr lang="en-US" sz="4800" dirty="0"/>
-              <a:t>Assessment </a:t>
-            </a:r>
-            <a:r>
-              <a:rPr lang="en-US" sz="4800" dirty="0" err="1"/>
-              <a:t>criteria’S</a:t>
-            </a:r>
-            <a:endParaRPr lang="en-US" sz="4800" dirty="0"/>
-          </a:p>
-        </p:txBody>
-      </p:sp>
-      <p:sp>
-        <p:nvSpPr>
-          <p:cNvPr id="3" name="Subtitle 2">
-            <a:extLst>
-              <a:ext uri="{FF2B5EF4-FFF2-40B4-BE49-F238E27FC236}">
-                <a16:creationId xmlns:a16="http://schemas.microsoft.com/office/drawing/2014/main" id="{42A46D13-953B-48DB-B76E-3A56454FB0B4}"/>
-              </a:ext>
-            </a:extLst>
-          </p:cNvPr>
-          <p:cNvSpPr>
-            <a:spLocks noGrp="1"/>
-          </p:cNvSpPr>
-          <p:nvPr>
-            <p:ph type="subTitle" idx="1"/>
-          </p:nvPr>
-        </p:nvSpPr>
-        <p:spPr>
-          <a:xfrm>
-            <a:off x="444343" y="1507414"/>
-            <a:ext cx="3405762" cy="3703320"/>
-          </a:xfrm>
-          <a:ln w="57150">
-            <a:noFill/>
-          </a:ln>
-        </p:spPr>
-        <p:txBody>
-          <a:bodyPr anchor="ctr">
-            <a:normAutofit/>
-          </a:bodyPr>
-          <a:lstStyle/>
-          <a:p>
-            <a:r>
-              <a:rPr lang="en-US" dirty="0">
-                <a:solidFill>
-                  <a:schemeClr val="tx2"/>
-                </a:solidFill>
-                <a:highlight>
-                  <a:srgbClr val="FFFF00"/>
-                </a:highlight>
-              </a:rPr>
-              <a:t>Assignment                    </a:t>
-            </a:r>
-          </a:p>
-          <a:p>
-            <a:r>
-              <a:rPr lang="en-US" dirty="0">
-                <a:solidFill>
-                  <a:schemeClr val="tx2"/>
-                </a:solidFill>
-                <a:highlight>
-                  <a:srgbClr val="FFFF00"/>
-                </a:highlight>
-              </a:rPr>
-              <a:t>quiz                 </a:t>
-            </a:r>
-          </a:p>
-          <a:p>
-            <a:r>
-              <a:rPr lang="en-US" dirty="0">
-                <a:solidFill>
-                  <a:schemeClr val="tx2"/>
-                </a:solidFill>
-                <a:highlight>
-                  <a:srgbClr val="FFFF00"/>
-                </a:highlight>
-              </a:rPr>
-              <a:t>mid term examination</a:t>
-            </a:r>
-          </a:p>
-          <a:p>
-            <a:r>
-              <a:rPr lang="en-US" dirty="0">
-                <a:solidFill>
-                  <a:schemeClr val="tx2"/>
-                </a:solidFill>
-                <a:highlight>
-                  <a:srgbClr val="FFFF00"/>
-                </a:highlight>
-              </a:rPr>
-              <a:t>END TERM EXAMINATION                 </a:t>
-            </a:r>
-          </a:p>
-        </p:txBody>
-      </p:sp>
-      <p:sp>
-        <p:nvSpPr>
-          <p:cNvPr id="10" name="Rectangle 9">
-            <a:extLst>
-              <a:ext uri="{FF2B5EF4-FFF2-40B4-BE49-F238E27FC236}">
-                <a16:creationId xmlns:a16="http://schemas.microsoft.com/office/drawing/2014/main" id="{B7180431-F4DE-415D-BCBB-9316423C37C1}"/>
-              </a:ext>
-              <a:ext uri="{C183D7F6-B498-43B3-948B-1728B52AA6E4}">
-                <adec:decorative xmlns:adec="http://schemas.microsoft.com/office/drawing/2017/decorative" val="1"/>
-              </a:ext>
-            </a:extLst>
-          </p:cNvPr>
-          <p:cNvSpPr>
-            <a:spLocks noGrp="1" noRot="1" noChangeAspect="1" noMove="1" noResize="1" noEditPoints="1" noAdjustHandles="1" noChangeArrowheads="1" noChangeShapeType="1" noTextEdit="1"/>
-          </p:cNvSpPr>
-          <p:nvPr>
-            <p:extLst>
-              <p:ext uri="{386F3935-93C4-4BCD-93E2-E3B085C9AB24}">
-                <p16:designElem xmlns:p16="http://schemas.microsoft.com/office/powerpoint/2015/main" val="1"/>
-              </p:ext>
-            </p:extLst>
-          </p:nvPr>
-        </p:nvSpPr>
-        <p:spPr>
-          <a:xfrm>
-            <a:off x="446534" y="453642"/>
-            <a:ext cx="11298933" cy="512708"/>
-          </a:xfrm>
-          <a:prstGeom prst="rect">
-            <a:avLst/>
-          </a:prstGeom>
-          <a:solidFill>
-            <a:srgbClr val="969FA7">
-              <a:alpha val="70000"/>
-            </a:srgbClr>
-          </a:solidFill>
-          <a:ln>
-            <a:noFill/>
-          </a:ln>
-          <a:effectLst/>
-        </p:spPr>
-        <p:style>
-          <a:lnRef idx="1">
-            <a:schemeClr val="accent1"/>
-          </a:lnRef>
-          <a:fillRef idx="3">
-            <a:schemeClr val="accent1"/>
-          </a:fillRef>
-          <a:effectRef idx="2">
-            <a:schemeClr val="accent1"/>
-          </a:effectRef>
-          <a:fontRef idx="minor">
-            <a:schemeClr val="lt1"/>
-          </a:fontRef>
-        </p:style>
-      </p:sp>
-      <p:sp>
-        <p:nvSpPr>
-          <p:cNvPr id="12" name="Rectangle 11">
-            <a:extLst>
-              <a:ext uri="{FF2B5EF4-FFF2-40B4-BE49-F238E27FC236}">
-                <a16:creationId xmlns:a16="http://schemas.microsoft.com/office/drawing/2014/main" id="{EEABD997-5EF9-4E9B-AFBB-F6DFAAF3ADF0}"/>
-              </a:ext>
-              <a:ext uri="{C183D7F6-B498-43B3-948B-1728B52AA6E4}">
-                <adec:decorative xmlns:adec="http://schemas.microsoft.com/office/drawing/2017/decorative" val="1"/>
-              </a:ext>
-            </a:extLst>
-          </p:cNvPr>
-          <p:cNvSpPr>
-            <a:spLocks noGrp="1" noRot="1" noChangeAspect="1" noMove="1" noResize="1" noEditPoints="1" noAdjustHandles="1" noChangeArrowheads="1" noChangeShapeType="1" noTextEdit="1"/>
-          </p:cNvSpPr>
-          <p:nvPr>
-            <p:extLst>
-              <p:ext uri="{386F3935-93C4-4BCD-93E2-E3B085C9AB24}">
-                <p16:designElem xmlns:p16="http://schemas.microsoft.com/office/powerpoint/2015/main" val="1"/>
-              </p:ext>
-            </p:extLst>
-          </p:nvPr>
-        </p:nvSpPr>
-        <p:spPr>
-          <a:xfrm rot="16200000" flipV="1">
-            <a:off x="2209064" y="3329711"/>
-            <a:ext cx="3703320" cy="58726"/>
-          </a:xfrm>
-          <a:prstGeom prst="rect">
-            <a:avLst/>
-          </a:prstGeom>
-          <a:solidFill>
-            <a:schemeClr val="accent1"/>
-          </a:solidFill>
-          <a:ln>
-            <a:noFill/>
-          </a:ln>
-          <a:effectLst/>
-        </p:spPr>
-        <p:style>
-          <a:lnRef idx="1">
-            <a:schemeClr val="accent1"/>
-          </a:lnRef>
-          <a:fillRef idx="3">
-            <a:schemeClr val="accent1"/>
-          </a:fillRef>
-          <a:effectRef idx="2">
-            <a:schemeClr val="accent1"/>
-          </a:effectRef>
-          <a:fontRef idx="minor">
-            <a:schemeClr val="lt1"/>
-          </a:fontRef>
-        </p:style>
-      </p:sp>
-      <p:sp>
-        <p:nvSpPr>
-          <p:cNvPr id="14" name="Rectangle 13">
-            <a:extLst>
-              <a:ext uri="{FF2B5EF4-FFF2-40B4-BE49-F238E27FC236}">
-                <a16:creationId xmlns:a16="http://schemas.microsoft.com/office/drawing/2014/main" id="{E9AB5EE6-A047-4B18-B998-D46DF3CC36FE}"/>
-              </a:ext>
-              <a:ext uri="{C183D7F6-B498-43B3-948B-1728B52AA6E4}">
-                <adec:decorative xmlns:adec="http://schemas.microsoft.com/office/drawing/2017/decorative" val="1"/>
-              </a:ext>
-            </a:extLst>
-          </p:cNvPr>
-          <p:cNvSpPr>
-            <a:spLocks noGrp="1" noRot="1" noChangeAspect="1" noMove="1" noResize="1" noEditPoints="1" noAdjustHandles="1" noChangeArrowheads="1" noChangeShapeType="1" noTextEdit="1"/>
-          </p:cNvSpPr>
-          <p:nvPr>
-            <p:extLst>
-              <p:ext uri="{386F3935-93C4-4BCD-93E2-E3B085C9AB24}">
-                <p16:designElem xmlns:p16="http://schemas.microsoft.com/office/powerpoint/2015/main" val="1"/>
-              </p:ext>
-            </p:extLst>
-          </p:nvPr>
-        </p:nvSpPr>
-        <p:spPr>
-          <a:xfrm>
-            <a:off x="446534" y="5878019"/>
-            <a:ext cx="11298933" cy="512708"/>
-          </a:xfrm>
-          <a:prstGeom prst="rect">
-            <a:avLst/>
-          </a:prstGeom>
-          <a:solidFill>
-            <a:srgbClr val="969FA7">
-              <a:alpha val="70000"/>
-            </a:srgbClr>
-          </a:solidFill>
-          <a:ln>
-            <a:noFill/>
-          </a:ln>
-          <a:effectLst/>
-        </p:spPr>
-        <p:style>
-          <a:lnRef idx="1">
-            <a:schemeClr val="accent1"/>
-          </a:lnRef>
-          <a:fillRef idx="3">
-            <a:schemeClr val="accent1"/>
-          </a:fillRef>
-          <a:effectRef idx="2">
-            <a:schemeClr val="accent1"/>
-          </a:effectRef>
-          <a:fontRef idx="minor">
-            <a:schemeClr val="lt1"/>
-          </a:fontRef>
-        </p:style>
-      </p:sp>
-      <p:sp>
-        <p:nvSpPr>
-          <p:cNvPr id="13" name="Footer Placeholder 12">
-            <a:extLst>
-              <a:ext uri="{FF2B5EF4-FFF2-40B4-BE49-F238E27FC236}">
-                <a16:creationId xmlns:a16="http://schemas.microsoft.com/office/drawing/2014/main" id="{9D26CE06-F19E-0ECF-18B4-7CF4A4B9E7E7}"/>
-              </a:ext>
-            </a:extLst>
-          </p:cNvPr>
-          <p:cNvSpPr>
-            <a:spLocks noGrp="1"/>
-          </p:cNvSpPr>
-          <p:nvPr>
-            <p:ph type="ftr" sz="quarter" idx="11"/>
-          </p:nvPr>
-        </p:nvSpPr>
-        <p:spPr/>
-        <p:txBody>
-          <a:bodyPr/>
-          <a:lstStyle/>
-          <a:p>
-            <a:r>
-              <a:rPr lang="en-US"/>
-              <a:t>Electrical &amp; Electronics System EE1002</a:t>
-            </a:r>
-          </a:p>
-        </p:txBody>
-      </p:sp>
-      <p:sp>
-        <p:nvSpPr>
-          <p:cNvPr id="15" name="Slide Number Placeholder 14">
-            <a:extLst>
-              <a:ext uri="{FF2B5EF4-FFF2-40B4-BE49-F238E27FC236}">
-                <a16:creationId xmlns:a16="http://schemas.microsoft.com/office/drawing/2014/main" id="{43B9030F-934C-E420-6E68-E24792F30E47}"/>
-              </a:ext>
-            </a:extLst>
-          </p:cNvPr>
-          <p:cNvSpPr>
-            <a:spLocks noGrp="1"/>
-          </p:cNvSpPr>
-          <p:nvPr>
-            <p:ph type="sldNum" sz="quarter" idx="12"/>
-          </p:nvPr>
-        </p:nvSpPr>
-        <p:spPr/>
-        <p:txBody>
-          <a:bodyPr/>
-          <a:lstStyle/>
-          <a:p>
-            <a:fld id="{3A98EE3D-8CD1-4C3F-BD1C-C98C9596463C}" type="slidenum">
-              <a:rPr lang="en-US" smtClean="0"/>
-              <a:t>3</a:t>
-            </a:fld>
-            <a:endParaRPr lang="en-US"/>
-          </a:p>
-        </p:txBody>
-      </p:sp>
-    </p:spTree>
-    <p:extLst>
-      <p:ext uri="{BB962C8B-B14F-4D97-AF65-F5344CB8AC3E}">
-        <p14:creationId xmlns:p14="http://schemas.microsoft.com/office/powerpoint/2010/main" val="2405473499"/>
-      </p:ext>
-    </p:extLst>
-  </p:cSld>
-  <p:clrMapOvr>
-    <a:masterClrMapping/>
-  </p:clrMapOvr>
-</p:sld>
-</file>
-
-<file path=ppt/slides/slide4.xml><?xml version="1.0" encoding="utf-8"?>
-<p:sld xmlns:a="http://schemas.openxmlformats.org/drawingml/2006/main" xmlns:r="http://schemas.openxmlformats.org/officeDocument/2006/relationships" xmlns:p="http://schemas.openxmlformats.org/presentationml/2006/main">
-  <p:cSld>
-    <p:bg>
-      <p:bgPr>
-        <a:solidFill>
-          <a:schemeClr val="bg1"/>
-        </a:solidFill>
-        <a:effectLst/>
-      </p:bgPr>
-    </p:bg>
-    <p:spTree>
-      <p:nvGrpSpPr>
-        <p:cNvPr id="1" name=""/>
-        <p:cNvGrpSpPr/>
-        <p:nvPr/>
-      </p:nvGrpSpPr>
-      <p:grpSpPr>
-        <a:xfrm>
-          <a:off x="0" y="0"/>
-          <a:ext cx="0" cy="0"/>
-          <a:chOff x="0" y="0"/>
-          <a:chExt cx="0" cy="0"/>
-        </a:xfrm>
-      </p:grpSpPr>
-      <p:pic>
-        <p:nvPicPr>
-          <p:cNvPr id="29" name="Picture 28">
-            <a:extLst>
-              <a:ext uri="{FF2B5EF4-FFF2-40B4-BE49-F238E27FC236}">
-                <a16:creationId xmlns:a16="http://schemas.microsoft.com/office/drawing/2014/main" id="{4DE6CB5B-B042-42CC-BDF4-44EECFD503B3}"/>
-              </a:ext>
-            </a:extLst>
-          </p:cNvPr>
-          <p:cNvPicPr>
-            <a:picLocks noChangeAspect="1"/>
-          </p:cNvPicPr>
-          <p:nvPr/>
-        </p:nvPicPr>
-        <p:blipFill rotWithShape="1">
-          <a:blip r:embed="rId2"/>
-          <a:srcRect/>
-          <a:stretch/>
-        </p:blipFill>
-        <p:spPr>
-          <a:xfrm>
-            <a:off x="-2" y="10"/>
-            <a:ext cx="12192002" cy="6857990"/>
-          </a:xfrm>
-          <a:prstGeom prst="rect">
-            <a:avLst/>
-          </a:prstGeom>
-        </p:spPr>
-      </p:pic>
-      <p:sp>
-        <p:nvSpPr>
-          <p:cNvPr id="40" name="Rectangle 39">
-            <a:extLst>
-              <a:ext uri="{FF2B5EF4-FFF2-40B4-BE49-F238E27FC236}">
-                <a16:creationId xmlns:a16="http://schemas.microsoft.com/office/drawing/2014/main" id="{4063B759-00FC-46D1-9898-8E8625268FAF}"/>
-              </a:ext>
-              <a:ext uri="{C183D7F6-B498-43B3-948B-1728B52AA6E4}">
-                <adec:decorative xmlns:adec="http://schemas.microsoft.com/office/drawing/2017/decorative" val="1"/>
-              </a:ext>
-            </a:extLst>
-          </p:cNvPr>
-          <p:cNvSpPr>
-            <a:spLocks noGrp="1" noRot="1" noChangeAspect="1" noMove="1" noResize="1" noEditPoints="1" noAdjustHandles="1" noChangeArrowheads="1" noChangeShapeType="1" noTextEdit="1"/>
-          </p:cNvSpPr>
-          <p:nvPr>
-            <p:extLst>
-              <p:ext uri="{386F3935-93C4-4BCD-93E2-E3B085C9AB24}">
-                <p16:designElem xmlns:p16="http://schemas.microsoft.com/office/powerpoint/2015/main" val="1"/>
-              </p:ext>
-            </p:extLst>
-          </p:nvPr>
-        </p:nvSpPr>
-        <p:spPr>
-          <a:xfrm rot="16200000">
-            <a:off x="-1397938" y="1397930"/>
-            <a:ext cx="6858003" cy="4062128"/>
-          </a:xfrm>
-          <a:prstGeom prst="rect">
-            <a:avLst/>
-          </a:prstGeom>
-          <a:gradFill flip="none" rotWithShape="1">
-            <a:gsLst>
-              <a:gs pos="48000">
-                <a:schemeClr val="tx1">
-                  <a:alpha val="24000"/>
-                </a:schemeClr>
-              </a:gs>
-              <a:gs pos="85000">
-                <a:schemeClr val="tx1">
-                  <a:alpha val="45000"/>
-                </a:schemeClr>
-              </a:gs>
-              <a:gs pos="0">
-                <a:schemeClr val="tx1">
-                  <a:alpha val="0"/>
-                </a:schemeClr>
-              </a:gs>
-            </a:gsLst>
-            <a:lin ang="16200000" scaled="1"/>
-            <a:tileRect/>
-          </a:gradFill>
-          <a:ln>
-            <a:noFill/>
-          </a:ln>
-        </p:spPr>
-        <p:style>
-          <a:lnRef idx="2">
-            <a:schemeClr val="accent1">
-              <a:shade val="50000"/>
-            </a:schemeClr>
-          </a:lnRef>
-          <a:fillRef idx="1">
-            <a:schemeClr val="accent1"/>
-          </a:fillRef>
-          <a:effectRef idx="0">
-            <a:schemeClr val="accent1"/>
-          </a:effectRef>
-          <a:fontRef idx="minor">
-            <a:schemeClr val="lt1"/>
-          </a:fontRef>
-        </p:style>
-        <p:txBody>
-          <a:bodyPr rtlCol="0" anchor="ctr"/>
-          <a:lstStyle/>
-          <a:p>
-            <a:pPr algn="ctr"/>
-            <a:endParaRPr lang="en-US"/>
-          </a:p>
-        </p:txBody>
-      </p:sp>
-      <p:sp>
-        <p:nvSpPr>
-          <p:cNvPr id="42" name="Rectangle 41">
-            <a:extLst>
-              <a:ext uri="{FF2B5EF4-FFF2-40B4-BE49-F238E27FC236}">
-                <a16:creationId xmlns:a16="http://schemas.microsoft.com/office/drawing/2014/main" id="{D5B012D8-7F27-4758-9AC6-C889B154BD73}"/>
-              </a:ext>
-              <a:ext uri="{C183D7F6-B498-43B3-948B-1728B52AA6E4}">
-                <adec:decorative xmlns:adec="http://schemas.microsoft.com/office/drawing/2017/decorative" val="1"/>
-              </a:ext>
-            </a:extLst>
-          </p:cNvPr>
-          <p:cNvSpPr>
-            <a:spLocks noGrp="1" noRot="1" noChangeAspect="1" noMove="1" noResize="1" noEditPoints="1" noAdjustHandles="1" noChangeArrowheads="1" noChangeShapeType="1" noTextEdit="1"/>
-          </p:cNvSpPr>
-          <p:nvPr>
-            <p:extLst>
-              <p:ext uri="{386F3935-93C4-4BCD-93E2-E3B085C9AB24}">
-                <p16:designElem xmlns:p16="http://schemas.microsoft.com/office/powerpoint/2015/main" val="1"/>
-              </p:ext>
-            </p:extLst>
-          </p:nvPr>
-        </p:nvSpPr>
-        <p:spPr>
-          <a:xfrm rot="5400000">
-            <a:off x="6437374" y="1100316"/>
-            <a:ext cx="6858003" cy="4657347"/>
-          </a:xfrm>
-          <a:prstGeom prst="rect">
-            <a:avLst/>
-          </a:prstGeom>
-          <a:gradFill flip="none" rotWithShape="1">
-            <a:gsLst>
-              <a:gs pos="48000">
-                <a:schemeClr val="tx1">
-                  <a:alpha val="24000"/>
-                </a:schemeClr>
-              </a:gs>
-              <a:gs pos="85000">
-                <a:schemeClr val="tx1">
-                  <a:alpha val="45000"/>
-                </a:schemeClr>
-              </a:gs>
-              <a:gs pos="0">
-                <a:schemeClr val="tx1">
-                  <a:alpha val="0"/>
-                </a:schemeClr>
-              </a:gs>
-            </a:gsLst>
-            <a:lin ang="16200000" scaled="1"/>
-            <a:tileRect/>
-          </a:gradFill>
-          <a:ln>
-            <a:noFill/>
-          </a:ln>
-        </p:spPr>
-        <p:style>
-          <a:lnRef idx="2">
-            <a:schemeClr val="accent1">
-              <a:shade val="50000"/>
-            </a:schemeClr>
-          </a:lnRef>
-          <a:fillRef idx="1">
-            <a:schemeClr val="accent1"/>
-          </a:fillRef>
-          <a:effectRef idx="0">
-            <a:schemeClr val="accent1"/>
-          </a:effectRef>
-          <a:fontRef idx="minor">
-            <a:schemeClr val="lt1"/>
-          </a:fontRef>
-        </p:style>
-        <p:txBody>
-          <a:bodyPr rtlCol="0" anchor="ctr"/>
-          <a:lstStyle/>
-          <a:p>
-            <a:pPr algn="ctr"/>
-            <a:endParaRPr lang="en-US" dirty="0"/>
-          </a:p>
-        </p:txBody>
-      </p:sp>
-      <p:sp>
-        <p:nvSpPr>
-          <p:cNvPr id="2" name="Title 1">
-            <a:extLst>
-              <a:ext uri="{FF2B5EF4-FFF2-40B4-BE49-F238E27FC236}">
-                <a16:creationId xmlns:a16="http://schemas.microsoft.com/office/drawing/2014/main" id="{8C7EC7A8-5BE3-42D7-8870-1FF9B4A28476}"/>
-              </a:ext>
-            </a:extLst>
-          </p:cNvPr>
-          <p:cNvSpPr>
-            <a:spLocks noGrp="1"/>
-          </p:cNvSpPr>
-          <p:nvPr>
-            <p:ph type="ctrTitle"/>
-          </p:nvPr>
-        </p:nvSpPr>
-        <p:spPr>
-          <a:xfrm>
-            <a:off x="5989834" y="643467"/>
-            <a:ext cx="5558701" cy="3589486"/>
-          </a:xfrm>
-        </p:spPr>
-        <p:txBody>
-          <a:bodyPr anchor="t">
-            <a:normAutofit/>
-          </a:bodyPr>
-          <a:lstStyle/>
-          <a:p>
-            <a:pPr algn="r"/>
-            <a:r>
-              <a:rPr lang="en-US" sz="4800" dirty="0">
-                <a:solidFill>
-                  <a:schemeClr val="bg1"/>
-                </a:solidFill>
-              </a:rPr>
-              <a:t>PROGRAM OUTCOMES MAPPING WITH CO1</a:t>
-            </a:r>
-          </a:p>
-        </p:txBody>
-      </p:sp>
-      <p:sp>
-        <p:nvSpPr>
-          <p:cNvPr id="3" name="Subtitle 2">
-            <a:extLst>
-              <a:ext uri="{FF2B5EF4-FFF2-40B4-BE49-F238E27FC236}">
-                <a16:creationId xmlns:a16="http://schemas.microsoft.com/office/drawing/2014/main" id="{A74B2096-3A76-49EC-80CD-AD470FCBDD10}"/>
-              </a:ext>
-            </a:extLst>
-          </p:cNvPr>
-          <p:cNvSpPr>
-            <a:spLocks noGrp="1"/>
-          </p:cNvSpPr>
-          <p:nvPr>
-            <p:ph type="subTitle" idx="1"/>
-          </p:nvPr>
-        </p:nvSpPr>
-        <p:spPr>
-          <a:xfrm>
-            <a:off x="6099055" y="4553792"/>
-            <a:ext cx="5449479" cy="1663493"/>
-          </a:xfrm>
-        </p:spPr>
-        <p:txBody>
-          <a:bodyPr anchor="b">
-            <a:normAutofit/>
-          </a:bodyPr>
-          <a:lstStyle/>
-          <a:p>
-            <a:pPr algn="r">
-              <a:lnSpc>
-                <a:spcPct val="90000"/>
-              </a:lnSpc>
-            </a:pPr>
-            <a:r>
-              <a:rPr lang="en-US" sz="1500" b="1" dirty="0">
-                <a:solidFill>
-                  <a:schemeClr val="bg1"/>
-                </a:solidFill>
-                <a:latin typeface="Times New Roman" panose="02020603050405020304" pitchFamily="18" charset="0"/>
-                <a:cs typeface="Times New Roman" panose="02020603050405020304" pitchFamily="18" charset="0"/>
-              </a:rPr>
-              <a:t>[PO1] </a:t>
-            </a:r>
-          </a:p>
-          <a:p>
-            <a:pPr algn="r">
-              <a:lnSpc>
-                <a:spcPct val="90000"/>
-              </a:lnSpc>
-            </a:pPr>
-            <a:r>
-              <a:rPr lang="en-US" sz="1500" b="1" dirty="0">
-                <a:solidFill>
-                  <a:schemeClr val="bg1"/>
-                </a:solidFill>
-                <a:latin typeface="Times New Roman" panose="02020603050405020304" pitchFamily="18" charset="0"/>
-                <a:cs typeface="Times New Roman" panose="02020603050405020304" pitchFamily="18" charset="0"/>
-              </a:rPr>
-              <a:t>Engineering Knowledge: Apply the knowledge of mathematics, science, engineering fundamentals, and an engineering specialization to the solution of complex engineering problems.</a:t>
-            </a:r>
-          </a:p>
-          <a:p>
-            <a:pPr algn="r">
-              <a:lnSpc>
-                <a:spcPct val="90000"/>
-              </a:lnSpc>
-            </a:pPr>
-            <a:endParaRPr lang="en-US" sz="1500" dirty="0">
-              <a:solidFill>
-                <a:schemeClr val="bg1"/>
-              </a:solidFill>
-            </a:endParaRPr>
-          </a:p>
-        </p:txBody>
-      </p:sp>
-      <p:sp>
-        <p:nvSpPr>
-          <p:cNvPr id="10" name="Footer Placeholder 9">
-            <a:extLst>
-              <a:ext uri="{FF2B5EF4-FFF2-40B4-BE49-F238E27FC236}">
-                <a16:creationId xmlns:a16="http://schemas.microsoft.com/office/drawing/2014/main" id="{BA2A4483-2520-B1A2-1BBF-9DD215EA664C}"/>
-              </a:ext>
-            </a:extLst>
-          </p:cNvPr>
-          <p:cNvSpPr>
-            <a:spLocks noGrp="1"/>
-          </p:cNvSpPr>
-          <p:nvPr>
-            <p:ph type="ftr" sz="quarter" idx="11"/>
-          </p:nvPr>
-        </p:nvSpPr>
-        <p:spPr/>
-        <p:txBody>
-          <a:bodyPr/>
-          <a:lstStyle/>
-          <a:p>
-            <a:r>
-              <a:rPr lang="en-US"/>
-              <a:t>Electrical &amp; Electronics System EE1002</a:t>
-            </a:r>
-          </a:p>
-        </p:txBody>
-      </p:sp>
-      <p:sp>
-        <p:nvSpPr>
-          <p:cNvPr id="11" name="Slide Number Placeholder 10">
-            <a:extLst>
-              <a:ext uri="{FF2B5EF4-FFF2-40B4-BE49-F238E27FC236}">
-                <a16:creationId xmlns:a16="http://schemas.microsoft.com/office/drawing/2014/main" id="{C2951402-EBAD-00FB-DCFC-7913FA79072E}"/>
-              </a:ext>
-            </a:extLst>
-          </p:cNvPr>
-          <p:cNvSpPr>
-            <a:spLocks noGrp="1"/>
-          </p:cNvSpPr>
-          <p:nvPr>
-            <p:ph type="sldNum" sz="quarter" idx="12"/>
-          </p:nvPr>
-        </p:nvSpPr>
-        <p:spPr/>
-        <p:txBody>
-          <a:bodyPr/>
-          <a:lstStyle/>
-          <a:p>
-            <a:fld id="{3A98EE3D-8CD1-4C3F-BD1C-C98C9596463C}" type="slidenum">
-              <a:rPr lang="en-US" smtClean="0"/>
-              <a:t>4</a:t>
-            </a:fld>
-            <a:endParaRPr lang="en-US"/>
-          </a:p>
-        </p:txBody>
-      </p:sp>
-    </p:spTree>
-    <p:extLst>
-      <p:ext uri="{BB962C8B-B14F-4D97-AF65-F5344CB8AC3E}">
-        <p14:creationId xmlns:p14="http://schemas.microsoft.com/office/powerpoint/2010/main" val="3012490929"/>
-      </p:ext>
-    </p:extLst>
-  </p:cSld>
-  <p:clrMapOvr>
-    <a:masterClrMapping/>
-  </p:clrMapOvr>
-</p:sld>
-</file>
-
-<file path=ppt/slides/slide5.xml><?xml version="1.0" encoding="utf-8"?>
-<p:sld xmlns:a="http://schemas.openxmlformats.org/drawingml/2006/main" xmlns:r="http://schemas.openxmlformats.org/officeDocument/2006/relationships" xmlns:p="http://schemas.openxmlformats.org/presentationml/2006/main">
-  <p:cSld>
-    <p:spTree>
-      <p:nvGrpSpPr>
-        <p:cNvPr id="1" name=""/>
-        <p:cNvGrpSpPr/>
-        <p:nvPr/>
-      </p:nvGrpSpPr>
-      <p:grpSpPr>
-        <a:xfrm>
-          <a:off x="0" y="0"/>
-          <a:ext cx="0" cy="0"/>
-          <a:chOff x="0" y="0"/>
-          <a:chExt cx="0" cy="0"/>
-        </a:xfrm>
-      </p:grpSpPr>
-      <p:sp useBgFill="1">
-        <p:nvSpPr>
-          <p:cNvPr id="76" name="Rectangle 75">
-            <a:extLst>
-              <a:ext uri="{FF2B5EF4-FFF2-40B4-BE49-F238E27FC236}">
-                <a16:creationId xmlns:a16="http://schemas.microsoft.com/office/drawing/2014/main" id="{38733D19-FF76-4DF6-985F-DB050AF87F9E}"/>
-              </a:ext>
-              <a:ext uri="{C183D7F6-B498-43B3-948B-1728B52AA6E4}">
-                <adec:decorative xmlns:adec="http://schemas.microsoft.com/office/drawing/2017/decorative" val="1"/>
-              </a:ext>
-            </a:extLst>
-          </p:cNvPr>
-          <p:cNvSpPr>
-            <a:spLocks noGrp="1" noRot="1" noChangeAspect="1" noMove="1" noResize="1" noEditPoints="1" noAdjustHandles="1" noChangeArrowheads="1" noChangeShapeType="1" noTextEdit="1"/>
-          </p:cNvSpPr>
-          <p:nvPr>
-            <p:extLst>
-              <p:ext uri="{386F3935-93C4-4BCD-93E2-E3B085C9AB24}">
-                <p16:designElem xmlns:p16="http://schemas.microsoft.com/office/powerpoint/2015/main" val="1"/>
-              </p:ext>
-            </p:extLst>
-          </p:nvPr>
-        </p:nvSpPr>
-        <p:spPr>
-          <a:xfrm>
-            <a:off x="0" y="0"/>
-            <a:ext cx="12192000" cy="6858000"/>
-          </a:xfrm>
-          <a:prstGeom prst="rect">
-            <a:avLst/>
-          </a:prstGeom>
-          <a:ln>
-            <a:noFill/>
-          </a:ln>
-        </p:spPr>
-        <p:style>
-          <a:lnRef idx="2">
-            <a:schemeClr val="accent1">
-              <a:shade val="50000"/>
-            </a:schemeClr>
-          </a:lnRef>
-          <a:fillRef idx="1">
-            <a:schemeClr val="accent1"/>
-          </a:fillRef>
-          <a:effectRef idx="0">
-            <a:schemeClr val="accent1"/>
-          </a:effectRef>
-          <a:fontRef idx="minor">
-            <a:schemeClr val="lt1"/>
-          </a:fontRef>
-        </p:style>
-        <p:txBody>
-          <a:bodyPr rtlCol="0" anchor="ctr"/>
-          <a:lstStyle/>
-          <a:p>
-            <a:pPr algn="ctr"/>
-            <a:endParaRPr lang="en-US"/>
-          </a:p>
-        </p:txBody>
-      </p:sp>
-      <p:sp>
-        <p:nvSpPr>
-          <p:cNvPr id="78" name="Rectangle 77">
-            <a:extLst>
-              <a:ext uri="{FF2B5EF4-FFF2-40B4-BE49-F238E27FC236}">
-                <a16:creationId xmlns:a16="http://schemas.microsoft.com/office/drawing/2014/main" id="{B8931767-514A-4E70-9129-DB6B46BFA823}"/>
-              </a:ext>
-              <a:ext uri="{C183D7F6-B498-43B3-948B-1728B52AA6E4}">
-                <adec:decorative xmlns:adec="http://schemas.microsoft.com/office/drawing/2017/decorative" val="1"/>
-              </a:ext>
-            </a:extLst>
-          </p:cNvPr>
-          <p:cNvSpPr>
-            <a:spLocks noGrp="1" noRot="1" noChangeAspect="1" noMove="1" noResize="1" noEditPoints="1" noAdjustHandles="1" noChangeArrowheads="1" noChangeShapeType="1" noTextEdit="1"/>
-          </p:cNvSpPr>
-          <p:nvPr>
-            <p:extLst>
-              <p:ext uri="{386F3935-93C4-4BCD-93E2-E3B085C9AB24}">
-                <p16:designElem xmlns:p16="http://schemas.microsoft.com/office/powerpoint/2015/main" val="1"/>
-              </p:ext>
-            </p:extLst>
-          </p:nvPr>
-        </p:nvSpPr>
-        <p:spPr>
-          <a:xfrm>
-            <a:off x="446534" y="457200"/>
-            <a:ext cx="3703320" cy="94997"/>
-          </a:xfrm>
-          <a:prstGeom prst="rect">
-            <a:avLst/>
-          </a:prstGeom>
-          <a:solidFill>
-            <a:srgbClr val="465359"/>
-          </a:solidFill>
-          <a:ln>
-            <a:noFill/>
-          </a:ln>
-          <a:effectLst/>
-        </p:spPr>
-        <p:style>
-          <a:lnRef idx="1">
-            <a:schemeClr val="accent1"/>
-          </a:lnRef>
-          <a:fillRef idx="3">
-            <a:schemeClr val="accent1"/>
-          </a:fillRef>
-          <a:effectRef idx="2">
-            <a:schemeClr val="accent1"/>
-          </a:effectRef>
-          <a:fontRef idx="minor">
-            <a:schemeClr val="lt1"/>
-          </a:fontRef>
-        </p:style>
-      </p:sp>
-      <p:sp>
-        <p:nvSpPr>
-          <p:cNvPr id="80" name="Rectangle 79">
-            <a:extLst>
-              <a:ext uri="{FF2B5EF4-FFF2-40B4-BE49-F238E27FC236}">
-                <a16:creationId xmlns:a16="http://schemas.microsoft.com/office/drawing/2014/main" id="{092556C3-D615-4E70-B4AD-7791DE6BBDE9}"/>
-              </a:ext>
-              <a:ext uri="{C183D7F6-B498-43B3-948B-1728B52AA6E4}">
-                <adec:decorative xmlns:adec="http://schemas.microsoft.com/office/drawing/2017/decorative" val="1"/>
-              </a:ext>
-            </a:extLst>
-          </p:cNvPr>
-          <p:cNvSpPr>
-            <a:spLocks noGrp="1" noRot="1" noChangeAspect="1" noMove="1" noResize="1" noEditPoints="1" noAdjustHandles="1" noChangeArrowheads="1" noChangeShapeType="1" noTextEdit="1"/>
-          </p:cNvSpPr>
-          <p:nvPr>
-            <p:extLst>
-              <p:ext uri="{386F3935-93C4-4BCD-93E2-E3B085C9AB24}">
-                <p16:designElem xmlns:p16="http://schemas.microsoft.com/office/powerpoint/2015/main" val="1"/>
-              </p:ext>
-            </p:extLst>
-          </p:nvPr>
-        </p:nvSpPr>
-        <p:spPr>
-          <a:xfrm>
-            <a:off x="4241830" y="457200"/>
-            <a:ext cx="3703320" cy="91440"/>
-          </a:xfrm>
-          <a:prstGeom prst="rect">
-            <a:avLst/>
-          </a:prstGeom>
-          <a:solidFill>
-            <a:schemeClr val="accent1"/>
-          </a:solidFill>
-          <a:ln>
-            <a:noFill/>
-          </a:ln>
-          <a:effectLst/>
-        </p:spPr>
-        <p:style>
-          <a:lnRef idx="1">
-            <a:schemeClr val="accent1"/>
-          </a:lnRef>
-          <a:fillRef idx="3">
-            <a:schemeClr val="accent1"/>
-          </a:fillRef>
-          <a:effectRef idx="2">
-            <a:schemeClr val="accent1"/>
-          </a:effectRef>
-          <a:fontRef idx="minor">
-            <a:schemeClr val="lt1"/>
-          </a:fontRef>
-        </p:style>
-      </p:sp>
-      <p:sp>
-        <p:nvSpPr>
-          <p:cNvPr id="1036" name="Rectangle 81">
-            <a:extLst>
-              <a:ext uri="{FF2B5EF4-FFF2-40B4-BE49-F238E27FC236}">
-                <a16:creationId xmlns:a16="http://schemas.microsoft.com/office/drawing/2014/main" id="{5D468424-DF72-426E-8DB3-F91B8857CB3B}"/>
-              </a:ext>
-              <a:ext uri="{C183D7F6-B498-43B3-948B-1728B52AA6E4}">
-                <adec:decorative xmlns:adec="http://schemas.microsoft.com/office/drawing/2017/decorative" val="1"/>
-              </a:ext>
-            </a:extLst>
-          </p:cNvPr>
-          <p:cNvSpPr>
-            <a:spLocks noGrp="1" noRot="1" noChangeAspect="1" noMove="1" noResize="1" noEditPoints="1" noAdjustHandles="1" noChangeArrowheads="1" noChangeShapeType="1" noTextEdit="1"/>
-          </p:cNvSpPr>
-          <p:nvPr>
-            <p:extLst>
-              <p:ext uri="{386F3935-93C4-4BCD-93E2-E3B085C9AB24}">
-                <p16:designElem xmlns:p16="http://schemas.microsoft.com/office/powerpoint/2015/main" val="1"/>
-              </p:ext>
-            </p:extLst>
-          </p:nvPr>
-        </p:nvSpPr>
-        <p:spPr>
-          <a:xfrm>
-            <a:off x="8042147" y="453643"/>
-            <a:ext cx="3703320" cy="98554"/>
-          </a:xfrm>
-          <a:prstGeom prst="rect">
-            <a:avLst/>
-          </a:prstGeom>
-          <a:solidFill>
-            <a:srgbClr val="969FA7"/>
-          </a:solidFill>
-          <a:ln>
-            <a:noFill/>
-          </a:ln>
-          <a:effectLst/>
-        </p:spPr>
-        <p:style>
-          <a:lnRef idx="1">
-            <a:schemeClr val="accent1"/>
-          </a:lnRef>
-          <a:fillRef idx="3">
-            <a:schemeClr val="accent1"/>
-          </a:fillRef>
-          <a:effectRef idx="2">
-            <a:schemeClr val="accent1"/>
-          </a:effectRef>
-          <a:fontRef idx="minor">
-            <a:schemeClr val="lt1"/>
-          </a:fontRef>
-        </p:style>
-      </p:sp>
-      <p:sp>
-        <p:nvSpPr>
-          <p:cNvPr id="7" name="Rectangle 6"/>
-          <p:cNvSpPr/>
-          <p:nvPr/>
-        </p:nvSpPr>
-        <p:spPr>
-          <a:xfrm>
-            <a:off x="446535" y="6572250"/>
-            <a:ext cx="11298932" cy="71437"/>
-          </a:xfrm>
-          <a:prstGeom prst="rect">
-            <a:avLst/>
-          </a:prstGeom>
-          <a:solidFill>
-            <a:schemeClr val="accent3"/>
-          </a:solidFill>
-          <a:ln>
-            <a:noFill/>
-          </a:ln>
-        </p:spPr>
-        <p:style>
-          <a:lnRef idx="2">
-            <a:schemeClr val="accent1">
-              <a:shade val="50000"/>
-            </a:schemeClr>
-          </a:lnRef>
-          <a:fillRef idx="1">
-            <a:schemeClr val="accent1"/>
-          </a:fillRef>
-          <a:effectRef idx="0">
-            <a:schemeClr val="accent1"/>
-          </a:effectRef>
-          <a:fontRef idx="minor">
-            <a:schemeClr val="lt1"/>
-          </a:fontRef>
-        </p:style>
-        <p:txBody>
-          <a:bodyPr rtlCol="0" anchor="ctr"/>
-          <a:lstStyle/>
-          <a:p>
-            <a:pPr algn="ctr"/>
-            <a:endParaRPr lang="en-IN"/>
-          </a:p>
-        </p:txBody>
-      </p:sp>
-      <p:sp>
-        <p:nvSpPr>
-          <p:cNvPr id="23" name="Subtitle 4"/>
-          <p:cNvSpPr>
-            <a:spLocks noGrp="1"/>
-          </p:cNvSpPr>
-          <p:nvPr>
-            <p:ph type="subTitle" idx="1"/>
-          </p:nvPr>
-        </p:nvSpPr>
-        <p:spPr>
-          <a:xfrm>
-            <a:off x="446534" y="1066800"/>
-            <a:ext cx="11298933" cy="5029200"/>
-          </a:xfrm>
-        </p:spPr>
-        <p:txBody>
-          <a:bodyPr>
-            <a:normAutofit lnSpcReduction="10000"/>
-          </a:bodyPr>
-          <a:lstStyle/>
-          <a:p>
-            <a:pPr algn="ctr"/>
-            <a:endParaRPr lang="en-US" sz="2200" dirty="0"/>
-          </a:p>
-          <a:p>
-            <a:pPr algn="ctr"/>
-            <a:endParaRPr lang="en-US" sz="2000" dirty="0"/>
-          </a:p>
-          <a:p>
-            <a:pPr algn="ctr"/>
-            <a:r>
-              <a:rPr lang="en-IN" sz="3800" dirty="0">
-                <a:latin typeface="Times New Roman" panose="02020603050405020304" pitchFamily="18" charset="0"/>
-                <a:ea typeface="Calibri" panose="020F0502020204030204" pitchFamily="34" charset="0"/>
-                <a:cs typeface="Times New Roman" panose="02020603050405020304" pitchFamily="18" charset="0"/>
-              </a:rPr>
-              <a:t>DC Network Theorems</a:t>
-            </a:r>
-            <a:r>
-              <a:rPr lang="en-IN" sz="4400" dirty="0">
-                <a:latin typeface="Times New Roman" panose="02020603050405020304" pitchFamily="18" charset="0"/>
-                <a:ea typeface="Calibri" panose="020F0502020204030204" pitchFamily="34" charset="0"/>
-                <a:cs typeface="Times New Roman" panose="02020603050405020304" pitchFamily="18" charset="0"/>
-              </a:rPr>
-              <a:t>: </a:t>
-            </a:r>
-          </a:p>
-          <a:p>
-            <a:pPr algn="ctr"/>
-            <a:r>
-              <a:rPr lang="en-IN" sz="4400" dirty="0">
-                <a:latin typeface="Times New Roman" panose="02020603050405020304" pitchFamily="18" charset="0"/>
-                <a:ea typeface="Calibri" panose="020F0502020204030204" pitchFamily="34" charset="0"/>
-                <a:cs typeface="Times New Roman" panose="02020603050405020304" pitchFamily="18" charset="0"/>
-              </a:rPr>
-              <a:t>Superposition Theorem</a:t>
-            </a:r>
-            <a:endParaRPr lang="en-IN" sz="4400" dirty="0">
-              <a:latin typeface="Times New Roman" panose="02020603050405020304" pitchFamily="18" charset="0"/>
-              <a:cs typeface="Times New Roman" panose="02020603050405020304" pitchFamily="18" charset="0"/>
-            </a:endParaRPr>
-          </a:p>
-          <a:p>
-            <a:pPr algn="ctr"/>
-            <a:endParaRPr lang="en-US" sz="4400" b="1" dirty="0"/>
-          </a:p>
-          <a:p>
-            <a:pPr algn="ctr"/>
-            <a:endParaRPr lang="en-US" sz="2800" b="1" dirty="0"/>
-          </a:p>
-          <a:p>
-            <a:pPr algn="ctr"/>
-            <a:endParaRPr lang="en-US" sz="2200" dirty="0"/>
-          </a:p>
-          <a:p>
-            <a:pPr algn="ctr"/>
-            <a:r>
-              <a:rPr lang="en-US" sz="2800" dirty="0"/>
-              <a:t>Lecture  No. 10</a:t>
-            </a:r>
-          </a:p>
-        </p:txBody>
-      </p:sp>
-      <p:sp>
-        <p:nvSpPr>
-          <p:cNvPr id="10" name="Footer Placeholder 9">
-            <a:extLst>
-              <a:ext uri="{FF2B5EF4-FFF2-40B4-BE49-F238E27FC236}">
-                <a16:creationId xmlns:a16="http://schemas.microsoft.com/office/drawing/2014/main" id="{346BD167-A1F6-0053-2933-CEC06FF8BEE4}"/>
-              </a:ext>
-            </a:extLst>
-          </p:cNvPr>
-          <p:cNvSpPr>
-            <a:spLocks noGrp="1"/>
-          </p:cNvSpPr>
-          <p:nvPr>
-            <p:ph type="ftr" sz="quarter" idx="11"/>
-          </p:nvPr>
-        </p:nvSpPr>
-        <p:spPr/>
-        <p:txBody>
-          <a:bodyPr/>
-          <a:lstStyle/>
-          <a:p>
-            <a:r>
-              <a:rPr lang="en-US"/>
-              <a:t>Electrical &amp; Electronics System EE1002</a:t>
-            </a:r>
-          </a:p>
-        </p:txBody>
-      </p:sp>
-      <p:sp>
-        <p:nvSpPr>
-          <p:cNvPr id="11" name="Slide Number Placeholder 10">
-            <a:extLst>
-              <a:ext uri="{FF2B5EF4-FFF2-40B4-BE49-F238E27FC236}">
-                <a16:creationId xmlns:a16="http://schemas.microsoft.com/office/drawing/2014/main" id="{BEEC92FF-ED24-ABCA-82F4-551405221789}"/>
-              </a:ext>
-            </a:extLst>
-          </p:cNvPr>
-          <p:cNvSpPr>
-            <a:spLocks noGrp="1"/>
-          </p:cNvSpPr>
-          <p:nvPr>
-            <p:ph type="sldNum" sz="quarter" idx="12"/>
-          </p:nvPr>
-        </p:nvSpPr>
-        <p:spPr/>
-        <p:txBody>
-          <a:bodyPr/>
-          <a:lstStyle/>
-          <a:p>
-            <a:fld id="{3A98EE3D-8CD1-4C3F-BD1C-C98C9596463C}" type="slidenum">
-              <a:rPr lang="en-US" smtClean="0"/>
-              <a:t>5</a:t>
-            </a:fld>
-            <a:endParaRPr lang="en-US"/>
-          </a:p>
-        </p:txBody>
-      </p:sp>
-    </p:spTree>
-    <p:extLst>
-      <p:ext uri="{BB962C8B-B14F-4D97-AF65-F5344CB8AC3E}">
-        <p14:creationId xmlns:p14="http://schemas.microsoft.com/office/powerpoint/2010/main" val="1046021896"/>
-      </p:ext>
-    </p:extLst>
-  </p:cSld>
-  <p:clrMapOvr>
-    <a:masterClrMapping/>
-  </p:clrMapOvr>
-</p:sld>
-</file>
-
-<file path=ppt/slides/slide6.xml><?xml version="1.0" encoding="utf-8"?>
-<p:sld xmlns:a="http://schemas.openxmlformats.org/drawingml/2006/main" xmlns:r="http://schemas.openxmlformats.org/officeDocument/2006/relationships" xmlns:p="http://schemas.openxmlformats.org/presentationml/2006/main">
-  <p:cSld>
-    <p:spTree>
-      <p:nvGrpSpPr>
-        <p:cNvPr id="1" name=""/>
-        <p:cNvGrpSpPr/>
-        <p:nvPr/>
-      </p:nvGrpSpPr>
-      <p:grpSpPr>
-        <a:xfrm>
-          <a:off x="0" y="0"/>
-          <a:ext cx="0" cy="0"/>
-          <a:chOff x="0" y="0"/>
-          <a:chExt cx="0" cy="0"/>
-        </a:xfrm>
-      </p:grpSpPr>
-      <p:sp useBgFill="1">
-        <p:nvSpPr>
-          <p:cNvPr id="76" name="Rectangle 75">
-            <a:extLst>
-              <a:ext uri="{FF2B5EF4-FFF2-40B4-BE49-F238E27FC236}">
-                <a16:creationId xmlns:a16="http://schemas.microsoft.com/office/drawing/2014/main" id="{38733D19-FF76-4DF6-985F-DB050AF87F9E}"/>
-              </a:ext>
-              <a:ext uri="{C183D7F6-B498-43B3-948B-1728B52AA6E4}">
-                <adec:decorative xmlns:adec="http://schemas.microsoft.com/office/drawing/2017/decorative" val="1"/>
-              </a:ext>
-            </a:extLst>
-          </p:cNvPr>
-          <p:cNvSpPr>
-            <a:spLocks noGrp="1" noRot="1" noChangeAspect="1" noMove="1" noResize="1" noEditPoints="1" noAdjustHandles="1" noChangeArrowheads="1" noChangeShapeType="1" noTextEdit="1"/>
-          </p:cNvSpPr>
-          <p:nvPr>
-            <p:extLst>
-              <p:ext uri="{386F3935-93C4-4BCD-93E2-E3B085C9AB24}">
-                <p16:designElem xmlns:p16="http://schemas.microsoft.com/office/powerpoint/2015/main" val="1"/>
-              </p:ext>
-            </p:extLst>
-          </p:nvPr>
-        </p:nvSpPr>
-        <p:spPr>
-          <a:xfrm>
-            <a:off x="0" y="0"/>
-            <a:ext cx="12192000" cy="6858000"/>
-          </a:xfrm>
-          <a:prstGeom prst="rect">
-            <a:avLst/>
-          </a:prstGeom>
-          <a:ln>
-            <a:noFill/>
-          </a:ln>
-        </p:spPr>
-        <p:style>
-          <a:lnRef idx="2">
-            <a:schemeClr val="accent1">
-              <a:shade val="50000"/>
-            </a:schemeClr>
-          </a:lnRef>
-          <a:fillRef idx="1">
-            <a:schemeClr val="accent1"/>
-          </a:fillRef>
-          <a:effectRef idx="0">
-            <a:schemeClr val="accent1"/>
-          </a:effectRef>
-          <a:fontRef idx="minor">
-            <a:schemeClr val="lt1"/>
-          </a:fontRef>
-        </p:style>
-        <p:txBody>
-          <a:bodyPr rtlCol="0" anchor="ctr"/>
-          <a:lstStyle/>
-          <a:p>
-            <a:pPr algn="ctr"/>
-            <a:endParaRPr lang="en-US"/>
-          </a:p>
-        </p:txBody>
-      </p:sp>
-      <p:sp>
-        <p:nvSpPr>
-          <p:cNvPr id="78" name="Rectangle 77">
-            <a:extLst>
-              <a:ext uri="{FF2B5EF4-FFF2-40B4-BE49-F238E27FC236}">
-                <a16:creationId xmlns:a16="http://schemas.microsoft.com/office/drawing/2014/main" id="{B8931767-514A-4E70-9129-DB6B46BFA823}"/>
-              </a:ext>
-              <a:ext uri="{C183D7F6-B498-43B3-948B-1728B52AA6E4}">
-                <adec:decorative xmlns:adec="http://schemas.microsoft.com/office/drawing/2017/decorative" val="1"/>
-              </a:ext>
-            </a:extLst>
-          </p:cNvPr>
-          <p:cNvSpPr>
-            <a:spLocks noGrp="1" noRot="1" noChangeAspect="1" noMove="1" noResize="1" noEditPoints="1" noAdjustHandles="1" noChangeArrowheads="1" noChangeShapeType="1" noTextEdit="1"/>
-          </p:cNvSpPr>
-          <p:nvPr>
-            <p:extLst>
-              <p:ext uri="{386F3935-93C4-4BCD-93E2-E3B085C9AB24}">
-                <p16:designElem xmlns:p16="http://schemas.microsoft.com/office/powerpoint/2015/main" val="1"/>
-              </p:ext>
-            </p:extLst>
-          </p:nvPr>
-        </p:nvSpPr>
-        <p:spPr>
-          <a:xfrm>
-            <a:off x="446534" y="457200"/>
-            <a:ext cx="3703320" cy="94997"/>
-          </a:xfrm>
-          <a:prstGeom prst="rect">
-            <a:avLst/>
-          </a:prstGeom>
-          <a:solidFill>
-            <a:srgbClr val="465359"/>
-          </a:solidFill>
-          <a:ln>
-            <a:noFill/>
-          </a:ln>
-          <a:effectLst/>
-        </p:spPr>
-        <p:style>
-          <a:lnRef idx="1">
-            <a:schemeClr val="accent1"/>
-          </a:lnRef>
-          <a:fillRef idx="3">
-            <a:schemeClr val="accent1"/>
-          </a:fillRef>
-          <a:effectRef idx="2">
-            <a:schemeClr val="accent1"/>
-          </a:effectRef>
-          <a:fontRef idx="minor">
-            <a:schemeClr val="lt1"/>
-          </a:fontRef>
-        </p:style>
-      </p:sp>
-      <p:sp>
-        <p:nvSpPr>
-          <p:cNvPr id="80" name="Rectangle 79">
-            <a:extLst>
-              <a:ext uri="{FF2B5EF4-FFF2-40B4-BE49-F238E27FC236}">
-                <a16:creationId xmlns:a16="http://schemas.microsoft.com/office/drawing/2014/main" id="{092556C3-D615-4E70-B4AD-7791DE6BBDE9}"/>
-              </a:ext>
-              <a:ext uri="{C183D7F6-B498-43B3-948B-1728B52AA6E4}">
-                <adec:decorative xmlns:adec="http://schemas.microsoft.com/office/drawing/2017/decorative" val="1"/>
-              </a:ext>
-            </a:extLst>
-          </p:cNvPr>
-          <p:cNvSpPr>
-            <a:spLocks noGrp="1" noRot="1" noChangeAspect="1" noMove="1" noResize="1" noEditPoints="1" noAdjustHandles="1" noChangeArrowheads="1" noChangeShapeType="1" noTextEdit="1"/>
-          </p:cNvSpPr>
-          <p:nvPr>
-            <p:extLst>
-              <p:ext uri="{386F3935-93C4-4BCD-93E2-E3B085C9AB24}">
-                <p16:designElem xmlns:p16="http://schemas.microsoft.com/office/powerpoint/2015/main" val="1"/>
-              </p:ext>
-            </p:extLst>
-          </p:nvPr>
-        </p:nvSpPr>
-        <p:spPr>
-          <a:xfrm>
-            <a:off x="4241830" y="457200"/>
-            <a:ext cx="3703320" cy="91440"/>
-          </a:xfrm>
-          <a:prstGeom prst="rect">
-            <a:avLst/>
-          </a:prstGeom>
-          <a:solidFill>
-            <a:schemeClr val="accent1"/>
-          </a:solidFill>
-          <a:ln>
-            <a:noFill/>
-          </a:ln>
-          <a:effectLst/>
-        </p:spPr>
-        <p:style>
-          <a:lnRef idx="1">
-            <a:schemeClr val="accent1"/>
-          </a:lnRef>
-          <a:fillRef idx="3">
-            <a:schemeClr val="accent1"/>
-          </a:fillRef>
-          <a:effectRef idx="2">
-            <a:schemeClr val="accent1"/>
-          </a:effectRef>
-          <a:fontRef idx="minor">
-            <a:schemeClr val="lt1"/>
-          </a:fontRef>
-        </p:style>
-      </p:sp>
-      <p:sp>
-        <p:nvSpPr>
-          <p:cNvPr id="1036" name="Rectangle 81">
-            <a:extLst>
-              <a:ext uri="{FF2B5EF4-FFF2-40B4-BE49-F238E27FC236}">
-                <a16:creationId xmlns:a16="http://schemas.microsoft.com/office/drawing/2014/main" id="{5D468424-DF72-426E-8DB3-F91B8857CB3B}"/>
-              </a:ext>
-              <a:ext uri="{C183D7F6-B498-43B3-948B-1728B52AA6E4}">
-                <adec:decorative xmlns:adec="http://schemas.microsoft.com/office/drawing/2017/decorative" val="1"/>
-              </a:ext>
-            </a:extLst>
-          </p:cNvPr>
-          <p:cNvSpPr>
-            <a:spLocks noGrp="1" noRot="1" noChangeAspect="1" noMove="1" noResize="1" noEditPoints="1" noAdjustHandles="1" noChangeArrowheads="1" noChangeShapeType="1" noTextEdit="1"/>
-          </p:cNvSpPr>
-          <p:nvPr>
-            <p:extLst>
-              <p:ext uri="{386F3935-93C4-4BCD-93E2-E3B085C9AB24}">
-                <p16:designElem xmlns:p16="http://schemas.microsoft.com/office/powerpoint/2015/main" val="1"/>
-              </p:ext>
-            </p:extLst>
-          </p:nvPr>
-        </p:nvSpPr>
-        <p:spPr>
-          <a:xfrm>
-            <a:off x="8042147" y="453643"/>
-            <a:ext cx="3703320" cy="98554"/>
-          </a:xfrm>
-          <a:prstGeom prst="rect">
-            <a:avLst/>
-          </a:prstGeom>
-          <a:solidFill>
-            <a:srgbClr val="969FA7"/>
-          </a:solidFill>
-          <a:ln>
-            <a:noFill/>
-          </a:ln>
-          <a:effectLst/>
-        </p:spPr>
-        <p:style>
-          <a:lnRef idx="1">
-            <a:schemeClr val="accent1"/>
-          </a:lnRef>
-          <a:fillRef idx="3">
-            <a:schemeClr val="accent1"/>
-          </a:fillRef>
-          <a:effectRef idx="2">
-            <a:schemeClr val="accent1"/>
-          </a:effectRef>
-          <a:fontRef idx="minor">
-            <a:schemeClr val="lt1"/>
-          </a:fontRef>
-        </p:style>
-      </p:sp>
-      <p:sp>
-        <p:nvSpPr>
-          <p:cNvPr id="7" name="Rectangle 6"/>
-          <p:cNvSpPr/>
-          <p:nvPr/>
-        </p:nvSpPr>
-        <p:spPr>
-          <a:xfrm>
-            <a:off x="444024" y="5976349"/>
-            <a:ext cx="11298932" cy="71437"/>
-          </a:xfrm>
-          <a:prstGeom prst="rect">
-            <a:avLst/>
-          </a:prstGeom>
-          <a:solidFill>
-            <a:schemeClr val="accent3"/>
-          </a:solidFill>
-          <a:ln>
-            <a:noFill/>
-          </a:ln>
-        </p:spPr>
-        <p:style>
-          <a:lnRef idx="2">
-            <a:schemeClr val="accent1">
-              <a:shade val="50000"/>
-            </a:schemeClr>
-          </a:lnRef>
-          <a:fillRef idx="1">
-            <a:schemeClr val="accent1"/>
-          </a:fillRef>
-          <a:effectRef idx="0">
-            <a:schemeClr val="accent1"/>
-          </a:effectRef>
-          <a:fontRef idx="minor">
-            <a:schemeClr val="lt1"/>
-          </a:fontRef>
-        </p:style>
-        <p:txBody>
-          <a:bodyPr rtlCol="0" anchor="ctr"/>
-          <a:lstStyle/>
-          <a:p>
-            <a:pPr algn="ctr"/>
-            <a:endParaRPr lang="en-IN"/>
-          </a:p>
-        </p:txBody>
-      </p:sp>
-      <p:sp>
-        <p:nvSpPr>
-          <p:cNvPr id="10" name="Content Placeholder 2"/>
-          <p:cNvSpPr txBox="1">
-            <a:spLocks/>
-          </p:cNvSpPr>
-          <p:nvPr/>
-        </p:nvSpPr>
-        <p:spPr>
-          <a:xfrm>
-            <a:off x="1752600" y="990600"/>
-            <a:ext cx="8686800" cy="5410200"/>
-          </a:xfrm>
-          <a:prstGeom prst="rect">
-            <a:avLst/>
-          </a:prstGeom>
-        </p:spPr>
-        <p:txBody>
-          <a:bodyPr vert="horz" lIns="91440" tIns="45720" rIns="91440" bIns="45720" rtlCol="0" anchor="t">
-            <a:normAutofit/>
-          </a:bodyPr>
-          <a:lstStyle>
-            <a:lvl1pPr marL="0" indent="0" algn="l" defTabSz="457200" rtl="0" eaLnBrk="1" latinLnBrk="0" hangingPunct="1">
-              <a:lnSpc>
-                <a:spcPct val="100000"/>
-              </a:lnSpc>
-              <a:spcBef>
-                <a:spcPct val="20000"/>
-              </a:spcBef>
-              <a:spcAft>
-                <a:spcPts val="600"/>
-              </a:spcAft>
-              <a:buClr>
-                <a:schemeClr val="accent1"/>
-              </a:buClr>
-              <a:buSzPct val="92000"/>
-              <a:buFont typeface="Wingdings 2" panose="05020102010507070707" pitchFamily="18" charset="2"/>
-              <a:buNone/>
-              <a:defRPr sz="1600" kern="1200" cap="all">
-                <a:solidFill>
-                  <a:schemeClr val="accent1"/>
-                </a:solidFill>
-                <a:latin typeface="+mn-lt"/>
-                <a:ea typeface="+mn-ea"/>
-                <a:cs typeface="+mn-cs"/>
-              </a:defRPr>
-            </a:lvl1pPr>
-            <a:lvl2pPr marL="457200" indent="0" algn="ctr" defTabSz="457200" rtl="0" eaLnBrk="1" latinLnBrk="0" hangingPunct="1">
-              <a:spcBef>
-                <a:spcPct val="20000"/>
-              </a:spcBef>
-              <a:spcAft>
-                <a:spcPts val="600"/>
-              </a:spcAft>
-              <a:buClr>
-                <a:schemeClr val="accent1"/>
-              </a:buClr>
-              <a:buSzPct val="92000"/>
-              <a:buFont typeface="Wingdings 2" panose="05020102010507070707" pitchFamily="18" charset="2"/>
-              <a:buNone/>
-              <a:defRPr sz="1600" kern="1200">
-                <a:solidFill>
-                  <a:schemeClr val="tx1">
-                    <a:tint val="75000"/>
-                  </a:schemeClr>
-                </a:solidFill>
-                <a:latin typeface="+mn-lt"/>
-                <a:ea typeface="+mn-ea"/>
-                <a:cs typeface="+mn-cs"/>
-              </a:defRPr>
-            </a:lvl2pPr>
-            <a:lvl3pPr marL="914400" indent="0" algn="ctr" defTabSz="457200" rtl="0" eaLnBrk="1" latinLnBrk="0" hangingPunct="1">
-              <a:spcBef>
-                <a:spcPct val="20000"/>
-              </a:spcBef>
-              <a:spcAft>
-                <a:spcPts val="600"/>
-              </a:spcAft>
-              <a:buClr>
-                <a:schemeClr val="accent1"/>
-              </a:buClr>
-              <a:buSzPct val="92000"/>
-              <a:buFont typeface="Wingdings 2" panose="05020102010507070707" pitchFamily="18" charset="2"/>
-              <a:buNone/>
-              <a:defRPr sz="1400" kern="1200">
-                <a:solidFill>
-                  <a:schemeClr val="tx1">
-                    <a:tint val="75000"/>
-                  </a:schemeClr>
-                </a:solidFill>
-                <a:latin typeface="+mn-lt"/>
-                <a:ea typeface="+mn-ea"/>
-                <a:cs typeface="+mn-cs"/>
-              </a:defRPr>
-            </a:lvl3pPr>
-            <a:lvl4pPr marL="1371600" indent="0" algn="ctr" defTabSz="457200" rtl="0" eaLnBrk="1" latinLnBrk="0" hangingPunct="1">
-              <a:spcBef>
-                <a:spcPct val="20000"/>
-              </a:spcBef>
-              <a:spcAft>
-                <a:spcPts val="600"/>
-              </a:spcAft>
-              <a:buClr>
-                <a:schemeClr val="accent1"/>
-              </a:buClr>
-              <a:buSzPct val="92000"/>
-              <a:buFont typeface="Wingdings 2" panose="05020102010507070707" pitchFamily="18" charset="2"/>
-              <a:buNone/>
-              <a:defRPr sz="1200" kern="1200">
-                <a:solidFill>
-                  <a:schemeClr val="tx1">
-                    <a:tint val="75000"/>
-                  </a:schemeClr>
-                </a:solidFill>
-                <a:latin typeface="+mn-lt"/>
-                <a:ea typeface="+mn-ea"/>
-                <a:cs typeface="+mn-cs"/>
-              </a:defRPr>
-            </a:lvl4pPr>
-            <a:lvl5pPr marL="1828800" indent="0" algn="ctr" defTabSz="457200" rtl="0" eaLnBrk="1" latinLnBrk="0" hangingPunct="1">
-              <a:spcBef>
-                <a:spcPct val="20000"/>
-              </a:spcBef>
-              <a:spcAft>
-                <a:spcPts val="600"/>
-              </a:spcAft>
-              <a:buClr>
-                <a:schemeClr val="accent1"/>
-              </a:buClr>
-              <a:buSzPct val="92000"/>
-              <a:buFont typeface="Wingdings 2" panose="05020102010507070707" pitchFamily="18" charset="2"/>
-              <a:buNone/>
-              <a:defRPr sz="1200" kern="1200">
-                <a:solidFill>
-                  <a:schemeClr val="tx1">
-                    <a:tint val="75000"/>
-                  </a:schemeClr>
-                </a:solidFill>
-                <a:latin typeface="+mn-lt"/>
-                <a:ea typeface="+mn-ea"/>
-                <a:cs typeface="+mn-cs"/>
-              </a:defRPr>
-            </a:lvl5pPr>
-            <a:lvl6pPr marL="2286000" indent="0" algn="ctr" defTabSz="457200" rtl="0" eaLnBrk="1" latinLnBrk="0" hangingPunct="1">
-              <a:spcBef>
-                <a:spcPct val="20000"/>
-              </a:spcBef>
-              <a:spcAft>
-                <a:spcPts val="600"/>
-              </a:spcAft>
-              <a:buClr>
-                <a:schemeClr val="accent2"/>
-              </a:buClr>
-              <a:buSzPct val="92000"/>
-              <a:buFont typeface="Wingdings 2" panose="05020102010507070707" pitchFamily="18" charset="2"/>
-              <a:buNone/>
-              <a:defRPr sz="1200" kern="1200">
-                <a:solidFill>
-                  <a:schemeClr val="tx1">
-                    <a:tint val="75000"/>
-                  </a:schemeClr>
-                </a:solidFill>
-                <a:latin typeface="+mn-lt"/>
-                <a:ea typeface="+mn-ea"/>
-                <a:cs typeface="+mn-cs"/>
-              </a:defRPr>
-            </a:lvl6pPr>
-            <a:lvl7pPr marL="2743200" indent="0" algn="ctr" defTabSz="457200" rtl="0" eaLnBrk="1" latinLnBrk="0" hangingPunct="1">
-              <a:spcBef>
-                <a:spcPct val="20000"/>
-              </a:spcBef>
-              <a:spcAft>
-                <a:spcPts val="600"/>
-              </a:spcAft>
-              <a:buClr>
-                <a:schemeClr val="accent2"/>
-              </a:buClr>
-              <a:buSzPct val="92000"/>
-              <a:buFont typeface="Wingdings 2" panose="05020102010507070707" pitchFamily="18" charset="2"/>
-              <a:buNone/>
-              <a:defRPr sz="1200" kern="1200">
-                <a:solidFill>
-                  <a:schemeClr val="tx1">
-                    <a:tint val="75000"/>
-                  </a:schemeClr>
-                </a:solidFill>
-                <a:latin typeface="+mn-lt"/>
-                <a:ea typeface="+mn-ea"/>
-                <a:cs typeface="+mn-cs"/>
-              </a:defRPr>
-            </a:lvl7pPr>
-            <a:lvl8pPr marL="3200400" indent="0" algn="ctr" defTabSz="457200" rtl="0" eaLnBrk="1" latinLnBrk="0" hangingPunct="1">
-              <a:spcBef>
-                <a:spcPct val="20000"/>
-              </a:spcBef>
-              <a:spcAft>
-                <a:spcPts val="600"/>
-              </a:spcAft>
-              <a:buClr>
-                <a:schemeClr val="accent2"/>
-              </a:buClr>
-              <a:buSzPct val="92000"/>
-              <a:buFont typeface="Wingdings 2" panose="05020102010507070707" pitchFamily="18" charset="2"/>
-              <a:buNone/>
-              <a:defRPr sz="1200" kern="1200">
-                <a:solidFill>
-                  <a:schemeClr val="tx1">
-                    <a:tint val="75000"/>
-                  </a:schemeClr>
-                </a:solidFill>
-                <a:latin typeface="+mn-lt"/>
-                <a:ea typeface="+mn-ea"/>
-                <a:cs typeface="+mn-cs"/>
-              </a:defRPr>
-            </a:lvl8pPr>
-            <a:lvl9pPr marL="3657600" indent="0" algn="ctr" defTabSz="457200" rtl="0" eaLnBrk="1" latinLnBrk="0" hangingPunct="1">
-              <a:spcBef>
-                <a:spcPct val="20000"/>
-              </a:spcBef>
-              <a:spcAft>
-                <a:spcPts val="600"/>
-              </a:spcAft>
-              <a:buClr>
-                <a:schemeClr val="accent2"/>
-              </a:buClr>
-              <a:buSzPct val="92000"/>
-              <a:buFont typeface="Wingdings 2" panose="05020102010507070707" pitchFamily="18" charset="2"/>
-              <a:buNone/>
-              <a:defRPr sz="1200" kern="1200">
-                <a:solidFill>
-                  <a:schemeClr val="tx1">
-                    <a:tint val="75000"/>
-                  </a:schemeClr>
-                </a:solidFill>
-                <a:latin typeface="+mn-lt"/>
-                <a:ea typeface="+mn-ea"/>
-                <a:cs typeface="+mn-cs"/>
-              </a:defRPr>
-            </a:lvl9pPr>
-          </a:lstStyle>
-          <a:p>
-            <a:pPr algn="ctr"/>
-            <a:r>
-              <a:rPr lang="en-US" sz="3000" b="1" u="sng" dirty="0"/>
-              <a:t>Contents</a:t>
-            </a:r>
-          </a:p>
-          <a:p>
-            <a:endParaRPr lang="en-US" sz="1100" dirty="0"/>
-          </a:p>
-          <a:p>
-            <a:endParaRPr lang="en-US" sz="1000" i="1" dirty="0"/>
-          </a:p>
-          <a:p>
-            <a:pPr defTabSz="342900"/>
-            <a:r>
-              <a:rPr lang="en-US" sz="2400" i="1" dirty="0"/>
-              <a:t>	</a:t>
-            </a:r>
-            <a:r>
-              <a:rPr lang="en-US" sz="2400" b="1" dirty="0"/>
-              <a:t>Topic</a:t>
-            </a:r>
-            <a:r>
-              <a:rPr lang="en-US" sz="2200" b="1" dirty="0"/>
-              <a:t>:</a:t>
-            </a:r>
-          </a:p>
-          <a:p>
-            <a:endParaRPr lang="en-US" sz="2200" dirty="0"/>
-          </a:p>
-          <a:p>
-            <a:r>
-              <a:rPr lang="en-US" sz="2200" dirty="0"/>
-              <a:t>		</a:t>
-            </a:r>
-            <a:r>
-              <a:rPr lang="en-US" sz="2000" dirty="0"/>
-              <a:t>1. </a:t>
-            </a:r>
-            <a:r>
-              <a:rPr lang="en-IN" sz="2000" dirty="0">
-                <a:latin typeface="Times New Roman" panose="02020603050405020304" pitchFamily="18" charset="0"/>
-                <a:ea typeface="Calibri" panose="020F0502020204030204" pitchFamily="34" charset="0"/>
-                <a:cs typeface="Times New Roman" panose="02020603050405020304" pitchFamily="18" charset="0"/>
-              </a:rPr>
-              <a:t>Superposition Theorem</a:t>
-            </a:r>
-            <a:endParaRPr lang="en-US" sz="2000" dirty="0"/>
-          </a:p>
-          <a:p>
-            <a:r>
-              <a:rPr lang="en-US" sz="2000" dirty="0"/>
-              <a:t>		</a:t>
-            </a:r>
-          </a:p>
-        </p:txBody>
-      </p:sp>
-      <p:sp>
-        <p:nvSpPr>
-          <p:cNvPr id="9" name="Footer Placeholder 8">
-            <a:extLst>
-              <a:ext uri="{FF2B5EF4-FFF2-40B4-BE49-F238E27FC236}">
-                <a16:creationId xmlns:a16="http://schemas.microsoft.com/office/drawing/2014/main" id="{5104F09D-CE7B-8CAE-931F-2E00A6DFD910}"/>
-              </a:ext>
-            </a:extLst>
-          </p:cNvPr>
-          <p:cNvSpPr>
-            <a:spLocks noGrp="1"/>
-          </p:cNvSpPr>
-          <p:nvPr>
-            <p:ph type="ftr" sz="quarter" idx="11"/>
-          </p:nvPr>
-        </p:nvSpPr>
-        <p:spPr/>
-        <p:txBody>
-          <a:bodyPr/>
-          <a:lstStyle/>
-          <a:p>
-            <a:r>
-              <a:rPr lang="en-US"/>
-              <a:t>Electrical &amp; Electronics System EE1002</a:t>
-            </a:r>
-          </a:p>
-        </p:txBody>
-      </p:sp>
-      <p:sp>
-        <p:nvSpPr>
-          <p:cNvPr id="11" name="Slide Number Placeholder 10">
-            <a:extLst>
-              <a:ext uri="{FF2B5EF4-FFF2-40B4-BE49-F238E27FC236}">
-                <a16:creationId xmlns:a16="http://schemas.microsoft.com/office/drawing/2014/main" id="{D9C3BC36-B797-3306-B81A-EE108C62ACA2}"/>
-              </a:ext>
-            </a:extLst>
-          </p:cNvPr>
-          <p:cNvSpPr>
-            <a:spLocks noGrp="1"/>
-          </p:cNvSpPr>
-          <p:nvPr>
-            <p:ph type="sldNum" sz="quarter" idx="12"/>
-          </p:nvPr>
-        </p:nvSpPr>
-        <p:spPr/>
-        <p:txBody>
-          <a:bodyPr/>
-          <a:lstStyle/>
-          <a:p>
-            <a:fld id="{3A98EE3D-8CD1-4C3F-BD1C-C98C9596463C}" type="slidenum">
-              <a:rPr lang="en-US" smtClean="0"/>
-              <a:t>6</a:t>
-            </a:fld>
-            <a:endParaRPr lang="en-US"/>
-          </a:p>
-        </p:txBody>
-      </p:sp>
-    </p:spTree>
-    <p:extLst>
-      <p:ext uri="{BB962C8B-B14F-4D97-AF65-F5344CB8AC3E}">
-        <p14:creationId xmlns:p14="http://schemas.microsoft.com/office/powerpoint/2010/main" val="2216764775"/>
-      </p:ext>
-    </p:extLst>
-  </p:cSld>
-  <p:clrMapOvr>
-    <a:masterClrMapping/>
-  </p:clrMapOvr>
-</p:sld>
-</file>
-
-<file path=ppt/slides/slide7.xml><?xml version="1.0" encoding="utf-8"?>
-<p:sld xmlns:a="http://schemas.openxmlformats.org/drawingml/2006/main" xmlns:r="http://schemas.openxmlformats.org/officeDocument/2006/relationships" xmlns:p="http://schemas.openxmlformats.org/presentationml/2006/main">
-  <p:cSld>
-    <p:spTree>
-      <p:nvGrpSpPr>
-        <p:cNvPr id="1" name=""/>
-        <p:cNvGrpSpPr/>
-        <p:nvPr/>
-      </p:nvGrpSpPr>
-      <p:grpSpPr>
-        <a:xfrm>
-          <a:off x="0" y="0"/>
-          <a:ext cx="0" cy="0"/>
-          <a:chOff x="0" y="0"/>
-          <a:chExt cx="0" cy="0"/>
-        </a:xfrm>
-      </p:grpSpPr>
-      <p:sp useBgFill="1">
-        <p:nvSpPr>
-          <p:cNvPr id="76" name="Rectangle 75">
-            <a:extLst>
-              <a:ext uri="{FF2B5EF4-FFF2-40B4-BE49-F238E27FC236}">
-                <a16:creationId xmlns:a16="http://schemas.microsoft.com/office/drawing/2014/main" id="{38733D19-FF76-4DF6-985F-DB050AF87F9E}"/>
-              </a:ext>
-              <a:ext uri="{C183D7F6-B498-43B3-948B-1728B52AA6E4}">
-                <adec:decorative xmlns:adec="http://schemas.microsoft.com/office/drawing/2017/decorative" val="1"/>
-              </a:ext>
-            </a:extLst>
-          </p:cNvPr>
-          <p:cNvSpPr>
-            <a:spLocks noGrp="1" noRot="1" noChangeAspect="1" noMove="1" noResize="1" noEditPoints="1" noAdjustHandles="1" noChangeArrowheads="1" noChangeShapeType="1" noTextEdit="1"/>
-          </p:cNvSpPr>
-          <p:nvPr>
-            <p:extLst>
-              <p:ext uri="{386F3935-93C4-4BCD-93E2-E3B085C9AB24}">
-                <p16:designElem xmlns:p16="http://schemas.microsoft.com/office/powerpoint/2015/main" val="1"/>
-              </p:ext>
-            </p:extLst>
-          </p:nvPr>
-        </p:nvSpPr>
-        <p:spPr>
-          <a:xfrm>
-            <a:off x="0" y="0"/>
-            <a:ext cx="12192000" cy="6858000"/>
-          </a:xfrm>
-          <a:prstGeom prst="rect">
-            <a:avLst/>
-          </a:prstGeom>
-          <a:ln>
-            <a:noFill/>
-          </a:ln>
-        </p:spPr>
-        <p:style>
-          <a:lnRef idx="2">
-            <a:schemeClr val="accent1">
-              <a:shade val="50000"/>
-            </a:schemeClr>
-          </a:lnRef>
-          <a:fillRef idx="1">
-            <a:schemeClr val="accent1"/>
-          </a:fillRef>
-          <a:effectRef idx="0">
-            <a:schemeClr val="accent1"/>
-          </a:effectRef>
-          <a:fontRef idx="minor">
-            <a:schemeClr val="lt1"/>
-          </a:fontRef>
-        </p:style>
-        <p:txBody>
-          <a:bodyPr rtlCol="0" anchor="ctr"/>
-          <a:lstStyle/>
-          <a:p>
-            <a:pPr algn="ctr"/>
-            <a:endParaRPr lang="en-US"/>
-          </a:p>
-        </p:txBody>
-      </p:sp>
-      <p:sp>
-        <p:nvSpPr>
-          <p:cNvPr id="78" name="Rectangle 77">
-            <a:extLst>
-              <a:ext uri="{FF2B5EF4-FFF2-40B4-BE49-F238E27FC236}">
-                <a16:creationId xmlns:a16="http://schemas.microsoft.com/office/drawing/2014/main" id="{B8931767-514A-4E70-9129-DB6B46BFA823}"/>
-              </a:ext>
-              <a:ext uri="{C183D7F6-B498-43B3-948B-1728B52AA6E4}">
-                <adec:decorative xmlns:adec="http://schemas.microsoft.com/office/drawing/2017/decorative" val="1"/>
-              </a:ext>
-            </a:extLst>
-          </p:cNvPr>
-          <p:cNvSpPr>
-            <a:spLocks noGrp="1" noRot="1" noChangeAspect="1" noMove="1" noResize="1" noEditPoints="1" noAdjustHandles="1" noChangeArrowheads="1" noChangeShapeType="1" noTextEdit="1"/>
-          </p:cNvSpPr>
-          <p:nvPr>
-            <p:extLst>
-              <p:ext uri="{386F3935-93C4-4BCD-93E2-E3B085C9AB24}">
-                <p16:designElem xmlns:p16="http://schemas.microsoft.com/office/powerpoint/2015/main" val="1"/>
-              </p:ext>
-            </p:extLst>
-          </p:nvPr>
-        </p:nvSpPr>
-        <p:spPr>
-          <a:xfrm>
-            <a:off x="446534" y="457200"/>
-            <a:ext cx="3703320" cy="94997"/>
-          </a:xfrm>
-          <a:prstGeom prst="rect">
-            <a:avLst/>
-          </a:prstGeom>
-          <a:solidFill>
-            <a:srgbClr val="465359"/>
-          </a:solidFill>
-          <a:ln>
-            <a:noFill/>
-          </a:ln>
-          <a:effectLst/>
-        </p:spPr>
-        <p:style>
-          <a:lnRef idx="1">
-            <a:schemeClr val="accent1"/>
-          </a:lnRef>
-          <a:fillRef idx="3">
-            <a:schemeClr val="accent1"/>
-          </a:fillRef>
-          <a:effectRef idx="2">
-            <a:schemeClr val="accent1"/>
-          </a:effectRef>
-          <a:fontRef idx="minor">
-            <a:schemeClr val="lt1"/>
-          </a:fontRef>
-        </p:style>
-      </p:sp>
-      <p:sp>
-        <p:nvSpPr>
-          <p:cNvPr id="80" name="Rectangle 79">
-            <a:extLst>
-              <a:ext uri="{FF2B5EF4-FFF2-40B4-BE49-F238E27FC236}">
-                <a16:creationId xmlns:a16="http://schemas.microsoft.com/office/drawing/2014/main" id="{092556C3-D615-4E70-B4AD-7791DE6BBDE9}"/>
-              </a:ext>
-              <a:ext uri="{C183D7F6-B498-43B3-948B-1728B52AA6E4}">
-                <adec:decorative xmlns:adec="http://schemas.microsoft.com/office/drawing/2017/decorative" val="1"/>
-              </a:ext>
-            </a:extLst>
-          </p:cNvPr>
-          <p:cNvSpPr>
-            <a:spLocks noGrp="1" noRot="1" noChangeAspect="1" noMove="1" noResize="1" noEditPoints="1" noAdjustHandles="1" noChangeArrowheads="1" noChangeShapeType="1" noTextEdit="1"/>
-          </p:cNvSpPr>
-          <p:nvPr>
-            <p:extLst>
-              <p:ext uri="{386F3935-93C4-4BCD-93E2-E3B085C9AB24}">
-                <p16:designElem xmlns:p16="http://schemas.microsoft.com/office/powerpoint/2015/main" val="1"/>
-              </p:ext>
-            </p:extLst>
-          </p:nvPr>
-        </p:nvSpPr>
-        <p:spPr>
-          <a:xfrm>
-            <a:off x="4241830" y="457200"/>
-            <a:ext cx="3703320" cy="91440"/>
-          </a:xfrm>
-          <a:prstGeom prst="rect">
-            <a:avLst/>
-          </a:prstGeom>
-          <a:solidFill>
-            <a:schemeClr val="accent1"/>
-          </a:solidFill>
-          <a:ln>
-            <a:noFill/>
-          </a:ln>
-          <a:effectLst/>
-        </p:spPr>
-        <p:style>
-          <a:lnRef idx="1">
-            <a:schemeClr val="accent1"/>
-          </a:lnRef>
-          <a:fillRef idx="3">
-            <a:schemeClr val="accent1"/>
-          </a:fillRef>
-          <a:effectRef idx="2">
-            <a:schemeClr val="accent1"/>
-          </a:effectRef>
-          <a:fontRef idx="minor">
-            <a:schemeClr val="lt1"/>
-          </a:fontRef>
-        </p:style>
-      </p:sp>
-      <p:sp>
-        <p:nvSpPr>
-          <p:cNvPr id="1036" name="Rectangle 81">
-            <a:extLst>
-              <a:ext uri="{FF2B5EF4-FFF2-40B4-BE49-F238E27FC236}">
-                <a16:creationId xmlns:a16="http://schemas.microsoft.com/office/drawing/2014/main" id="{5D468424-DF72-426E-8DB3-F91B8857CB3B}"/>
-              </a:ext>
-              <a:ext uri="{C183D7F6-B498-43B3-948B-1728B52AA6E4}">
-                <adec:decorative xmlns:adec="http://schemas.microsoft.com/office/drawing/2017/decorative" val="1"/>
-              </a:ext>
-            </a:extLst>
-          </p:cNvPr>
-          <p:cNvSpPr>
-            <a:spLocks noGrp="1" noRot="1" noChangeAspect="1" noMove="1" noResize="1" noEditPoints="1" noAdjustHandles="1" noChangeArrowheads="1" noChangeShapeType="1" noTextEdit="1"/>
-          </p:cNvSpPr>
-          <p:nvPr>
-            <p:extLst>
-              <p:ext uri="{386F3935-93C4-4BCD-93E2-E3B085C9AB24}">
-                <p16:designElem xmlns:p16="http://schemas.microsoft.com/office/powerpoint/2015/main" val="1"/>
-              </p:ext>
-            </p:extLst>
-          </p:nvPr>
-        </p:nvSpPr>
-        <p:spPr>
-          <a:xfrm>
-            <a:off x="8042147" y="453643"/>
-            <a:ext cx="3703320" cy="98554"/>
-          </a:xfrm>
-          <a:prstGeom prst="rect">
-            <a:avLst/>
-          </a:prstGeom>
-          <a:solidFill>
-            <a:srgbClr val="969FA7"/>
-          </a:solidFill>
-          <a:ln>
-            <a:noFill/>
-          </a:ln>
-          <a:effectLst/>
-        </p:spPr>
-        <p:style>
-          <a:lnRef idx="1">
-            <a:schemeClr val="accent1"/>
-          </a:lnRef>
-          <a:fillRef idx="3">
-            <a:schemeClr val="accent1"/>
-          </a:fillRef>
-          <a:effectRef idx="2">
-            <a:schemeClr val="accent1"/>
-          </a:effectRef>
-          <a:fontRef idx="minor">
-            <a:schemeClr val="lt1"/>
-          </a:fontRef>
-        </p:style>
-      </p:sp>
-      <p:sp>
-        <p:nvSpPr>
-          <p:cNvPr id="7" name="Rectangle 6"/>
-          <p:cNvSpPr/>
-          <p:nvPr/>
-        </p:nvSpPr>
-        <p:spPr>
-          <a:xfrm>
-            <a:off x="446535" y="6572250"/>
-            <a:ext cx="11298932" cy="71437"/>
-          </a:xfrm>
-          <a:prstGeom prst="rect">
-            <a:avLst/>
-          </a:prstGeom>
-          <a:solidFill>
-            <a:schemeClr val="accent3"/>
-          </a:solidFill>
-          <a:ln>
-            <a:noFill/>
-          </a:ln>
-        </p:spPr>
-        <p:style>
-          <a:lnRef idx="2">
-            <a:schemeClr val="accent1">
-              <a:shade val="50000"/>
-            </a:schemeClr>
-          </a:lnRef>
-          <a:fillRef idx="1">
-            <a:schemeClr val="accent1"/>
-          </a:fillRef>
-          <a:effectRef idx="0">
-            <a:schemeClr val="accent1"/>
-          </a:effectRef>
-          <a:fontRef idx="minor">
-            <a:schemeClr val="lt1"/>
-          </a:fontRef>
-        </p:style>
-        <p:txBody>
-          <a:bodyPr rtlCol="0" anchor="ctr"/>
-          <a:lstStyle/>
-          <a:p>
-            <a:pPr algn="ctr"/>
-            <a:endParaRPr lang="en-IN"/>
-          </a:p>
-        </p:txBody>
-      </p:sp>
-      <p:sp>
-        <p:nvSpPr>
-          <p:cNvPr id="10" name="Content Placeholder 2"/>
-          <p:cNvSpPr txBox="1">
-            <a:spLocks/>
-          </p:cNvSpPr>
-          <p:nvPr/>
-        </p:nvSpPr>
-        <p:spPr>
-          <a:xfrm>
-            <a:off x="1750090" y="723900"/>
-            <a:ext cx="8686800" cy="5410200"/>
-          </a:xfrm>
-          <a:prstGeom prst="rect">
-            <a:avLst/>
-          </a:prstGeom>
-        </p:spPr>
-        <p:txBody>
-          <a:bodyPr vert="horz" lIns="91440" tIns="45720" rIns="91440" bIns="45720" rtlCol="0" anchor="t">
-            <a:normAutofit/>
-          </a:bodyPr>
-          <a:lstStyle>
-            <a:lvl1pPr marL="0" indent="0" algn="l" defTabSz="457200" rtl="0" eaLnBrk="1" latinLnBrk="0" hangingPunct="1">
-              <a:lnSpc>
-                <a:spcPct val="100000"/>
-              </a:lnSpc>
-              <a:spcBef>
-                <a:spcPct val="20000"/>
-              </a:spcBef>
-              <a:spcAft>
-                <a:spcPts val="600"/>
-              </a:spcAft>
-              <a:buClr>
-                <a:schemeClr val="accent1"/>
-              </a:buClr>
-              <a:buSzPct val="92000"/>
-              <a:buFont typeface="Wingdings 2" panose="05020102010507070707" pitchFamily="18" charset="2"/>
-              <a:buNone/>
-              <a:defRPr sz="1600" kern="1200" cap="all">
-                <a:solidFill>
-                  <a:schemeClr val="accent1"/>
-                </a:solidFill>
-                <a:latin typeface="+mn-lt"/>
-                <a:ea typeface="+mn-ea"/>
-                <a:cs typeface="+mn-cs"/>
-              </a:defRPr>
-            </a:lvl1pPr>
-            <a:lvl2pPr marL="457200" indent="0" algn="ctr" defTabSz="457200" rtl="0" eaLnBrk="1" latinLnBrk="0" hangingPunct="1">
-              <a:spcBef>
-                <a:spcPct val="20000"/>
-              </a:spcBef>
-              <a:spcAft>
-                <a:spcPts val="600"/>
-              </a:spcAft>
-              <a:buClr>
-                <a:schemeClr val="accent1"/>
-              </a:buClr>
-              <a:buSzPct val="92000"/>
-              <a:buFont typeface="Wingdings 2" panose="05020102010507070707" pitchFamily="18" charset="2"/>
-              <a:buNone/>
-              <a:defRPr sz="1600" kern="1200">
-                <a:solidFill>
-                  <a:schemeClr val="tx1">
-                    <a:tint val="75000"/>
-                  </a:schemeClr>
-                </a:solidFill>
-                <a:latin typeface="+mn-lt"/>
-                <a:ea typeface="+mn-ea"/>
-                <a:cs typeface="+mn-cs"/>
-              </a:defRPr>
-            </a:lvl2pPr>
-            <a:lvl3pPr marL="914400" indent="0" algn="ctr" defTabSz="457200" rtl="0" eaLnBrk="1" latinLnBrk="0" hangingPunct="1">
-              <a:spcBef>
-                <a:spcPct val="20000"/>
-              </a:spcBef>
-              <a:spcAft>
-                <a:spcPts val="600"/>
-              </a:spcAft>
-              <a:buClr>
-                <a:schemeClr val="accent1"/>
-              </a:buClr>
-              <a:buSzPct val="92000"/>
-              <a:buFont typeface="Wingdings 2" panose="05020102010507070707" pitchFamily="18" charset="2"/>
-              <a:buNone/>
-              <a:defRPr sz="1400" kern="1200">
-                <a:solidFill>
-                  <a:schemeClr val="tx1">
-                    <a:tint val="75000"/>
-                  </a:schemeClr>
-                </a:solidFill>
-                <a:latin typeface="+mn-lt"/>
-                <a:ea typeface="+mn-ea"/>
-                <a:cs typeface="+mn-cs"/>
-              </a:defRPr>
-            </a:lvl3pPr>
-            <a:lvl4pPr marL="1371600" indent="0" algn="ctr" defTabSz="457200" rtl="0" eaLnBrk="1" latinLnBrk="0" hangingPunct="1">
-              <a:spcBef>
-                <a:spcPct val="20000"/>
-              </a:spcBef>
-              <a:spcAft>
-                <a:spcPts val="600"/>
-              </a:spcAft>
-              <a:buClr>
-                <a:schemeClr val="accent1"/>
-              </a:buClr>
-              <a:buSzPct val="92000"/>
-              <a:buFont typeface="Wingdings 2" panose="05020102010507070707" pitchFamily="18" charset="2"/>
-              <a:buNone/>
-              <a:defRPr sz="1200" kern="1200">
-                <a:solidFill>
-                  <a:schemeClr val="tx1">
-                    <a:tint val="75000"/>
-                  </a:schemeClr>
-                </a:solidFill>
-                <a:latin typeface="+mn-lt"/>
-                <a:ea typeface="+mn-ea"/>
-                <a:cs typeface="+mn-cs"/>
-              </a:defRPr>
-            </a:lvl4pPr>
-            <a:lvl5pPr marL="1828800" indent="0" algn="ctr" defTabSz="457200" rtl="0" eaLnBrk="1" latinLnBrk="0" hangingPunct="1">
-              <a:spcBef>
-                <a:spcPct val="20000"/>
-              </a:spcBef>
-              <a:spcAft>
-                <a:spcPts val="600"/>
-              </a:spcAft>
-              <a:buClr>
-                <a:schemeClr val="accent1"/>
-              </a:buClr>
-              <a:buSzPct val="92000"/>
-              <a:buFont typeface="Wingdings 2" panose="05020102010507070707" pitchFamily="18" charset="2"/>
-              <a:buNone/>
-              <a:defRPr sz="1200" kern="1200">
-                <a:solidFill>
-                  <a:schemeClr val="tx1">
-                    <a:tint val="75000"/>
-                  </a:schemeClr>
-                </a:solidFill>
-                <a:latin typeface="+mn-lt"/>
-                <a:ea typeface="+mn-ea"/>
-                <a:cs typeface="+mn-cs"/>
-              </a:defRPr>
-            </a:lvl5pPr>
-            <a:lvl6pPr marL="2286000" indent="0" algn="ctr" defTabSz="457200" rtl="0" eaLnBrk="1" latinLnBrk="0" hangingPunct="1">
-              <a:spcBef>
-                <a:spcPct val="20000"/>
-              </a:spcBef>
-              <a:spcAft>
-                <a:spcPts val="600"/>
-              </a:spcAft>
-              <a:buClr>
-                <a:schemeClr val="accent2"/>
-              </a:buClr>
-              <a:buSzPct val="92000"/>
-              <a:buFont typeface="Wingdings 2" panose="05020102010507070707" pitchFamily="18" charset="2"/>
-              <a:buNone/>
-              <a:defRPr sz="1200" kern="1200">
-                <a:solidFill>
-                  <a:schemeClr val="tx1">
-                    <a:tint val="75000"/>
-                  </a:schemeClr>
-                </a:solidFill>
-                <a:latin typeface="+mn-lt"/>
-                <a:ea typeface="+mn-ea"/>
-                <a:cs typeface="+mn-cs"/>
-              </a:defRPr>
-            </a:lvl6pPr>
-            <a:lvl7pPr marL="2743200" indent="0" algn="ctr" defTabSz="457200" rtl="0" eaLnBrk="1" latinLnBrk="0" hangingPunct="1">
-              <a:spcBef>
-                <a:spcPct val="20000"/>
-              </a:spcBef>
-              <a:spcAft>
-                <a:spcPts val="600"/>
-              </a:spcAft>
-              <a:buClr>
-                <a:schemeClr val="accent2"/>
-              </a:buClr>
-              <a:buSzPct val="92000"/>
-              <a:buFont typeface="Wingdings 2" panose="05020102010507070707" pitchFamily="18" charset="2"/>
-              <a:buNone/>
-              <a:defRPr sz="1200" kern="1200">
-                <a:solidFill>
-                  <a:schemeClr val="tx1">
-                    <a:tint val="75000"/>
-                  </a:schemeClr>
-                </a:solidFill>
-                <a:latin typeface="+mn-lt"/>
-                <a:ea typeface="+mn-ea"/>
-                <a:cs typeface="+mn-cs"/>
-              </a:defRPr>
-            </a:lvl7pPr>
-            <a:lvl8pPr marL="3200400" indent="0" algn="ctr" defTabSz="457200" rtl="0" eaLnBrk="1" latinLnBrk="0" hangingPunct="1">
-              <a:spcBef>
-                <a:spcPct val="20000"/>
-              </a:spcBef>
-              <a:spcAft>
-                <a:spcPts val="600"/>
-              </a:spcAft>
-              <a:buClr>
-                <a:schemeClr val="accent2"/>
-              </a:buClr>
-              <a:buSzPct val="92000"/>
-              <a:buFont typeface="Wingdings 2" panose="05020102010507070707" pitchFamily="18" charset="2"/>
-              <a:buNone/>
-              <a:defRPr sz="1200" kern="1200">
-                <a:solidFill>
-                  <a:schemeClr val="tx1">
-                    <a:tint val="75000"/>
-                  </a:schemeClr>
-                </a:solidFill>
-                <a:latin typeface="+mn-lt"/>
-                <a:ea typeface="+mn-ea"/>
-                <a:cs typeface="+mn-cs"/>
-              </a:defRPr>
-            </a:lvl8pPr>
-            <a:lvl9pPr marL="3657600" indent="0" algn="ctr" defTabSz="457200" rtl="0" eaLnBrk="1" latinLnBrk="0" hangingPunct="1">
-              <a:spcBef>
-                <a:spcPct val="20000"/>
-              </a:spcBef>
-              <a:spcAft>
-                <a:spcPts val="600"/>
-              </a:spcAft>
-              <a:buClr>
-                <a:schemeClr val="accent2"/>
-              </a:buClr>
-              <a:buSzPct val="92000"/>
-              <a:buFont typeface="Wingdings 2" panose="05020102010507070707" pitchFamily="18" charset="2"/>
-              <a:buNone/>
-              <a:defRPr sz="1200" kern="1200">
-                <a:solidFill>
-                  <a:schemeClr val="tx1">
-                    <a:tint val="75000"/>
-                  </a:schemeClr>
-                </a:solidFill>
-                <a:latin typeface="+mn-lt"/>
-                <a:ea typeface="+mn-ea"/>
-                <a:cs typeface="+mn-cs"/>
-              </a:defRPr>
-            </a:lvl9pPr>
-          </a:lstStyle>
-          <a:p>
-            <a:pPr algn="ctr"/>
-            <a:r>
-              <a:rPr lang="en-IN" sz="3200" u="sng" dirty="0">
-                <a:latin typeface="Times New Roman" panose="02020603050405020304" pitchFamily="18" charset="0"/>
-                <a:ea typeface="Calibri" panose="020F0502020204030204" pitchFamily="34" charset="0"/>
-                <a:cs typeface="Times New Roman" panose="02020603050405020304" pitchFamily="18" charset="0"/>
-              </a:rPr>
-              <a:t>DC Network Theorems</a:t>
-            </a:r>
-            <a:endParaRPr lang="en-US" sz="1000" i="1" u="sng" dirty="0"/>
-          </a:p>
-          <a:p>
-            <a:pPr defTabSz="342900"/>
-            <a:endParaRPr lang="en-US" sz="2000" dirty="0"/>
-          </a:p>
-        </p:txBody>
-      </p:sp>
-      <p:sp>
-        <p:nvSpPr>
-          <p:cNvPr id="9" name="Footer Placeholder 8">
-            <a:extLst>
-              <a:ext uri="{FF2B5EF4-FFF2-40B4-BE49-F238E27FC236}">
-                <a16:creationId xmlns:a16="http://schemas.microsoft.com/office/drawing/2014/main" id="{03B6280D-9E9C-4B24-0D52-50288439A32E}"/>
-              </a:ext>
-            </a:extLst>
-          </p:cNvPr>
-          <p:cNvSpPr>
-            <a:spLocks noGrp="1"/>
-          </p:cNvSpPr>
-          <p:nvPr>
-            <p:ph type="ftr" sz="quarter" idx="11"/>
-          </p:nvPr>
-        </p:nvSpPr>
-        <p:spPr/>
-        <p:txBody>
-          <a:bodyPr/>
-          <a:lstStyle/>
-          <a:p>
-            <a:r>
-              <a:rPr lang="en-US"/>
-              <a:t>Electrical &amp; Electronics System EE1002</a:t>
-            </a:r>
-          </a:p>
-        </p:txBody>
-      </p:sp>
-      <p:sp>
-        <p:nvSpPr>
-          <p:cNvPr id="11" name="Slide Number Placeholder 10">
-            <a:extLst>
-              <a:ext uri="{FF2B5EF4-FFF2-40B4-BE49-F238E27FC236}">
-                <a16:creationId xmlns:a16="http://schemas.microsoft.com/office/drawing/2014/main" id="{3012B307-4052-AB1F-E405-FF42AE9F3DEA}"/>
-              </a:ext>
-            </a:extLst>
-          </p:cNvPr>
-          <p:cNvSpPr>
-            <a:spLocks noGrp="1"/>
-          </p:cNvSpPr>
-          <p:nvPr>
-            <p:ph type="sldNum" sz="quarter" idx="12"/>
-          </p:nvPr>
-        </p:nvSpPr>
-        <p:spPr/>
-        <p:txBody>
-          <a:bodyPr/>
-          <a:lstStyle/>
-          <a:p>
-            <a:fld id="{3A98EE3D-8CD1-4C3F-BD1C-C98C9596463C}" type="slidenum">
-              <a:rPr lang="en-US" smtClean="0"/>
-              <a:t>7</a:t>
-            </a:fld>
-            <a:endParaRPr lang="en-US"/>
-          </a:p>
-        </p:txBody>
-      </p:sp>
-      <p:sp>
-        <p:nvSpPr>
-          <p:cNvPr id="2" name="Rectangle 1">
-            <a:extLst>
-              <a:ext uri="{FF2B5EF4-FFF2-40B4-BE49-F238E27FC236}">
-                <a16:creationId xmlns:a16="http://schemas.microsoft.com/office/drawing/2014/main" id="{7D3150B7-CDC6-5302-67C7-0D6A2312E8C6}"/>
-              </a:ext>
-            </a:extLst>
-          </p:cNvPr>
-          <p:cNvSpPr/>
-          <p:nvPr/>
-        </p:nvSpPr>
-        <p:spPr>
-          <a:xfrm>
-            <a:off x="1078904" y="1412156"/>
-            <a:ext cx="10029172" cy="4893647"/>
-          </a:xfrm>
-          <a:prstGeom prst="rect">
-            <a:avLst/>
-          </a:prstGeom>
-        </p:spPr>
-        <p:txBody>
-          <a:bodyPr wrap="square">
-            <a:spAutoFit/>
-          </a:bodyPr>
-          <a:lstStyle/>
-          <a:p>
-            <a:pPr marL="285750" indent="-285750" algn="just">
-              <a:buFont typeface="Arial" panose="020B0604020202020204" pitchFamily="34" charset="0"/>
-              <a:buChar char="•"/>
-            </a:pPr>
-            <a:r>
-              <a:rPr lang="en-IN" sz="2400" b="0" i="0" dirty="0">
-                <a:solidFill>
-                  <a:srgbClr val="202122"/>
-                </a:solidFill>
-                <a:effectLst/>
-                <a:latin typeface="Times New Roman" panose="02020603050405020304" pitchFamily="18" charset="0"/>
-                <a:cs typeface="Times New Roman" panose="02020603050405020304" pitchFamily="18" charset="0"/>
-              </a:rPr>
-              <a:t>An </a:t>
-            </a:r>
-            <a:r>
-              <a:rPr lang="en-IN" sz="2400" b="1" i="0" dirty="0">
-                <a:solidFill>
-                  <a:srgbClr val="202122"/>
-                </a:solidFill>
-                <a:effectLst/>
-                <a:latin typeface="Times New Roman" panose="02020603050405020304" pitchFamily="18" charset="0"/>
-                <a:cs typeface="Times New Roman" panose="02020603050405020304" pitchFamily="18" charset="0"/>
-              </a:rPr>
-              <a:t>electrical Circuit</a:t>
-            </a:r>
-            <a:r>
-              <a:rPr lang="en-IN" sz="2400" b="0" i="0" dirty="0">
-                <a:solidFill>
-                  <a:srgbClr val="202122"/>
-                </a:solidFill>
-                <a:effectLst/>
-                <a:latin typeface="Times New Roman" panose="02020603050405020304" pitchFamily="18" charset="0"/>
-                <a:cs typeface="Times New Roman" panose="02020603050405020304" pitchFamily="18" charset="0"/>
-              </a:rPr>
-              <a:t> is an interconnection of </a:t>
-            </a:r>
-            <a:r>
-              <a:rPr lang="en-IN" sz="2400" dirty="0">
-                <a:solidFill>
-                  <a:srgbClr val="202122"/>
-                </a:solidFill>
-                <a:latin typeface="Times New Roman" panose="02020603050405020304" pitchFamily="18" charset="0"/>
-                <a:cs typeface="Times New Roman" panose="02020603050405020304" pitchFamily="18" charset="0"/>
-                <a:hlinkClick r:id="rId2" tooltip="Electronic component"/>
-              </a:rPr>
-              <a:t>electrical components</a:t>
-            </a:r>
-            <a:r>
-              <a:rPr lang="en-IN" sz="2400" dirty="0">
-                <a:solidFill>
-                  <a:srgbClr val="202122"/>
-                </a:solidFill>
-                <a:latin typeface="Times New Roman" panose="02020603050405020304" pitchFamily="18" charset="0"/>
-                <a:cs typeface="Times New Roman" panose="02020603050405020304" pitchFamily="18" charset="0"/>
-              </a:rPr>
-              <a:t> (e.g., </a:t>
-            </a:r>
-            <a:r>
-              <a:rPr lang="en-IN" sz="2400" dirty="0">
-                <a:solidFill>
-                  <a:srgbClr val="202122"/>
-                </a:solidFill>
-                <a:latin typeface="Times New Roman" panose="02020603050405020304" pitchFamily="18" charset="0"/>
-                <a:cs typeface="Times New Roman" panose="02020603050405020304" pitchFamily="18" charset="0"/>
-                <a:hlinkClick r:id="rId3" tooltip="Battery (electricity)"/>
-              </a:rPr>
-              <a:t>batteries</a:t>
-            </a:r>
-            <a:r>
-              <a:rPr lang="en-IN" sz="2400" dirty="0">
-                <a:solidFill>
-                  <a:srgbClr val="202122"/>
-                </a:solidFill>
-                <a:latin typeface="Times New Roman" panose="02020603050405020304" pitchFamily="18" charset="0"/>
-                <a:cs typeface="Times New Roman" panose="02020603050405020304" pitchFamily="18" charset="0"/>
-              </a:rPr>
-              <a:t>, </a:t>
-            </a:r>
-            <a:r>
-              <a:rPr lang="en-IN" sz="2400" dirty="0">
-                <a:solidFill>
-                  <a:srgbClr val="202122"/>
-                </a:solidFill>
-                <a:latin typeface="Times New Roman" panose="02020603050405020304" pitchFamily="18" charset="0"/>
-                <a:cs typeface="Times New Roman" panose="02020603050405020304" pitchFamily="18" charset="0"/>
-                <a:hlinkClick r:id="rId4" tooltip="Resistor"/>
-              </a:rPr>
-              <a:t>resistors</a:t>
-            </a:r>
-            <a:r>
-              <a:rPr lang="en-IN" sz="2400" dirty="0">
-                <a:solidFill>
-                  <a:srgbClr val="202122"/>
-                </a:solidFill>
-                <a:latin typeface="Times New Roman" panose="02020603050405020304" pitchFamily="18" charset="0"/>
-                <a:cs typeface="Times New Roman" panose="02020603050405020304" pitchFamily="18" charset="0"/>
-              </a:rPr>
-              <a:t>, </a:t>
-            </a:r>
-            <a:r>
-              <a:rPr lang="en-IN" sz="2400" dirty="0">
-                <a:solidFill>
-                  <a:srgbClr val="202122"/>
-                </a:solidFill>
-                <a:latin typeface="Times New Roman" panose="02020603050405020304" pitchFamily="18" charset="0"/>
-                <a:cs typeface="Times New Roman" panose="02020603050405020304" pitchFamily="18" charset="0"/>
-                <a:hlinkClick r:id="rId5" tooltip="Inductor"/>
-              </a:rPr>
-              <a:t>inductors</a:t>
-            </a:r>
-            <a:r>
-              <a:rPr lang="en-IN" sz="2400" dirty="0">
-                <a:solidFill>
-                  <a:srgbClr val="202122"/>
-                </a:solidFill>
-                <a:latin typeface="Times New Roman" panose="02020603050405020304" pitchFamily="18" charset="0"/>
-                <a:cs typeface="Times New Roman" panose="02020603050405020304" pitchFamily="18" charset="0"/>
-              </a:rPr>
-              <a:t>, </a:t>
-            </a:r>
-            <a:r>
-              <a:rPr lang="en-IN" sz="2400" dirty="0">
-                <a:solidFill>
-                  <a:srgbClr val="202122"/>
-                </a:solidFill>
-                <a:latin typeface="Times New Roman" panose="02020603050405020304" pitchFamily="18" charset="0"/>
-                <a:cs typeface="Times New Roman" panose="02020603050405020304" pitchFamily="18" charset="0"/>
-                <a:hlinkClick r:id="rId6" tooltip="Capacitor"/>
-              </a:rPr>
-              <a:t>capacitors</a:t>
-            </a:r>
-            <a:r>
-              <a:rPr lang="en-IN" sz="2400" dirty="0">
-                <a:solidFill>
-                  <a:srgbClr val="202122"/>
-                </a:solidFill>
-                <a:latin typeface="Times New Roman" panose="02020603050405020304" pitchFamily="18" charset="0"/>
-                <a:cs typeface="Times New Roman" panose="02020603050405020304" pitchFamily="18" charset="0"/>
-              </a:rPr>
-              <a:t>, </a:t>
-            </a:r>
-            <a:r>
-              <a:rPr lang="en-IN" sz="2400" dirty="0">
-                <a:solidFill>
-                  <a:srgbClr val="202122"/>
-                </a:solidFill>
-                <a:latin typeface="Times New Roman" panose="02020603050405020304" pitchFamily="18" charset="0"/>
-                <a:cs typeface="Times New Roman" panose="02020603050405020304" pitchFamily="18" charset="0"/>
-                <a:hlinkClick r:id="rId7" tooltip="Switch"/>
-              </a:rPr>
-              <a:t>switches</a:t>
-            </a:r>
-            <a:r>
-              <a:rPr lang="en-IN" sz="2400" dirty="0">
-                <a:solidFill>
-                  <a:srgbClr val="202122"/>
-                </a:solidFill>
-                <a:latin typeface="Times New Roman" panose="02020603050405020304" pitchFamily="18" charset="0"/>
-                <a:cs typeface="Times New Roman" panose="02020603050405020304" pitchFamily="18" charset="0"/>
-              </a:rPr>
-              <a:t>, </a:t>
-            </a:r>
-            <a:r>
-              <a:rPr lang="en-IN" sz="2400" dirty="0">
-                <a:solidFill>
-                  <a:srgbClr val="202122"/>
-                </a:solidFill>
-                <a:latin typeface="Times New Roman" panose="02020603050405020304" pitchFamily="18" charset="0"/>
-                <a:cs typeface="Times New Roman" panose="02020603050405020304" pitchFamily="18" charset="0"/>
-                <a:hlinkClick r:id="rId8" tooltip="Transistor"/>
-              </a:rPr>
-              <a:t>transistors</a:t>
-            </a:r>
-            <a:r>
-              <a:rPr lang="en-IN" sz="2400" dirty="0">
-                <a:solidFill>
-                  <a:srgbClr val="202122"/>
-                </a:solidFill>
-                <a:latin typeface="Times New Roman" panose="02020603050405020304" pitchFamily="18" charset="0"/>
-                <a:cs typeface="Times New Roman" panose="02020603050405020304" pitchFamily="18" charset="0"/>
-              </a:rPr>
-              <a:t> and </a:t>
-            </a:r>
-            <a:r>
-              <a:rPr lang="en-IN" sz="2400" dirty="0">
-                <a:solidFill>
-                  <a:srgbClr val="202122"/>
-                </a:solidFill>
-                <a:latin typeface="Times New Roman" panose="02020603050405020304" pitchFamily="18" charset="0"/>
-                <a:cs typeface="Times New Roman" panose="02020603050405020304" pitchFamily="18" charset="0"/>
-                <a:hlinkClick r:id="rId9" tooltip="Voltage source"/>
-              </a:rPr>
-              <a:t>voltage sources</a:t>
-            </a:r>
-            <a:r>
-              <a:rPr lang="en-IN" sz="2400" dirty="0">
-                <a:solidFill>
-                  <a:srgbClr val="202122"/>
-                </a:solidFill>
-                <a:latin typeface="Times New Roman" panose="02020603050405020304" pitchFamily="18" charset="0"/>
-                <a:cs typeface="Times New Roman" panose="02020603050405020304" pitchFamily="18" charset="0"/>
-              </a:rPr>
-              <a:t> &amp; </a:t>
-            </a:r>
-            <a:r>
-              <a:rPr lang="en-IN" sz="2400" dirty="0">
-                <a:solidFill>
-                  <a:srgbClr val="202122"/>
-                </a:solidFill>
-                <a:latin typeface="Times New Roman" panose="02020603050405020304" pitchFamily="18" charset="0"/>
-                <a:cs typeface="Times New Roman" panose="02020603050405020304" pitchFamily="18" charset="0"/>
-                <a:hlinkClick r:id="rId10" tooltip="Current source"/>
-              </a:rPr>
-              <a:t>current sources</a:t>
-            </a:r>
-            <a:r>
-              <a:rPr lang="en-IN" sz="2400" dirty="0">
-                <a:solidFill>
-                  <a:srgbClr val="202122"/>
-                </a:solidFill>
-                <a:latin typeface="Times New Roman" panose="02020603050405020304" pitchFamily="18" charset="0"/>
-                <a:cs typeface="Times New Roman" panose="02020603050405020304" pitchFamily="18" charset="0"/>
-              </a:rPr>
-              <a:t>).</a:t>
-            </a:r>
-          </a:p>
-          <a:p>
-            <a:pPr marL="285750" indent="-285750" algn="just">
-              <a:buFont typeface="Arial" panose="020B0604020202020204" pitchFamily="34" charset="0"/>
-              <a:buChar char="•"/>
-            </a:pPr>
-            <a:r>
-              <a:rPr lang="en-IN" sz="2400" b="0" i="0" dirty="0">
-                <a:solidFill>
-                  <a:srgbClr val="202122"/>
-                </a:solidFill>
-                <a:effectLst/>
-                <a:latin typeface="Times New Roman" panose="02020603050405020304" pitchFamily="18" charset="0"/>
-                <a:cs typeface="Times New Roman" panose="02020603050405020304" pitchFamily="18" charset="0"/>
-              </a:rPr>
-              <a:t>An </a:t>
-            </a:r>
-            <a:r>
-              <a:rPr lang="en-IN" sz="2400" dirty="0">
-                <a:solidFill>
-                  <a:srgbClr val="202122"/>
-                </a:solidFill>
-                <a:latin typeface="Times New Roman" panose="02020603050405020304" pitchFamily="18" charset="0"/>
-                <a:cs typeface="Times New Roman" panose="02020603050405020304" pitchFamily="18" charset="0"/>
-              </a:rPr>
-              <a:t>electrical circuit is </a:t>
-            </a:r>
-            <a:r>
-              <a:rPr lang="en-IN" sz="2400" b="0" i="0" dirty="0">
-                <a:solidFill>
-                  <a:srgbClr val="202122"/>
-                </a:solidFill>
-                <a:effectLst/>
-                <a:latin typeface="Times New Roman" panose="02020603050405020304" pitchFamily="18" charset="0"/>
-                <a:cs typeface="Times New Roman" panose="02020603050405020304" pitchFamily="18" charset="0"/>
-              </a:rPr>
-              <a:t>a network consisting of a closed loop, giving a return path for the current.</a:t>
-            </a:r>
-            <a:endParaRPr lang="en-IN" sz="2400" dirty="0">
-              <a:latin typeface="Times New Roman" panose="02020603050405020304" pitchFamily="18" charset="0"/>
-              <a:cs typeface="Times New Roman" panose="02020603050405020304" pitchFamily="18" charset="0"/>
-            </a:endParaRPr>
-          </a:p>
-          <a:p>
-            <a:pPr marL="285750" indent="-285750" algn="just">
-              <a:buFont typeface="Arial" panose="020B0604020202020204" pitchFamily="34" charset="0"/>
-              <a:buChar char="•"/>
-            </a:pPr>
-            <a:r>
-              <a:rPr lang="en-IN" sz="2400" dirty="0">
-                <a:solidFill>
-                  <a:srgbClr val="202122"/>
-                </a:solidFill>
-                <a:latin typeface="Times New Roman" panose="02020603050405020304" pitchFamily="18" charset="0"/>
-                <a:cs typeface="Times New Roman" panose="02020603050405020304" pitchFamily="18" charset="0"/>
-              </a:rPr>
-              <a:t>Using different theorems, response of the different sources (voltage &amp; current) on the particular load of the circuit can be calculated.</a:t>
-            </a:r>
-          </a:p>
-          <a:p>
-            <a:pPr marL="285750" indent="-285750" algn="just">
-              <a:buFont typeface="Arial" panose="020B0604020202020204" pitchFamily="34" charset="0"/>
-              <a:buChar char="•"/>
-            </a:pPr>
-            <a:endParaRPr lang="en-IN" sz="2400" dirty="0">
-              <a:solidFill>
-                <a:srgbClr val="202122"/>
-              </a:solidFill>
-              <a:latin typeface="Times New Roman" panose="02020603050405020304" pitchFamily="18" charset="0"/>
-              <a:cs typeface="Times New Roman" panose="02020603050405020304" pitchFamily="18" charset="0"/>
-            </a:endParaRPr>
-          </a:p>
-          <a:p>
-            <a:pPr marL="285750" indent="-285750" algn="just">
-              <a:buFont typeface="Arial" panose="020B0604020202020204" pitchFamily="34" charset="0"/>
-              <a:buChar char="•"/>
-            </a:pPr>
-            <a:r>
-              <a:rPr lang="en-IN" sz="2400" dirty="0">
-                <a:solidFill>
-                  <a:srgbClr val="202122"/>
-                </a:solidFill>
-                <a:latin typeface="Times New Roman" panose="02020603050405020304" pitchFamily="18" charset="0"/>
-                <a:cs typeface="Times New Roman" panose="02020603050405020304" pitchFamily="18" charset="0"/>
-              </a:rPr>
-              <a:t>These theorems are as given below,</a:t>
-            </a:r>
-          </a:p>
-          <a:p>
-            <a:pPr algn="just"/>
-            <a:endParaRPr lang="en-IN" sz="2400" dirty="0">
-              <a:solidFill>
-                <a:srgbClr val="202122"/>
-              </a:solidFill>
-              <a:latin typeface="Times New Roman" panose="02020603050405020304" pitchFamily="18" charset="0"/>
-              <a:cs typeface="Times New Roman" panose="02020603050405020304" pitchFamily="18" charset="0"/>
-            </a:endParaRPr>
-          </a:p>
-          <a:p>
-            <a:pPr marL="342900" indent="-342900" algn="just">
-              <a:buFont typeface="+mj-lt"/>
-              <a:buAutoNum type="arabicPeriod"/>
-            </a:pPr>
-            <a:r>
-              <a:rPr lang="en-IN" sz="2400" dirty="0">
-                <a:solidFill>
-                  <a:srgbClr val="202122"/>
-                </a:solidFill>
-                <a:latin typeface="Times New Roman" panose="02020603050405020304" pitchFamily="18" charset="0"/>
-                <a:cs typeface="Times New Roman" panose="02020603050405020304" pitchFamily="18" charset="0"/>
-              </a:rPr>
-              <a:t>Superposition Theorem</a:t>
-            </a:r>
-          </a:p>
-          <a:p>
-            <a:pPr marL="342900" indent="-342900" algn="just">
-              <a:buFont typeface="+mj-lt"/>
-              <a:buAutoNum type="arabicPeriod"/>
-            </a:pPr>
-            <a:r>
-              <a:rPr lang="en-IN" sz="2400" dirty="0">
-                <a:solidFill>
-                  <a:srgbClr val="202122"/>
-                </a:solidFill>
-                <a:latin typeface="Times New Roman" panose="02020603050405020304" pitchFamily="18" charset="0"/>
-                <a:cs typeface="Times New Roman" panose="02020603050405020304" pitchFamily="18" charset="0"/>
-              </a:rPr>
-              <a:t>Thevenin Theorem</a:t>
-            </a:r>
-          </a:p>
-          <a:p>
-            <a:pPr marL="342900" indent="-342900" algn="just">
-              <a:buFont typeface="+mj-lt"/>
-              <a:buAutoNum type="arabicPeriod"/>
-            </a:pPr>
-            <a:r>
-              <a:rPr lang="en-IN" sz="2400" dirty="0">
-                <a:solidFill>
-                  <a:srgbClr val="202122"/>
-                </a:solidFill>
-                <a:latin typeface="Times New Roman" panose="02020603050405020304" pitchFamily="18" charset="0"/>
-                <a:cs typeface="Times New Roman" panose="02020603050405020304" pitchFamily="18" charset="0"/>
-              </a:rPr>
-              <a:t>Maximum Power Transfer Theorem</a:t>
-            </a:r>
-          </a:p>
-        </p:txBody>
-      </p:sp>
-    </p:spTree>
-    <p:extLst>
-      <p:ext uri="{BB962C8B-B14F-4D97-AF65-F5344CB8AC3E}">
-        <p14:creationId xmlns:p14="http://schemas.microsoft.com/office/powerpoint/2010/main" val="1696552848"/>
-      </p:ext>
-    </p:extLst>
-  </p:cSld>
-  <p:clrMapOvr>
-    <a:masterClrMapping/>
-  </p:clrMapOvr>
-</p:sld>
-</file>
-
-<file path=ppt/slides/slide8.xml><?xml version="1.0" encoding="utf-8"?>
-<p:sld xmlns:a="http://schemas.openxmlformats.org/drawingml/2006/main" xmlns:r="http://schemas.openxmlformats.org/officeDocument/2006/relationships" xmlns:p="http://schemas.openxmlformats.org/presentationml/2006/main">
-  <p:cSld>
-    <p:spTree>
-      <p:nvGrpSpPr>
-        <p:cNvPr id="1" name=""/>
-        <p:cNvGrpSpPr/>
-        <p:nvPr/>
-      </p:nvGrpSpPr>
-      <p:grpSpPr>
-        <a:xfrm>
-          <a:off x="0" y="0"/>
-          <a:ext cx="0" cy="0"/>
-          <a:chOff x="0" y="0"/>
-          <a:chExt cx="0" cy="0"/>
-        </a:xfrm>
-      </p:grpSpPr>
-      <p:sp useBgFill="1">
-        <p:nvSpPr>
-          <p:cNvPr id="76" name="Rectangle 75">
-            <a:extLst>
-              <a:ext uri="{FF2B5EF4-FFF2-40B4-BE49-F238E27FC236}">
-                <a16:creationId xmlns:a16="http://schemas.microsoft.com/office/drawing/2014/main" id="{38733D19-FF76-4DF6-985F-DB050AF87F9E}"/>
-              </a:ext>
-              <a:ext uri="{C183D7F6-B498-43B3-948B-1728B52AA6E4}">
-                <adec:decorative xmlns:adec="http://schemas.microsoft.com/office/drawing/2017/decorative" val="1"/>
-              </a:ext>
-            </a:extLst>
-          </p:cNvPr>
-          <p:cNvSpPr>
-            <a:spLocks noGrp="1" noRot="1" noChangeAspect="1" noMove="1" noResize="1" noEditPoints="1" noAdjustHandles="1" noChangeArrowheads="1" noChangeShapeType="1" noTextEdit="1"/>
-          </p:cNvSpPr>
-          <p:nvPr>
-            <p:extLst>
-              <p:ext uri="{386F3935-93C4-4BCD-93E2-E3B085C9AB24}">
-                <p16:designElem xmlns:p16="http://schemas.microsoft.com/office/powerpoint/2015/main" val="1"/>
-              </p:ext>
-            </p:extLst>
-          </p:nvPr>
-        </p:nvSpPr>
-        <p:spPr>
-          <a:xfrm>
-            <a:off x="0" y="0"/>
-            <a:ext cx="12192000" cy="6858000"/>
-          </a:xfrm>
-          <a:prstGeom prst="rect">
-            <a:avLst/>
-          </a:prstGeom>
-          <a:ln>
-            <a:noFill/>
-          </a:ln>
-        </p:spPr>
-        <p:style>
-          <a:lnRef idx="2">
-            <a:schemeClr val="accent1">
-              <a:shade val="50000"/>
-            </a:schemeClr>
-          </a:lnRef>
-          <a:fillRef idx="1">
-            <a:schemeClr val="accent1"/>
-          </a:fillRef>
-          <a:effectRef idx="0">
-            <a:schemeClr val="accent1"/>
-          </a:effectRef>
-          <a:fontRef idx="minor">
-            <a:schemeClr val="lt1"/>
-          </a:fontRef>
-        </p:style>
-        <p:txBody>
-          <a:bodyPr rtlCol="0" anchor="ctr"/>
-          <a:lstStyle/>
-          <a:p>
-            <a:pPr algn="ctr"/>
-            <a:endParaRPr lang="en-US"/>
-          </a:p>
-        </p:txBody>
-      </p:sp>
-      <p:sp>
-        <p:nvSpPr>
-          <p:cNvPr id="78" name="Rectangle 77">
-            <a:extLst>
-              <a:ext uri="{FF2B5EF4-FFF2-40B4-BE49-F238E27FC236}">
-                <a16:creationId xmlns:a16="http://schemas.microsoft.com/office/drawing/2014/main" id="{B8931767-514A-4E70-9129-DB6B46BFA823}"/>
-              </a:ext>
-              <a:ext uri="{C183D7F6-B498-43B3-948B-1728B52AA6E4}">
-                <adec:decorative xmlns:adec="http://schemas.microsoft.com/office/drawing/2017/decorative" val="1"/>
-              </a:ext>
-            </a:extLst>
-          </p:cNvPr>
-          <p:cNvSpPr>
-            <a:spLocks noGrp="1" noRot="1" noChangeAspect="1" noMove="1" noResize="1" noEditPoints="1" noAdjustHandles="1" noChangeArrowheads="1" noChangeShapeType="1" noTextEdit="1"/>
-          </p:cNvSpPr>
-          <p:nvPr>
-            <p:extLst>
-              <p:ext uri="{386F3935-93C4-4BCD-93E2-E3B085C9AB24}">
-                <p16:designElem xmlns:p16="http://schemas.microsoft.com/office/powerpoint/2015/main" val="1"/>
-              </p:ext>
-            </p:extLst>
-          </p:nvPr>
-        </p:nvSpPr>
-        <p:spPr>
-          <a:xfrm>
-            <a:off x="446534" y="457200"/>
-            <a:ext cx="3703320" cy="94997"/>
-          </a:xfrm>
-          <a:prstGeom prst="rect">
-            <a:avLst/>
-          </a:prstGeom>
-          <a:solidFill>
-            <a:srgbClr val="465359"/>
-          </a:solidFill>
-          <a:ln>
-            <a:noFill/>
-          </a:ln>
-          <a:effectLst/>
-        </p:spPr>
-        <p:style>
-          <a:lnRef idx="1">
-            <a:schemeClr val="accent1"/>
-          </a:lnRef>
-          <a:fillRef idx="3">
-            <a:schemeClr val="accent1"/>
-          </a:fillRef>
-          <a:effectRef idx="2">
-            <a:schemeClr val="accent1"/>
-          </a:effectRef>
-          <a:fontRef idx="minor">
-            <a:schemeClr val="lt1"/>
-          </a:fontRef>
-        </p:style>
-      </p:sp>
-      <p:sp>
-        <p:nvSpPr>
-          <p:cNvPr id="80" name="Rectangle 79">
-            <a:extLst>
-              <a:ext uri="{FF2B5EF4-FFF2-40B4-BE49-F238E27FC236}">
-                <a16:creationId xmlns:a16="http://schemas.microsoft.com/office/drawing/2014/main" id="{092556C3-D615-4E70-B4AD-7791DE6BBDE9}"/>
-              </a:ext>
-              <a:ext uri="{C183D7F6-B498-43B3-948B-1728B52AA6E4}">
-                <adec:decorative xmlns:adec="http://schemas.microsoft.com/office/drawing/2017/decorative" val="1"/>
-              </a:ext>
-            </a:extLst>
-          </p:cNvPr>
-          <p:cNvSpPr>
-            <a:spLocks noGrp="1" noRot="1" noChangeAspect="1" noMove="1" noResize="1" noEditPoints="1" noAdjustHandles="1" noChangeArrowheads="1" noChangeShapeType="1" noTextEdit="1"/>
-          </p:cNvSpPr>
-          <p:nvPr>
-            <p:extLst>
-              <p:ext uri="{386F3935-93C4-4BCD-93E2-E3B085C9AB24}">
-                <p16:designElem xmlns:p16="http://schemas.microsoft.com/office/powerpoint/2015/main" val="1"/>
-              </p:ext>
-            </p:extLst>
-          </p:nvPr>
-        </p:nvSpPr>
-        <p:spPr>
-          <a:xfrm>
-            <a:off x="4241830" y="457200"/>
-            <a:ext cx="3703320" cy="91440"/>
-          </a:xfrm>
-          <a:prstGeom prst="rect">
-            <a:avLst/>
-          </a:prstGeom>
-          <a:solidFill>
-            <a:schemeClr val="accent1"/>
-          </a:solidFill>
-          <a:ln>
-            <a:noFill/>
-          </a:ln>
-          <a:effectLst/>
-        </p:spPr>
-        <p:style>
-          <a:lnRef idx="1">
-            <a:schemeClr val="accent1"/>
-          </a:lnRef>
-          <a:fillRef idx="3">
-            <a:schemeClr val="accent1"/>
-          </a:fillRef>
-          <a:effectRef idx="2">
-            <a:schemeClr val="accent1"/>
-          </a:effectRef>
-          <a:fontRef idx="minor">
-            <a:schemeClr val="lt1"/>
-          </a:fontRef>
-        </p:style>
-      </p:sp>
-      <p:sp>
-        <p:nvSpPr>
-          <p:cNvPr id="1036" name="Rectangle 81">
-            <a:extLst>
-              <a:ext uri="{FF2B5EF4-FFF2-40B4-BE49-F238E27FC236}">
-                <a16:creationId xmlns:a16="http://schemas.microsoft.com/office/drawing/2014/main" id="{5D468424-DF72-426E-8DB3-F91B8857CB3B}"/>
-              </a:ext>
-              <a:ext uri="{C183D7F6-B498-43B3-948B-1728B52AA6E4}">
-                <adec:decorative xmlns:adec="http://schemas.microsoft.com/office/drawing/2017/decorative" val="1"/>
-              </a:ext>
-            </a:extLst>
-          </p:cNvPr>
-          <p:cNvSpPr>
-            <a:spLocks noGrp="1" noRot="1" noChangeAspect="1" noMove="1" noResize="1" noEditPoints="1" noAdjustHandles="1" noChangeArrowheads="1" noChangeShapeType="1" noTextEdit="1"/>
-          </p:cNvSpPr>
-          <p:nvPr>
-            <p:extLst>
-              <p:ext uri="{386F3935-93C4-4BCD-93E2-E3B085C9AB24}">
-                <p16:designElem xmlns:p16="http://schemas.microsoft.com/office/powerpoint/2015/main" val="1"/>
-              </p:ext>
-            </p:extLst>
-          </p:nvPr>
-        </p:nvSpPr>
-        <p:spPr>
-          <a:xfrm>
-            <a:off x="8042147" y="453643"/>
-            <a:ext cx="3703320" cy="98554"/>
-          </a:xfrm>
-          <a:prstGeom prst="rect">
-            <a:avLst/>
-          </a:prstGeom>
-          <a:solidFill>
-            <a:srgbClr val="969FA7"/>
-          </a:solidFill>
-          <a:ln>
-            <a:noFill/>
-          </a:ln>
-          <a:effectLst/>
-        </p:spPr>
-        <p:style>
-          <a:lnRef idx="1">
-            <a:schemeClr val="accent1"/>
-          </a:lnRef>
-          <a:fillRef idx="3">
-            <a:schemeClr val="accent1"/>
-          </a:fillRef>
-          <a:effectRef idx="2">
-            <a:schemeClr val="accent1"/>
-          </a:effectRef>
-          <a:fontRef idx="minor">
-            <a:schemeClr val="lt1"/>
-          </a:fontRef>
-        </p:style>
-      </p:sp>
-      <p:sp>
-        <p:nvSpPr>
-          <p:cNvPr id="7" name="Rectangle 6"/>
-          <p:cNvSpPr/>
-          <p:nvPr/>
-        </p:nvSpPr>
-        <p:spPr>
-          <a:xfrm>
-            <a:off x="446535" y="6572250"/>
-            <a:ext cx="11298932" cy="71437"/>
-          </a:xfrm>
-          <a:prstGeom prst="rect">
-            <a:avLst/>
-          </a:prstGeom>
-          <a:solidFill>
-            <a:schemeClr val="accent3"/>
-          </a:solidFill>
-          <a:ln>
-            <a:noFill/>
-          </a:ln>
-        </p:spPr>
-        <p:style>
-          <a:lnRef idx="2">
-            <a:schemeClr val="accent1">
-              <a:shade val="50000"/>
-            </a:schemeClr>
-          </a:lnRef>
-          <a:fillRef idx="1">
-            <a:schemeClr val="accent1"/>
-          </a:fillRef>
-          <a:effectRef idx="0">
-            <a:schemeClr val="accent1"/>
-          </a:effectRef>
-          <a:fontRef idx="minor">
-            <a:schemeClr val="lt1"/>
-          </a:fontRef>
-        </p:style>
-        <p:txBody>
-          <a:bodyPr rtlCol="0" anchor="ctr"/>
-          <a:lstStyle/>
-          <a:p>
-            <a:pPr algn="ctr"/>
-            <a:endParaRPr lang="en-IN"/>
-          </a:p>
-        </p:txBody>
-      </p:sp>
-      <p:sp>
-        <p:nvSpPr>
-          <p:cNvPr id="10" name="Content Placeholder 2"/>
-          <p:cNvSpPr txBox="1">
-            <a:spLocks/>
-          </p:cNvSpPr>
-          <p:nvPr/>
-        </p:nvSpPr>
-        <p:spPr>
-          <a:xfrm>
-            <a:off x="1750090" y="723900"/>
-            <a:ext cx="8686800" cy="5410200"/>
-          </a:xfrm>
-          <a:prstGeom prst="rect">
-            <a:avLst/>
-          </a:prstGeom>
-        </p:spPr>
-        <p:txBody>
-          <a:bodyPr vert="horz" lIns="91440" tIns="45720" rIns="91440" bIns="45720" rtlCol="0" anchor="t">
-            <a:normAutofit/>
-          </a:bodyPr>
-          <a:lstStyle>
-            <a:lvl1pPr marL="0" indent="0" algn="l" defTabSz="457200" rtl="0" eaLnBrk="1" latinLnBrk="0" hangingPunct="1">
-              <a:lnSpc>
-                <a:spcPct val="100000"/>
-              </a:lnSpc>
-              <a:spcBef>
-                <a:spcPct val="20000"/>
-              </a:spcBef>
-              <a:spcAft>
-                <a:spcPts val="600"/>
-              </a:spcAft>
-              <a:buClr>
-                <a:schemeClr val="accent1"/>
-              </a:buClr>
-              <a:buSzPct val="92000"/>
-              <a:buFont typeface="Wingdings 2" panose="05020102010507070707" pitchFamily="18" charset="2"/>
-              <a:buNone/>
-              <a:defRPr sz="1600" kern="1200" cap="all">
-                <a:solidFill>
-                  <a:schemeClr val="accent1"/>
-                </a:solidFill>
-                <a:latin typeface="+mn-lt"/>
-                <a:ea typeface="+mn-ea"/>
-                <a:cs typeface="+mn-cs"/>
-              </a:defRPr>
-            </a:lvl1pPr>
-            <a:lvl2pPr marL="457200" indent="0" algn="ctr" defTabSz="457200" rtl="0" eaLnBrk="1" latinLnBrk="0" hangingPunct="1">
-              <a:spcBef>
-                <a:spcPct val="20000"/>
-              </a:spcBef>
-              <a:spcAft>
-                <a:spcPts val="600"/>
-              </a:spcAft>
-              <a:buClr>
-                <a:schemeClr val="accent1"/>
-              </a:buClr>
-              <a:buSzPct val="92000"/>
-              <a:buFont typeface="Wingdings 2" panose="05020102010507070707" pitchFamily="18" charset="2"/>
-              <a:buNone/>
-              <a:defRPr sz="1600" kern="1200">
-                <a:solidFill>
-                  <a:schemeClr val="tx1">
-                    <a:tint val="75000"/>
-                  </a:schemeClr>
-                </a:solidFill>
-                <a:latin typeface="+mn-lt"/>
-                <a:ea typeface="+mn-ea"/>
-                <a:cs typeface="+mn-cs"/>
-              </a:defRPr>
-            </a:lvl2pPr>
-            <a:lvl3pPr marL="914400" indent="0" algn="ctr" defTabSz="457200" rtl="0" eaLnBrk="1" latinLnBrk="0" hangingPunct="1">
-              <a:spcBef>
-                <a:spcPct val="20000"/>
-              </a:spcBef>
-              <a:spcAft>
-                <a:spcPts val="600"/>
-              </a:spcAft>
-              <a:buClr>
-                <a:schemeClr val="accent1"/>
-              </a:buClr>
-              <a:buSzPct val="92000"/>
-              <a:buFont typeface="Wingdings 2" panose="05020102010507070707" pitchFamily="18" charset="2"/>
-              <a:buNone/>
-              <a:defRPr sz="1400" kern="1200">
-                <a:solidFill>
-                  <a:schemeClr val="tx1">
-                    <a:tint val="75000"/>
-                  </a:schemeClr>
-                </a:solidFill>
-                <a:latin typeface="+mn-lt"/>
-                <a:ea typeface="+mn-ea"/>
-                <a:cs typeface="+mn-cs"/>
-              </a:defRPr>
-            </a:lvl3pPr>
-            <a:lvl4pPr marL="1371600" indent="0" algn="ctr" defTabSz="457200" rtl="0" eaLnBrk="1" latinLnBrk="0" hangingPunct="1">
-              <a:spcBef>
-                <a:spcPct val="20000"/>
-              </a:spcBef>
-              <a:spcAft>
-                <a:spcPts val="600"/>
-              </a:spcAft>
-              <a:buClr>
-                <a:schemeClr val="accent1"/>
-              </a:buClr>
-              <a:buSzPct val="92000"/>
-              <a:buFont typeface="Wingdings 2" panose="05020102010507070707" pitchFamily="18" charset="2"/>
-              <a:buNone/>
-              <a:defRPr sz="1200" kern="1200">
-                <a:solidFill>
-                  <a:schemeClr val="tx1">
-                    <a:tint val="75000"/>
-                  </a:schemeClr>
-                </a:solidFill>
-                <a:latin typeface="+mn-lt"/>
-                <a:ea typeface="+mn-ea"/>
-                <a:cs typeface="+mn-cs"/>
-              </a:defRPr>
-            </a:lvl4pPr>
-            <a:lvl5pPr marL="1828800" indent="0" algn="ctr" defTabSz="457200" rtl="0" eaLnBrk="1" latinLnBrk="0" hangingPunct="1">
-              <a:spcBef>
-                <a:spcPct val="20000"/>
-              </a:spcBef>
-              <a:spcAft>
-                <a:spcPts val="600"/>
-              </a:spcAft>
-              <a:buClr>
-                <a:schemeClr val="accent1"/>
-              </a:buClr>
-              <a:buSzPct val="92000"/>
-              <a:buFont typeface="Wingdings 2" panose="05020102010507070707" pitchFamily="18" charset="2"/>
-              <a:buNone/>
-              <a:defRPr sz="1200" kern="1200">
-                <a:solidFill>
-                  <a:schemeClr val="tx1">
-                    <a:tint val="75000"/>
-                  </a:schemeClr>
-                </a:solidFill>
-                <a:latin typeface="+mn-lt"/>
-                <a:ea typeface="+mn-ea"/>
-                <a:cs typeface="+mn-cs"/>
-              </a:defRPr>
-            </a:lvl5pPr>
-            <a:lvl6pPr marL="2286000" indent="0" algn="ctr" defTabSz="457200" rtl="0" eaLnBrk="1" latinLnBrk="0" hangingPunct="1">
-              <a:spcBef>
-                <a:spcPct val="20000"/>
-              </a:spcBef>
-              <a:spcAft>
-                <a:spcPts val="600"/>
-              </a:spcAft>
-              <a:buClr>
-                <a:schemeClr val="accent2"/>
-              </a:buClr>
-              <a:buSzPct val="92000"/>
-              <a:buFont typeface="Wingdings 2" panose="05020102010507070707" pitchFamily="18" charset="2"/>
-              <a:buNone/>
-              <a:defRPr sz="1200" kern="1200">
-                <a:solidFill>
-                  <a:schemeClr val="tx1">
-                    <a:tint val="75000"/>
-                  </a:schemeClr>
-                </a:solidFill>
-                <a:latin typeface="+mn-lt"/>
-                <a:ea typeface="+mn-ea"/>
-                <a:cs typeface="+mn-cs"/>
-              </a:defRPr>
-            </a:lvl6pPr>
-            <a:lvl7pPr marL="2743200" indent="0" algn="ctr" defTabSz="457200" rtl="0" eaLnBrk="1" latinLnBrk="0" hangingPunct="1">
-              <a:spcBef>
-                <a:spcPct val="20000"/>
-              </a:spcBef>
-              <a:spcAft>
-                <a:spcPts val="600"/>
-              </a:spcAft>
-              <a:buClr>
-                <a:schemeClr val="accent2"/>
-              </a:buClr>
-              <a:buSzPct val="92000"/>
-              <a:buFont typeface="Wingdings 2" panose="05020102010507070707" pitchFamily="18" charset="2"/>
-              <a:buNone/>
-              <a:defRPr sz="1200" kern="1200">
-                <a:solidFill>
-                  <a:schemeClr val="tx1">
-                    <a:tint val="75000"/>
-                  </a:schemeClr>
-                </a:solidFill>
-                <a:latin typeface="+mn-lt"/>
-                <a:ea typeface="+mn-ea"/>
-                <a:cs typeface="+mn-cs"/>
-              </a:defRPr>
-            </a:lvl7pPr>
-            <a:lvl8pPr marL="3200400" indent="0" algn="ctr" defTabSz="457200" rtl="0" eaLnBrk="1" latinLnBrk="0" hangingPunct="1">
-              <a:spcBef>
-                <a:spcPct val="20000"/>
-              </a:spcBef>
-              <a:spcAft>
-                <a:spcPts val="600"/>
-              </a:spcAft>
-              <a:buClr>
-                <a:schemeClr val="accent2"/>
-              </a:buClr>
-              <a:buSzPct val="92000"/>
-              <a:buFont typeface="Wingdings 2" panose="05020102010507070707" pitchFamily="18" charset="2"/>
-              <a:buNone/>
-              <a:defRPr sz="1200" kern="1200">
-                <a:solidFill>
-                  <a:schemeClr val="tx1">
-                    <a:tint val="75000"/>
-                  </a:schemeClr>
-                </a:solidFill>
-                <a:latin typeface="+mn-lt"/>
-                <a:ea typeface="+mn-ea"/>
-                <a:cs typeface="+mn-cs"/>
-              </a:defRPr>
-            </a:lvl8pPr>
-            <a:lvl9pPr marL="3657600" indent="0" algn="ctr" defTabSz="457200" rtl="0" eaLnBrk="1" latinLnBrk="0" hangingPunct="1">
-              <a:spcBef>
-                <a:spcPct val="20000"/>
-              </a:spcBef>
-              <a:spcAft>
-                <a:spcPts val="600"/>
-              </a:spcAft>
-              <a:buClr>
-                <a:schemeClr val="accent2"/>
-              </a:buClr>
-              <a:buSzPct val="92000"/>
-              <a:buFont typeface="Wingdings 2" panose="05020102010507070707" pitchFamily="18" charset="2"/>
-              <a:buNone/>
-              <a:defRPr sz="1200" kern="1200">
-                <a:solidFill>
-                  <a:schemeClr val="tx1">
-                    <a:tint val="75000"/>
-                  </a:schemeClr>
-                </a:solidFill>
-                <a:latin typeface="+mn-lt"/>
-                <a:ea typeface="+mn-ea"/>
-                <a:cs typeface="+mn-cs"/>
-              </a:defRPr>
-            </a:lvl9pPr>
-          </a:lstStyle>
-          <a:p>
-            <a:pPr algn="ctr"/>
-            <a:r>
-              <a:rPr lang="en-IN" sz="3200" u="sng" dirty="0">
-                <a:latin typeface="Times New Roman" panose="02020603050405020304" pitchFamily="18" charset="0"/>
-                <a:ea typeface="Calibri" panose="020F0502020204030204" pitchFamily="34" charset="0"/>
-                <a:cs typeface="Times New Roman" panose="02020603050405020304" pitchFamily="18" charset="0"/>
-              </a:rPr>
-              <a:t>Superposition Theorem</a:t>
-            </a:r>
-            <a:endParaRPr lang="en-US" sz="1100" u="sng" dirty="0"/>
-          </a:p>
-          <a:p>
-            <a:endParaRPr lang="en-US" sz="1000" i="1" dirty="0"/>
-          </a:p>
-          <a:p>
-            <a:pPr defTabSz="342900"/>
-            <a:endParaRPr lang="en-US" sz="2000" dirty="0"/>
-          </a:p>
-        </p:txBody>
-      </p:sp>
-      <p:sp>
-        <p:nvSpPr>
-          <p:cNvPr id="9" name="Footer Placeholder 8">
-            <a:extLst>
-              <a:ext uri="{FF2B5EF4-FFF2-40B4-BE49-F238E27FC236}">
-                <a16:creationId xmlns:a16="http://schemas.microsoft.com/office/drawing/2014/main" id="{03B6280D-9E9C-4B24-0D52-50288439A32E}"/>
-              </a:ext>
-            </a:extLst>
-          </p:cNvPr>
-          <p:cNvSpPr>
-            <a:spLocks noGrp="1"/>
-          </p:cNvSpPr>
-          <p:nvPr>
-            <p:ph type="ftr" sz="quarter" idx="11"/>
-          </p:nvPr>
-        </p:nvSpPr>
-        <p:spPr/>
-        <p:txBody>
-          <a:bodyPr/>
-          <a:lstStyle/>
-          <a:p>
-            <a:r>
-              <a:rPr lang="en-US"/>
-              <a:t>Electrical &amp; Electronics System EE1002</a:t>
-            </a:r>
-          </a:p>
-        </p:txBody>
-      </p:sp>
-      <p:sp>
-        <p:nvSpPr>
-          <p:cNvPr id="11" name="Slide Number Placeholder 10">
-            <a:extLst>
-              <a:ext uri="{FF2B5EF4-FFF2-40B4-BE49-F238E27FC236}">
-                <a16:creationId xmlns:a16="http://schemas.microsoft.com/office/drawing/2014/main" id="{3012B307-4052-AB1F-E405-FF42AE9F3DEA}"/>
-              </a:ext>
-            </a:extLst>
-          </p:cNvPr>
-          <p:cNvSpPr>
-            <a:spLocks noGrp="1"/>
-          </p:cNvSpPr>
-          <p:nvPr>
-            <p:ph type="sldNum" sz="quarter" idx="12"/>
-          </p:nvPr>
-        </p:nvSpPr>
-        <p:spPr/>
-        <p:txBody>
-          <a:bodyPr/>
-          <a:lstStyle/>
-          <a:p>
-            <a:fld id="{3A98EE3D-8CD1-4C3F-BD1C-C98C9596463C}" type="slidenum">
-              <a:rPr lang="en-US" smtClean="0"/>
-              <a:t>8</a:t>
-            </a:fld>
-            <a:endParaRPr lang="en-US"/>
-          </a:p>
-        </p:txBody>
-      </p:sp>
-      <p:sp>
-        <p:nvSpPr>
-          <p:cNvPr id="3" name="Rectangle 2">
-            <a:extLst>
-              <a:ext uri="{FF2B5EF4-FFF2-40B4-BE49-F238E27FC236}">
-                <a16:creationId xmlns:a16="http://schemas.microsoft.com/office/drawing/2014/main" id="{19A2F149-D4AD-9939-9A12-9CB5BDA87AF8}"/>
-              </a:ext>
-            </a:extLst>
-          </p:cNvPr>
-          <p:cNvSpPr/>
-          <p:nvPr/>
-        </p:nvSpPr>
-        <p:spPr>
-          <a:xfrm>
-            <a:off x="716071" y="1272540"/>
-            <a:ext cx="10759858" cy="1323439"/>
-          </a:xfrm>
-          <a:prstGeom prst="rect">
-            <a:avLst/>
-          </a:prstGeom>
-        </p:spPr>
-        <p:txBody>
-          <a:bodyPr wrap="square">
-            <a:spAutoFit/>
-          </a:bodyPr>
-          <a:lstStyle/>
-          <a:p>
-            <a:pPr algn="just"/>
-            <a:r>
-              <a:rPr lang="en-IN" sz="2000" u="sng" dirty="0">
-                <a:solidFill>
-                  <a:srgbClr val="202122"/>
-                </a:solidFill>
-                <a:latin typeface="Times New Roman" panose="02020603050405020304" pitchFamily="18" charset="0"/>
-                <a:cs typeface="Times New Roman" panose="02020603050405020304" pitchFamily="18" charset="0"/>
-              </a:rPr>
-              <a:t>Statement</a:t>
-            </a:r>
-            <a:r>
-              <a:rPr lang="en-IN" sz="2000" dirty="0">
-                <a:solidFill>
-                  <a:srgbClr val="202122"/>
-                </a:solidFill>
-                <a:latin typeface="Times New Roman" panose="02020603050405020304" pitchFamily="18" charset="0"/>
-                <a:cs typeface="Times New Roman" panose="02020603050405020304" pitchFamily="18" charset="0"/>
-              </a:rPr>
-              <a:t>:-  In a linear network with several independent sources, the response in a particular branch when all the sources are acting simultaneously is equal to the linear sum of individual responses calculated by taking one independent source at a time. Superposition theorem is used only in linear networks. </a:t>
-            </a:r>
-          </a:p>
-        </p:txBody>
-      </p:sp>
-      <p:pic>
-        <p:nvPicPr>
-          <p:cNvPr id="4" name="Picture 2" descr="Super Position Theorem">
-            <a:extLst>
-              <a:ext uri="{FF2B5EF4-FFF2-40B4-BE49-F238E27FC236}">
-                <a16:creationId xmlns:a16="http://schemas.microsoft.com/office/drawing/2014/main" id="{1DFAB120-1549-47DA-66B4-0596AE7D8156}"/>
-              </a:ext>
-            </a:extLst>
-          </p:cNvPr>
-          <p:cNvPicPr>
-            <a:picLocks noChangeAspect="1" noChangeArrowheads="1"/>
-          </p:cNvPicPr>
-          <p:nvPr/>
-        </p:nvPicPr>
-        <p:blipFill>
-          <a:blip r:embed="rId2">
-            <a:extLst>
-              <a:ext uri="{28A0092B-C50C-407E-A947-70E740481C1C}">
-                <a14:useLocalDpi xmlns:a14="http://schemas.microsoft.com/office/drawing/2010/main" val="0"/>
-              </a:ext>
-            </a:extLst>
-          </a:blip>
-          <a:srcRect/>
-          <a:stretch>
-            <a:fillRect/>
-          </a:stretch>
-        </p:blipFill>
-        <p:spPr bwMode="auto">
-          <a:xfrm>
-            <a:off x="2438886" y="2950915"/>
-            <a:ext cx="4543705" cy="3354888"/>
-          </a:xfrm>
-          <a:prstGeom prst="rect">
-            <a:avLst/>
-          </a:prstGeom>
-          <a:noFill/>
-          <a:extLst>
-            <a:ext uri="{909E8E84-426E-40DD-AFC4-6F175D3DCCD1}">
-              <a14:hiddenFill xmlns:a14="http://schemas.microsoft.com/office/drawing/2010/main">
-                <a:solidFill>
-                  <a:srgbClr val="FFFFFF"/>
-                </a:solidFill>
-              </a14:hiddenFill>
-            </a:ext>
-          </a:extLst>
-        </p:spPr>
-      </p:pic>
-      <p:sp>
-        <p:nvSpPr>
-          <p:cNvPr id="5" name="Rectangle 4">
-            <a:extLst>
-              <a:ext uri="{FF2B5EF4-FFF2-40B4-BE49-F238E27FC236}">
-                <a16:creationId xmlns:a16="http://schemas.microsoft.com/office/drawing/2014/main" id="{F76B408B-E128-C5CE-7395-CDAE918FE2B5}"/>
-              </a:ext>
-            </a:extLst>
-          </p:cNvPr>
-          <p:cNvSpPr/>
-          <p:nvPr/>
-        </p:nvSpPr>
-        <p:spPr>
-          <a:xfrm>
-            <a:off x="7095341" y="4309934"/>
-            <a:ext cx="4767844" cy="400110"/>
-          </a:xfrm>
-          <a:prstGeom prst="rect">
-            <a:avLst/>
-          </a:prstGeom>
-        </p:spPr>
-        <p:txBody>
-          <a:bodyPr wrap="none">
-            <a:spAutoFit/>
-          </a:bodyPr>
-          <a:lstStyle/>
-          <a:p>
-            <a:r>
-              <a:rPr lang="en-IN" sz="2000" dirty="0">
-                <a:solidFill>
-                  <a:prstClr val="black"/>
-                </a:solidFill>
-                <a:latin typeface="Times New Roman" panose="02020603050405020304" pitchFamily="18" charset="0"/>
-                <a:cs typeface="Times New Roman" panose="02020603050405020304" pitchFamily="18" charset="0"/>
-              </a:rPr>
-              <a:t>Fig.1 Explanation of Superposition Theorem</a:t>
-            </a:r>
-          </a:p>
-        </p:txBody>
-      </p:sp>
-      <p:sp>
-        <p:nvSpPr>
-          <p:cNvPr id="6" name="TextBox 5">
-            <a:extLst>
-              <a:ext uri="{FF2B5EF4-FFF2-40B4-BE49-F238E27FC236}">
-                <a16:creationId xmlns:a16="http://schemas.microsoft.com/office/drawing/2014/main" id="{8B41FFB8-4990-A78A-4AC6-4810F1C0D008}"/>
-              </a:ext>
-            </a:extLst>
-          </p:cNvPr>
-          <p:cNvSpPr txBox="1"/>
-          <p:nvPr/>
-        </p:nvSpPr>
-        <p:spPr>
-          <a:xfrm>
-            <a:off x="716071" y="2571664"/>
-            <a:ext cx="10471760" cy="400110"/>
-          </a:xfrm>
-          <a:prstGeom prst="rect">
-            <a:avLst/>
-          </a:prstGeom>
-          <a:noFill/>
-        </p:spPr>
-        <p:txBody>
-          <a:bodyPr wrap="square" rtlCol="0">
-            <a:spAutoFit/>
-          </a:bodyPr>
-          <a:lstStyle/>
-          <a:p>
-            <a:r>
-              <a:rPr lang="en-IN" sz="2000" b="1" dirty="0">
-                <a:solidFill>
-                  <a:srgbClr val="FF0000"/>
-                </a:solidFill>
-                <a:latin typeface="Times New Roman" panose="02020603050405020304" pitchFamily="18" charset="0"/>
-                <a:cs typeface="Times New Roman" panose="02020603050405020304" pitchFamily="18" charset="0"/>
-              </a:rPr>
-              <a:t>Problem-1</a:t>
-            </a:r>
-            <a:r>
-              <a:rPr lang="en-IN" sz="2000" dirty="0">
-                <a:solidFill>
-                  <a:srgbClr val="FF0000"/>
-                </a:solidFill>
-                <a:latin typeface="Times New Roman" panose="02020603050405020304" pitchFamily="18" charset="0"/>
-                <a:cs typeface="Times New Roman" panose="02020603050405020304" pitchFamily="18" charset="0"/>
-              </a:rPr>
-              <a:t>-: Find the voltage drop across the 2 ohm (R2)  resistor using superposition theorem. </a:t>
-            </a:r>
-          </a:p>
-        </p:txBody>
-      </p:sp>
-    </p:spTree>
-    <p:extLst>
-      <p:ext uri="{BB962C8B-B14F-4D97-AF65-F5344CB8AC3E}">
-        <p14:creationId xmlns:p14="http://schemas.microsoft.com/office/powerpoint/2010/main" val="3276181006"/>
-      </p:ext>
-    </p:extLst>
-  </p:cSld>
-  <p:clrMapOvr>
-    <a:masterClrMapping/>
-  </p:clrMapOvr>
-</p:sld>
-</file>
-
-<file path=ppt/slides/slide9.xml><?xml version="1.0" encoding="utf-8"?>
-<p:sld xmlns:a="http://schemas.openxmlformats.org/drawingml/2006/main" xmlns:r="http://schemas.openxmlformats.org/officeDocument/2006/relationships" xmlns:p="http://schemas.openxmlformats.org/presentationml/2006/main">
-  <p:cSld>
-    <p:spTree>
-      <p:nvGrpSpPr>
-        <p:cNvPr id="1" name=""/>
-        <p:cNvGrpSpPr/>
-        <p:nvPr/>
-      </p:nvGrpSpPr>
-      <p:grpSpPr>
-        <a:xfrm>
-          <a:off x="0" y="0"/>
-          <a:ext cx="0" cy="0"/>
-          <a:chOff x="0" y="0"/>
-          <a:chExt cx="0" cy="0"/>
-        </a:xfrm>
-      </p:grpSpPr>
-      <p:sp useBgFill="1">
-        <p:nvSpPr>
-          <p:cNvPr id="76" name="Rectangle 75">
-            <a:extLst>
-              <a:ext uri="{FF2B5EF4-FFF2-40B4-BE49-F238E27FC236}">
-                <a16:creationId xmlns:a16="http://schemas.microsoft.com/office/drawing/2014/main" id="{38733D19-FF76-4DF6-985F-DB050AF87F9E}"/>
-              </a:ext>
-              <a:ext uri="{C183D7F6-B498-43B3-948B-1728B52AA6E4}">
-                <adec:decorative xmlns:adec="http://schemas.microsoft.com/office/drawing/2017/decorative" val="1"/>
-              </a:ext>
-            </a:extLst>
-          </p:cNvPr>
-          <p:cNvSpPr>
-            <a:spLocks noGrp="1" noRot="1" noChangeAspect="1" noMove="1" noResize="1" noEditPoints="1" noAdjustHandles="1" noChangeArrowheads="1" noChangeShapeType="1" noTextEdit="1"/>
-          </p:cNvSpPr>
-          <p:nvPr>
-            <p:extLst>
-              <p:ext uri="{386F3935-93C4-4BCD-93E2-E3B085C9AB24}">
-                <p16:designElem xmlns:p16="http://schemas.microsoft.com/office/powerpoint/2015/main" val="1"/>
-              </p:ext>
-            </p:extLst>
-          </p:nvPr>
-        </p:nvSpPr>
-        <p:spPr>
-          <a:xfrm>
-            <a:off x="0" y="0"/>
-            <a:ext cx="12192000" cy="6858000"/>
-          </a:xfrm>
-          <a:prstGeom prst="rect">
-            <a:avLst/>
-          </a:prstGeom>
-          <a:ln>
-            <a:noFill/>
-          </a:ln>
-        </p:spPr>
-        <p:style>
-          <a:lnRef idx="2">
-            <a:schemeClr val="accent1">
-              <a:shade val="50000"/>
-            </a:schemeClr>
-          </a:lnRef>
-          <a:fillRef idx="1">
-            <a:schemeClr val="accent1"/>
-          </a:fillRef>
-          <a:effectRef idx="0">
-            <a:schemeClr val="accent1"/>
-          </a:effectRef>
-          <a:fontRef idx="minor">
-            <a:schemeClr val="lt1"/>
-          </a:fontRef>
-        </p:style>
-        <p:txBody>
-          <a:bodyPr rtlCol="0" anchor="ctr"/>
-          <a:lstStyle/>
-          <a:p>
-            <a:pPr algn="ctr"/>
-            <a:endParaRPr lang="en-US"/>
-          </a:p>
-        </p:txBody>
-      </p:sp>
-      <p:sp>
-        <p:nvSpPr>
-          <p:cNvPr id="78" name="Rectangle 77">
-            <a:extLst>
-              <a:ext uri="{FF2B5EF4-FFF2-40B4-BE49-F238E27FC236}">
-                <a16:creationId xmlns:a16="http://schemas.microsoft.com/office/drawing/2014/main" id="{B8931767-514A-4E70-9129-DB6B46BFA823}"/>
-              </a:ext>
-              <a:ext uri="{C183D7F6-B498-43B3-948B-1728B52AA6E4}">
-                <adec:decorative xmlns:adec="http://schemas.microsoft.com/office/drawing/2017/decorative" val="1"/>
-              </a:ext>
-            </a:extLst>
-          </p:cNvPr>
-          <p:cNvSpPr>
-            <a:spLocks noGrp="1" noRot="1" noChangeAspect="1" noMove="1" noResize="1" noEditPoints="1" noAdjustHandles="1" noChangeArrowheads="1" noChangeShapeType="1" noTextEdit="1"/>
-          </p:cNvSpPr>
-          <p:nvPr>
-            <p:extLst>
-              <p:ext uri="{386F3935-93C4-4BCD-93E2-E3B085C9AB24}">
-                <p16:designElem xmlns:p16="http://schemas.microsoft.com/office/powerpoint/2015/main" val="1"/>
-              </p:ext>
-            </p:extLst>
-          </p:nvPr>
-        </p:nvSpPr>
-        <p:spPr>
-          <a:xfrm>
-            <a:off x="446534" y="457200"/>
-            <a:ext cx="3703320" cy="94997"/>
-          </a:xfrm>
-          <a:prstGeom prst="rect">
-            <a:avLst/>
-          </a:prstGeom>
-          <a:solidFill>
-            <a:srgbClr val="465359"/>
-          </a:solidFill>
-          <a:ln>
-            <a:noFill/>
-          </a:ln>
-          <a:effectLst/>
-        </p:spPr>
-        <p:style>
-          <a:lnRef idx="1">
-            <a:schemeClr val="accent1"/>
-          </a:lnRef>
-          <a:fillRef idx="3">
-            <a:schemeClr val="accent1"/>
-          </a:fillRef>
-          <a:effectRef idx="2">
-            <a:schemeClr val="accent1"/>
-          </a:effectRef>
-          <a:fontRef idx="minor">
-            <a:schemeClr val="lt1"/>
-          </a:fontRef>
-        </p:style>
-      </p:sp>
-      <p:sp>
-        <p:nvSpPr>
-          <p:cNvPr id="80" name="Rectangle 79">
-            <a:extLst>
-              <a:ext uri="{FF2B5EF4-FFF2-40B4-BE49-F238E27FC236}">
-                <a16:creationId xmlns:a16="http://schemas.microsoft.com/office/drawing/2014/main" id="{092556C3-D615-4E70-B4AD-7791DE6BBDE9}"/>
-              </a:ext>
-              <a:ext uri="{C183D7F6-B498-43B3-948B-1728B52AA6E4}">
-                <adec:decorative xmlns:adec="http://schemas.microsoft.com/office/drawing/2017/decorative" val="1"/>
-              </a:ext>
-            </a:extLst>
-          </p:cNvPr>
-          <p:cNvSpPr>
-            <a:spLocks noGrp="1" noRot="1" noChangeAspect="1" noMove="1" noResize="1" noEditPoints="1" noAdjustHandles="1" noChangeArrowheads="1" noChangeShapeType="1" noTextEdit="1"/>
-          </p:cNvSpPr>
-          <p:nvPr>
-            <p:extLst>
-              <p:ext uri="{386F3935-93C4-4BCD-93E2-E3B085C9AB24}">
-                <p16:designElem xmlns:p16="http://schemas.microsoft.com/office/powerpoint/2015/main" val="1"/>
-              </p:ext>
-            </p:extLst>
-          </p:nvPr>
-        </p:nvSpPr>
-        <p:spPr>
-          <a:xfrm>
-            <a:off x="4241830" y="457200"/>
-            <a:ext cx="3703320" cy="91440"/>
-          </a:xfrm>
-          <a:prstGeom prst="rect">
-            <a:avLst/>
-          </a:prstGeom>
-          <a:solidFill>
-            <a:schemeClr val="accent1"/>
-          </a:solidFill>
-          <a:ln>
-            <a:noFill/>
-          </a:ln>
-          <a:effectLst/>
-        </p:spPr>
-        <p:style>
-          <a:lnRef idx="1">
-            <a:schemeClr val="accent1"/>
-          </a:lnRef>
-          <a:fillRef idx="3">
-            <a:schemeClr val="accent1"/>
-          </a:fillRef>
-          <a:effectRef idx="2">
-            <a:schemeClr val="accent1"/>
-          </a:effectRef>
-          <a:fontRef idx="minor">
-            <a:schemeClr val="lt1"/>
-          </a:fontRef>
-        </p:style>
-      </p:sp>
-      <p:sp>
-        <p:nvSpPr>
-          <p:cNvPr id="1036" name="Rectangle 81">
-            <a:extLst>
-              <a:ext uri="{FF2B5EF4-FFF2-40B4-BE49-F238E27FC236}">
-                <a16:creationId xmlns:a16="http://schemas.microsoft.com/office/drawing/2014/main" id="{5D468424-DF72-426E-8DB3-F91B8857CB3B}"/>
-              </a:ext>
-              <a:ext uri="{C183D7F6-B498-43B3-948B-1728B52AA6E4}">
-                <adec:decorative xmlns:adec="http://schemas.microsoft.com/office/drawing/2017/decorative" val="1"/>
-              </a:ext>
-            </a:extLst>
-          </p:cNvPr>
-          <p:cNvSpPr>
-            <a:spLocks noGrp="1" noRot="1" noChangeAspect="1" noMove="1" noResize="1" noEditPoints="1" noAdjustHandles="1" noChangeArrowheads="1" noChangeShapeType="1" noTextEdit="1"/>
-          </p:cNvSpPr>
-          <p:nvPr>
-            <p:extLst>
-              <p:ext uri="{386F3935-93C4-4BCD-93E2-E3B085C9AB24}">
-                <p16:designElem xmlns:p16="http://schemas.microsoft.com/office/powerpoint/2015/main" val="1"/>
-              </p:ext>
-            </p:extLst>
-          </p:nvPr>
-        </p:nvSpPr>
-        <p:spPr>
-          <a:xfrm>
-            <a:off x="8042147" y="453643"/>
-            <a:ext cx="3703320" cy="98554"/>
-          </a:xfrm>
-          <a:prstGeom prst="rect">
-            <a:avLst/>
-          </a:prstGeom>
-          <a:solidFill>
-            <a:srgbClr val="969FA7"/>
-          </a:solidFill>
-          <a:ln>
-            <a:noFill/>
-          </a:ln>
-          <a:effectLst/>
-        </p:spPr>
-        <p:style>
-          <a:lnRef idx="1">
-            <a:schemeClr val="accent1"/>
-          </a:lnRef>
-          <a:fillRef idx="3">
-            <a:schemeClr val="accent1"/>
-          </a:fillRef>
-          <a:effectRef idx="2">
-            <a:schemeClr val="accent1"/>
-          </a:effectRef>
-          <a:fontRef idx="minor">
-            <a:schemeClr val="lt1"/>
-          </a:fontRef>
-        </p:style>
-      </p:sp>
-      <p:sp>
-        <p:nvSpPr>
-          <p:cNvPr id="7" name="Rectangle 6"/>
-          <p:cNvSpPr/>
-          <p:nvPr/>
-        </p:nvSpPr>
-        <p:spPr>
-          <a:xfrm>
-            <a:off x="446535" y="6572250"/>
-            <a:ext cx="11298932" cy="71437"/>
-          </a:xfrm>
-          <a:prstGeom prst="rect">
-            <a:avLst/>
-          </a:prstGeom>
-          <a:solidFill>
-            <a:schemeClr val="accent3"/>
-          </a:solidFill>
-          <a:ln>
-            <a:noFill/>
-          </a:ln>
-        </p:spPr>
-        <p:style>
-          <a:lnRef idx="2">
-            <a:schemeClr val="accent1">
-              <a:shade val="50000"/>
-            </a:schemeClr>
-          </a:lnRef>
-          <a:fillRef idx="1">
-            <a:schemeClr val="accent1"/>
-          </a:fillRef>
-          <a:effectRef idx="0">
-            <a:schemeClr val="accent1"/>
-          </a:effectRef>
-          <a:fontRef idx="minor">
-            <a:schemeClr val="lt1"/>
-          </a:fontRef>
-        </p:style>
-        <p:txBody>
-          <a:bodyPr rtlCol="0" anchor="ctr"/>
-          <a:lstStyle/>
-          <a:p>
-            <a:pPr algn="ctr"/>
-            <a:endParaRPr lang="en-IN"/>
-          </a:p>
-        </p:txBody>
-      </p:sp>
-      <p:sp>
-        <p:nvSpPr>
-          <p:cNvPr id="9" name="Footer Placeholder 8">
-            <a:extLst>
-              <a:ext uri="{FF2B5EF4-FFF2-40B4-BE49-F238E27FC236}">
-                <a16:creationId xmlns:a16="http://schemas.microsoft.com/office/drawing/2014/main" id="{769A03A9-F847-CC98-D741-39AC19167788}"/>
-              </a:ext>
-            </a:extLst>
-          </p:cNvPr>
-          <p:cNvSpPr>
-            <a:spLocks noGrp="1"/>
-          </p:cNvSpPr>
-          <p:nvPr>
-            <p:ph type="ftr" sz="quarter" idx="11"/>
-          </p:nvPr>
-        </p:nvSpPr>
-        <p:spPr/>
-        <p:txBody>
-          <a:bodyPr/>
-          <a:lstStyle/>
-          <a:p>
-            <a:r>
-              <a:rPr lang="en-US"/>
-              <a:t>Electrical &amp; Electronics System EE1002</a:t>
-            </a:r>
-          </a:p>
-        </p:txBody>
-      </p:sp>
-      <p:sp>
-        <p:nvSpPr>
-          <p:cNvPr id="11" name="Slide Number Placeholder 10">
-            <a:extLst>
-              <a:ext uri="{FF2B5EF4-FFF2-40B4-BE49-F238E27FC236}">
-                <a16:creationId xmlns:a16="http://schemas.microsoft.com/office/drawing/2014/main" id="{8033D47E-0A47-279F-45A1-B05AA6FF8E85}"/>
-              </a:ext>
-            </a:extLst>
-          </p:cNvPr>
-          <p:cNvSpPr>
-            <a:spLocks noGrp="1"/>
-          </p:cNvSpPr>
-          <p:nvPr>
-            <p:ph type="sldNum" sz="quarter" idx="12"/>
-          </p:nvPr>
-        </p:nvSpPr>
-        <p:spPr/>
-        <p:txBody>
-          <a:bodyPr/>
-          <a:lstStyle/>
-          <a:p>
-            <a:fld id="{3A98EE3D-8CD1-4C3F-BD1C-C98C9596463C}" type="slidenum">
-              <a:rPr lang="en-US" smtClean="0"/>
-              <a:t>9</a:t>
-            </a:fld>
-            <a:endParaRPr lang="en-US"/>
-          </a:p>
-        </p:txBody>
-      </p:sp>
-      <p:sp>
-        <p:nvSpPr>
-          <p:cNvPr id="2" name="Rectangle 1">
-            <a:extLst>
-              <a:ext uri="{FF2B5EF4-FFF2-40B4-BE49-F238E27FC236}">
-                <a16:creationId xmlns:a16="http://schemas.microsoft.com/office/drawing/2014/main" id="{AF585998-8EDD-CCE0-41DB-072814858778}"/>
-              </a:ext>
-            </a:extLst>
-          </p:cNvPr>
-          <p:cNvSpPr/>
-          <p:nvPr/>
-        </p:nvSpPr>
-        <p:spPr>
-          <a:xfrm>
-            <a:off x="568665" y="796352"/>
-            <a:ext cx="10768208" cy="707886"/>
-          </a:xfrm>
-          <a:prstGeom prst="rect">
-            <a:avLst/>
-          </a:prstGeom>
-        </p:spPr>
-        <p:txBody>
-          <a:bodyPr wrap="square">
-            <a:spAutoFit/>
-          </a:bodyPr>
-          <a:lstStyle/>
-          <a:p>
-            <a:r>
-              <a:rPr lang="en-IN" sz="2000" dirty="0">
-                <a:solidFill>
-                  <a:srgbClr val="333333"/>
-                </a:solidFill>
-                <a:latin typeface="Times New Roman" panose="02020603050405020304" pitchFamily="18" charset="0"/>
-                <a:cs typeface="Times New Roman" panose="02020603050405020304" pitchFamily="18" charset="0"/>
-              </a:rPr>
-              <a:t>In the above figure, the circuit with two voltage sources is divided into two individual circuits according to this theorem’s statement. </a:t>
-            </a:r>
-            <a:endParaRPr lang="en-IN" sz="2000" dirty="0">
-              <a:solidFill>
-                <a:prstClr val="black"/>
-              </a:solidFill>
-              <a:latin typeface="Times New Roman" panose="02020603050405020304" pitchFamily="18" charset="0"/>
-              <a:cs typeface="Times New Roman" panose="02020603050405020304" pitchFamily="18" charset="0"/>
-            </a:endParaRPr>
-          </a:p>
-        </p:txBody>
-      </p:sp>
-      <p:sp>
-        <p:nvSpPr>
-          <p:cNvPr id="3" name="Rectangle 2">
-            <a:extLst>
-              <a:ext uri="{FF2B5EF4-FFF2-40B4-BE49-F238E27FC236}">
-                <a16:creationId xmlns:a16="http://schemas.microsoft.com/office/drawing/2014/main" id="{6B836175-C51A-7341-D0C4-5C55BF71BCA1}"/>
-              </a:ext>
-            </a:extLst>
-          </p:cNvPr>
-          <p:cNvSpPr/>
-          <p:nvPr/>
-        </p:nvSpPr>
-        <p:spPr>
-          <a:xfrm>
-            <a:off x="568665" y="1687787"/>
-            <a:ext cx="10768208" cy="1323439"/>
-          </a:xfrm>
-          <a:prstGeom prst="rect">
-            <a:avLst/>
-          </a:prstGeom>
-        </p:spPr>
-        <p:txBody>
-          <a:bodyPr wrap="square">
-            <a:spAutoFit/>
-          </a:bodyPr>
-          <a:lstStyle/>
-          <a:p>
-            <a:pPr algn="just"/>
-            <a:r>
-              <a:rPr lang="en-IN" sz="2000" dirty="0">
-                <a:solidFill>
-                  <a:srgbClr val="333333"/>
-                </a:solidFill>
-                <a:latin typeface="Times New Roman" panose="02020603050405020304" pitchFamily="18" charset="0"/>
-                <a:cs typeface="Times New Roman" panose="02020603050405020304" pitchFamily="18" charset="0"/>
-              </a:rPr>
-              <a:t>In first case used only one voltage source and other voltage source is replace with their internal resistance which is </a:t>
-            </a:r>
-            <a:r>
-              <a:rPr lang="en-IN" sz="2000" dirty="0">
-                <a:solidFill>
-                  <a:srgbClr val="5B9BD5"/>
-                </a:solidFill>
-                <a:latin typeface="Times New Roman" panose="02020603050405020304" pitchFamily="18" charset="0"/>
-                <a:cs typeface="Times New Roman" panose="02020603050405020304" pitchFamily="18" charset="0"/>
-              </a:rPr>
-              <a:t>zero </a:t>
-            </a:r>
-            <a:r>
-              <a:rPr lang="en-IN" sz="2000" dirty="0">
-                <a:solidFill>
-                  <a:srgbClr val="333333"/>
-                </a:solidFill>
-                <a:latin typeface="Times New Roman" panose="02020603050405020304" pitchFamily="18" charset="0"/>
-                <a:cs typeface="Times New Roman" panose="02020603050405020304" pitchFamily="18" charset="0"/>
-              </a:rPr>
-              <a:t>in case of voltage source and </a:t>
-            </a:r>
-            <a:r>
-              <a:rPr lang="en-IN" sz="2000" dirty="0">
-                <a:solidFill>
-                  <a:srgbClr val="5B9BD5"/>
-                </a:solidFill>
-                <a:latin typeface="Times New Roman" panose="02020603050405020304" pitchFamily="18" charset="0"/>
-                <a:cs typeface="Times New Roman" panose="02020603050405020304" pitchFamily="18" charset="0"/>
-              </a:rPr>
-              <a:t>infinity</a:t>
-            </a:r>
-            <a:r>
-              <a:rPr lang="en-IN" sz="2000" dirty="0">
-                <a:solidFill>
-                  <a:srgbClr val="333333"/>
-                </a:solidFill>
-                <a:latin typeface="Times New Roman" panose="02020603050405020304" pitchFamily="18" charset="0"/>
-                <a:cs typeface="Times New Roman" panose="02020603050405020304" pitchFamily="18" charset="0"/>
-              </a:rPr>
-              <a:t> in case of current source. So voltage source is changed to </a:t>
-            </a:r>
-            <a:r>
-              <a:rPr lang="en-IN" sz="2000" dirty="0">
-                <a:solidFill>
-                  <a:srgbClr val="5B9BD5"/>
-                </a:solidFill>
-                <a:latin typeface="Times New Roman" panose="02020603050405020304" pitchFamily="18" charset="0"/>
-                <a:cs typeface="Times New Roman" panose="02020603050405020304" pitchFamily="18" charset="0"/>
-              </a:rPr>
-              <a:t>short circuit </a:t>
-            </a:r>
-            <a:r>
-              <a:rPr lang="en-IN" sz="2000" dirty="0">
-                <a:solidFill>
-                  <a:srgbClr val="333333"/>
-                </a:solidFill>
-                <a:latin typeface="Times New Roman" panose="02020603050405020304" pitchFamily="18" charset="0"/>
-                <a:cs typeface="Times New Roman" panose="02020603050405020304" pitchFamily="18" charset="0"/>
-              </a:rPr>
-              <a:t>and current source is changed by </a:t>
-            </a:r>
-            <a:r>
-              <a:rPr lang="en-IN" sz="2000" dirty="0">
-                <a:solidFill>
-                  <a:srgbClr val="5B9BD5"/>
-                </a:solidFill>
-                <a:latin typeface="Times New Roman" panose="02020603050405020304" pitchFamily="18" charset="0"/>
-                <a:cs typeface="Times New Roman" panose="02020603050405020304" pitchFamily="18" charset="0"/>
-              </a:rPr>
-              <a:t>open circuit</a:t>
-            </a:r>
-            <a:r>
-              <a:rPr lang="en-IN" sz="2000" dirty="0">
-                <a:solidFill>
-                  <a:srgbClr val="333333"/>
-                </a:solidFill>
-                <a:latin typeface="Times New Roman" panose="02020603050405020304" pitchFamily="18" charset="0"/>
-                <a:cs typeface="Times New Roman" panose="02020603050405020304" pitchFamily="18" charset="0"/>
-              </a:rPr>
-              <a:t>. And find the current in the specific branch.</a:t>
-            </a:r>
-            <a:endParaRPr lang="en-IN" sz="2000" dirty="0">
-              <a:solidFill>
-                <a:prstClr val="black"/>
-              </a:solidFill>
-              <a:latin typeface="Times New Roman" panose="02020603050405020304" pitchFamily="18" charset="0"/>
-              <a:cs typeface="Times New Roman" panose="02020603050405020304" pitchFamily="18" charset="0"/>
-            </a:endParaRPr>
-          </a:p>
-        </p:txBody>
-      </p:sp>
-      <p:grpSp>
-        <p:nvGrpSpPr>
-          <p:cNvPr id="4" name="Group 3">
-            <a:extLst>
-              <a:ext uri="{FF2B5EF4-FFF2-40B4-BE49-F238E27FC236}">
-                <a16:creationId xmlns:a16="http://schemas.microsoft.com/office/drawing/2014/main" id="{68752157-8D91-8C5A-10F6-415B8649A82B}"/>
-              </a:ext>
-            </a:extLst>
-          </p:cNvPr>
-          <p:cNvGrpSpPr/>
-          <p:nvPr/>
-        </p:nvGrpSpPr>
-        <p:grpSpPr>
-          <a:xfrm>
-            <a:off x="581190" y="2948554"/>
-            <a:ext cx="11306828" cy="3146643"/>
-            <a:chOff x="643002" y="2664435"/>
-            <a:chExt cx="10292220" cy="3146643"/>
-          </a:xfrm>
-        </p:grpSpPr>
-        <p:sp>
-          <p:nvSpPr>
-            <p:cNvPr id="5" name="Rectangle 4">
-              <a:extLst>
-                <a:ext uri="{FF2B5EF4-FFF2-40B4-BE49-F238E27FC236}">
-                  <a16:creationId xmlns:a16="http://schemas.microsoft.com/office/drawing/2014/main" id="{FA8E1F7C-6860-5121-7596-1138138FD4BE}"/>
-                </a:ext>
-              </a:extLst>
-            </p:cNvPr>
-            <p:cNvSpPr/>
-            <p:nvPr/>
-          </p:nvSpPr>
-          <p:spPr>
-            <a:xfrm>
-              <a:off x="2918564" y="4539638"/>
-              <a:ext cx="2768251" cy="707886"/>
-            </a:xfrm>
-            <a:prstGeom prst="rect">
-              <a:avLst/>
-            </a:prstGeom>
-          </p:spPr>
-          <p:txBody>
-            <a:bodyPr wrap="square">
-              <a:spAutoFit/>
-            </a:bodyPr>
-            <a:lstStyle/>
-            <a:p>
-              <a:r>
-                <a:rPr lang="en-US" altLang="en-US" sz="2000" dirty="0">
-                  <a:solidFill>
-                    <a:prstClr val="black"/>
-                  </a:solidFill>
-                  <a:latin typeface="Times New Roman" panose="02020603050405020304" pitchFamily="18" charset="0"/>
-                  <a:cs typeface="Times New Roman" panose="02020603050405020304" pitchFamily="18" charset="0"/>
-                </a:rPr>
-                <a:t>R</a:t>
-              </a:r>
-              <a:r>
-                <a:rPr lang="en-US" altLang="en-US" sz="2000" baseline="-25000" dirty="0">
-                  <a:solidFill>
-                    <a:prstClr val="black"/>
-                  </a:solidFill>
-                  <a:latin typeface="Times New Roman" panose="02020603050405020304" pitchFamily="18" charset="0"/>
-                  <a:cs typeface="Times New Roman" panose="02020603050405020304" pitchFamily="18" charset="0"/>
-                </a:rPr>
-                <a:t>1eq</a:t>
-              </a:r>
-              <a:r>
-                <a:rPr lang="en-US" altLang="en-US" sz="2000" dirty="0">
-                  <a:solidFill>
-                    <a:prstClr val="black"/>
-                  </a:solidFill>
-                  <a:latin typeface="Times New Roman" panose="02020603050405020304" pitchFamily="18" charset="0"/>
-                  <a:cs typeface="Times New Roman" panose="02020603050405020304" pitchFamily="18" charset="0"/>
-                </a:rPr>
-                <a:t> = 2/3 + 4</a:t>
-              </a:r>
-              <a:endParaRPr lang="en-IN" sz="2000" dirty="0">
-                <a:solidFill>
-                  <a:prstClr val="black"/>
-                </a:solidFill>
-                <a:latin typeface="Times New Roman" panose="02020603050405020304" pitchFamily="18" charset="0"/>
-                <a:cs typeface="Times New Roman" panose="02020603050405020304" pitchFamily="18" charset="0"/>
-              </a:endParaRPr>
-            </a:p>
-            <a:p>
-              <a:endParaRPr lang="en-IN" sz="2000" dirty="0">
-                <a:solidFill>
-                  <a:prstClr val="black"/>
-                </a:solidFill>
-                <a:latin typeface="Times New Roman" panose="02020603050405020304" pitchFamily="18" charset="0"/>
-                <a:cs typeface="Times New Roman" panose="02020603050405020304" pitchFamily="18" charset="0"/>
-              </a:endParaRPr>
-            </a:p>
-          </p:txBody>
-        </p:sp>
-        <p:grpSp>
-          <p:nvGrpSpPr>
-            <p:cNvPr id="6" name="Group 5">
-              <a:extLst>
-                <a:ext uri="{FF2B5EF4-FFF2-40B4-BE49-F238E27FC236}">
-                  <a16:creationId xmlns:a16="http://schemas.microsoft.com/office/drawing/2014/main" id="{53667B01-6A75-116F-7605-8CD263154D88}"/>
-                </a:ext>
-              </a:extLst>
-            </p:cNvPr>
-            <p:cNvGrpSpPr/>
-            <p:nvPr/>
-          </p:nvGrpSpPr>
-          <p:grpSpPr>
-            <a:xfrm>
-              <a:off x="643002" y="2664435"/>
-              <a:ext cx="10292220" cy="3146643"/>
-              <a:chOff x="643002" y="2664435"/>
-              <a:chExt cx="10292220" cy="3146643"/>
-            </a:xfrm>
-          </p:grpSpPr>
-          <p:sp>
-            <p:nvSpPr>
-              <p:cNvPr id="8" name="TextBox 7">
-                <a:extLst>
-                  <a:ext uri="{FF2B5EF4-FFF2-40B4-BE49-F238E27FC236}">
-                    <a16:creationId xmlns:a16="http://schemas.microsoft.com/office/drawing/2014/main" id="{BE1F33AE-2654-7955-2641-F0A23CC69F50}"/>
-                  </a:ext>
-                </a:extLst>
-              </p:cNvPr>
-              <p:cNvSpPr txBox="1"/>
-              <p:nvPr/>
-            </p:nvSpPr>
-            <p:spPr>
-              <a:xfrm>
-                <a:off x="643002" y="2664435"/>
-                <a:ext cx="10292219" cy="400110"/>
-              </a:xfrm>
-              <a:prstGeom prst="rect">
-                <a:avLst/>
-              </a:prstGeom>
-              <a:noFill/>
-            </p:spPr>
-            <p:txBody>
-              <a:bodyPr wrap="square" rtlCol="0">
-                <a:spAutoFit/>
-              </a:bodyPr>
-              <a:lstStyle/>
-              <a:p>
-                <a:r>
-                  <a:rPr lang="en-IN" sz="2000" dirty="0">
-                    <a:solidFill>
-                      <a:srgbClr val="FF0000"/>
-                    </a:solidFill>
-                    <a:latin typeface="Times New Roman" panose="02020603050405020304" pitchFamily="18" charset="0"/>
-                    <a:cs typeface="Times New Roman" panose="02020603050405020304" pitchFamily="18" charset="0"/>
-                  </a:rPr>
-                  <a:t>In First Case-: Applied only first voltage source and short circuit the second voltage source.</a:t>
-                </a:r>
-              </a:p>
-            </p:txBody>
-          </p:sp>
-          <p:sp>
-            <p:nvSpPr>
-              <p:cNvPr id="12" name="Rectangle 11">
-                <a:extLst>
-                  <a:ext uri="{FF2B5EF4-FFF2-40B4-BE49-F238E27FC236}">
-                    <a16:creationId xmlns:a16="http://schemas.microsoft.com/office/drawing/2014/main" id="{C71E400B-4016-29E0-22F1-BB0255A94D2E}"/>
-                  </a:ext>
-                </a:extLst>
-              </p:cNvPr>
-              <p:cNvSpPr/>
-              <p:nvPr/>
-            </p:nvSpPr>
-            <p:spPr>
-              <a:xfrm>
-                <a:off x="951978" y="3033767"/>
-                <a:ext cx="9983244" cy="707886"/>
-              </a:xfrm>
-              <a:prstGeom prst="rect">
-                <a:avLst/>
-              </a:prstGeom>
-            </p:spPr>
-            <p:txBody>
-              <a:bodyPr wrap="square">
-                <a:spAutoFit/>
-              </a:bodyPr>
-              <a:lstStyle/>
-              <a:p>
-                <a:r>
-                  <a:rPr lang="en-US" altLang="en-US" sz="2000" dirty="0">
-                    <a:solidFill>
-                      <a:srgbClr val="202122"/>
-                    </a:solidFill>
-                    <a:latin typeface="Times New Roman" panose="02020603050405020304" pitchFamily="18" charset="0"/>
-                    <a:cs typeface="Times New Roman" panose="02020603050405020304" pitchFamily="18" charset="0"/>
-                  </a:rPr>
-                  <a:t>R2  and R3 are connected in parallel and equivalent resistant is connected in series with the R1. </a:t>
-                </a:r>
-                <a:endParaRPr lang="en-IN" sz="2000" dirty="0">
-                  <a:solidFill>
-                    <a:srgbClr val="202122"/>
-                  </a:solidFill>
-                  <a:latin typeface="Times New Roman" panose="02020603050405020304" pitchFamily="18" charset="0"/>
-                  <a:cs typeface="Times New Roman" panose="02020603050405020304" pitchFamily="18" charset="0"/>
-                </a:endParaRPr>
-              </a:p>
-              <a:p>
-                <a:endParaRPr lang="en-IN" sz="2000" dirty="0">
-                  <a:solidFill>
-                    <a:prstClr val="black"/>
-                  </a:solidFill>
-                  <a:latin typeface="Times New Roman" panose="02020603050405020304" pitchFamily="18" charset="0"/>
-                  <a:cs typeface="Times New Roman" panose="02020603050405020304" pitchFamily="18" charset="0"/>
-                </a:endParaRPr>
-              </a:p>
-            </p:txBody>
-          </p:sp>
-          <p:sp>
-            <p:nvSpPr>
-              <p:cNvPr id="13" name="Rectangle 12">
-                <a:extLst>
-                  <a:ext uri="{FF2B5EF4-FFF2-40B4-BE49-F238E27FC236}">
-                    <a16:creationId xmlns:a16="http://schemas.microsoft.com/office/drawing/2014/main" id="{77A832C0-3766-DB91-7827-9514BD608183}"/>
-                  </a:ext>
-                </a:extLst>
-              </p:cNvPr>
-              <p:cNvSpPr/>
-              <p:nvPr/>
-            </p:nvSpPr>
-            <p:spPr>
-              <a:xfrm>
-                <a:off x="2918564" y="3680098"/>
-                <a:ext cx="2768251" cy="707886"/>
-              </a:xfrm>
-              <a:prstGeom prst="rect">
-                <a:avLst/>
-              </a:prstGeom>
-            </p:spPr>
-            <p:txBody>
-              <a:bodyPr wrap="square">
-                <a:spAutoFit/>
-              </a:bodyPr>
-              <a:lstStyle/>
-              <a:p>
-                <a:r>
-                  <a:rPr lang="en-US" altLang="en-US" sz="2000" dirty="0">
-                    <a:solidFill>
-                      <a:prstClr val="black"/>
-                    </a:solidFill>
-                    <a:latin typeface="Times New Roman" panose="02020603050405020304" pitchFamily="18" charset="0"/>
-                    <a:cs typeface="Times New Roman" panose="02020603050405020304" pitchFamily="18" charset="0"/>
-                  </a:rPr>
-                  <a:t>R</a:t>
-                </a:r>
-                <a:r>
-                  <a:rPr lang="en-US" altLang="en-US" sz="2000" baseline="-25000" dirty="0">
-                    <a:solidFill>
-                      <a:prstClr val="black"/>
-                    </a:solidFill>
-                    <a:latin typeface="Times New Roman" panose="02020603050405020304" pitchFamily="18" charset="0"/>
-                    <a:cs typeface="Times New Roman" panose="02020603050405020304" pitchFamily="18" charset="0"/>
-                  </a:rPr>
-                  <a:t>1eq</a:t>
-                </a:r>
-                <a:r>
-                  <a:rPr lang="en-US" altLang="en-US" sz="2000" dirty="0">
-                    <a:solidFill>
-                      <a:prstClr val="black"/>
-                    </a:solidFill>
-                    <a:latin typeface="Times New Roman" panose="02020603050405020304" pitchFamily="18" charset="0"/>
-                    <a:cs typeface="Times New Roman" panose="02020603050405020304" pitchFamily="18" charset="0"/>
-                  </a:rPr>
-                  <a:t> = R</a:t>
-                </a:r>
-                <a:r>
-                  <a:rPr lang="en-US" altLang="en-US" sz="2000" baseline="-25000" dirty="0">
-                    <a:solidFill>
-                      <a:prstClr val="black"/>
-                    </a:solidFill>
-                    <a:latin typeface="Times New Roman" panose="02020603050405020304" pitchFamily="18" charset="0"/>
-                    <a:cs typeface="Times New Roman" panose="02020603050405020304" pitchFamily="18" charset="0"/>
-                  </a:rPr>
-                  <a:t>2</a:t>
-                </a:r>
-                <a:r>
-                  <a:rPr lang="en-US" altLang="en-US" sz="2000" dirty="0">
-                    <a:solidFill>
-                      <a:prstClr val="black"/>
-                    </a:solidFill>
-                    <a:latin typeface="Times New Roman" panose="02020603050405020304" pitchFamily="18" charset="0"/>
-                    <a:cs typeface="Times New Roman" panose="02020603050405020304" pitchFamily="18" charset="0"/>
-                  </a:rPr>
-                  <a:t>||R</a:t>
-                </a:r>
-                <a:r>
-                  <a:rPr lang="en-US" altLang="en-US" sz="2000" baseline="-25000" dirty="0">
-                    <a:solidFill>
-                      <a:prstClr val="black"/>
-                    </a:solidFill>
-                    <a:latin typeface="Times New Roman" panose="02020603050405020304" pitchFamily="18" charset="0"/>
-                    <a:cs typeface="Times New Roman" panose="02020603050405020304" pitchFamily="18" charset="0"/>
-                  </a:rPr>
-                  <a:t>3</a:t>
-                </a:r>
-                <a:r>
-                  <a:rPr lang="en-US" altLang="en-US" sz="2000" dirty="0">
-                    <a:solidFill>
-                      <a:prstClr val="black"/>
-                    </a:solidFill>
-                    <a:latin typeface="Times New Roman" panose="02020603050405020304" pitchFamily="18" charset="0"/>
-                    <a:cs typeface="Times New Roman" panose="02020603050405020304" pitchFamily="18" charset="0"/>
-                  </a:rPr>
-                  <a:t> + R</a:t>
-                </a:r>
-                <a:r>
-                  <a:rPr lang="en-US" altLang="en-US" sz="2000" baseline="-25000" dirty="0">
-                    <a:solidFill>
-                      <a:prstClr val="black"/>
-                    </a:solidFill>
-                    <a:latin typeface="Times New Roman" panose="02020603050405020304" pitchFamily="18" charset="0"/>
-                    <a:cs typeface="Times New Roman" panose="02020603050405020304" pitchFamily="18" charset="0"/>
-                  </a:rPr>
-                  <a:t>1</a:t>
-                </a:r>
-                <a:endParaRPr lang="en-IN" sz="2000" dirty="0">
-                  <a:solidFill>
-                    <a:prstClr val="black"/>
-                  </a:solidFill>
-                  <a:latin typeface="Times New Roman" panose="02020603050405020304" pitchFamily="18" charset="0"/>
-                  <a:cs typeface="Times New Roman" panose="02020603050405020304" pitchFamily="18" charset="0"/>
-                </a:endParaRPr>
-              </a:p>
-              <a:p>
-                <a:endParaRPr lang="en-IN" sz="2000" dirty="0">
-                  <a:solidFill>
-                    <a:prstClr val="black"/>
-                  </a:solidFill>
-                  <a:latin typeface="Times New Roman" panose="02020603050405020304" pitchFamily="18" charset="0"/>
-                  <a:cs typeface="Times New Roman" panose="02020603050405020304" pitchFamily="18" charset="0"/>
-                </a:endParaRPr>
-              </a:p>
-            </p:txBody>
-          </p:sp>
-          <p:sp>
-            <p:nvSpPr>
-              <p:cNvPr id="14" name="Rectangle 13">
-                <a:extLst>
-                  <a:ext uri="{FF2B5EF4-FFF2-40B4-BE49-F238E27FC236}">
-                    <a16:creationId xmlns:a16="http://schemas.microsoft.com/office/drawing/2014/main" id="{A9A2E704-CC2D-7690-58FD-9A9E30FA4C29}"/>
-                  </a:ext>
-                </a:extLst>
-              </p:cNvPr>
-              <p:cNvSpPr/>
-              <p:nvPr/>
-            </p:nvSpPr>
-            <p:spPr>
-              <a:xfrm>
-                <a:off x="2918564" y="4109868"/>
-                <a:ext cx="2768251" cy="707886"/>
-              </a:xfrm>
-              <a:prstGeom prst="rect">
-                <a:avLst/>
-              </a:prstGeom>
-            </p:spPr>
-            <p:txBody>
-              <a:bodyPr wrap="square">
-                <a:spAutoFit/>
-              </a:bodyPr>
-              <a:lstStyle/>
-              <a:p>
-                <a:r>
-                  <a:rPr lang="en-US" altLang="en-US" sz="2000" dirty="0">
-                    <a:solidFill>
-                      <a:prstClr val="black"/>
-                    </a:solidFill>
-                    <a:latin typeface="Times New Roman" panose="02020603050405020304" pitchFamily="18" charset="0"/>
-                    <a:cs typeface="Times New Roman" panose="02020603050405020304" pitchFamily="18" charset="0"/>
-                  </a:rPr>
-                  <a:t>R</a:t>
-                </a:r>
-                <a:r>
-                  <a:rPr lang="en-US" altLang="en-US" sz="2000" baseline="-25000" dirty="0">
-                    <a:solidFill>
-                      <a:prstClr val="black"/>
-                    </a:solidFill>
-                    <a:latin typeface="Times New Roman" panose="02020603050405020304" pitchFamily="18" charset="0"/>
-                    <a:cs typeface="Times New Roman" panose="02020603050405020304" pitchFamily="18" charset="0"/>
-                  </a:rPr>
-                  <a:t>1eq</a:t>
-                </a:r>
-                <a:r>
-                  <a:rPr lang="en-US" altLang="en-US" sz="2000" dirty="0">
-                    <a:solidFill>
-                      <a:prstClr val="black"/>
-                    </a:solidFill>
-                    <a:latin typeface="Times New Roman" panose="02020603050405020304" pitchFamily="18" charset="0"/>
-                    <a:cs typeface="Times New Roman" panose="02020603050405020304" pitchFamily="18" charset="0"/>
-                  </a:rPr>
-                  <a:t> = 2||1 + 4</a:t>
-                </a:r>
-                <a:endParaRPr lang="en-IN" sz="2000" dirty="0">
-                  <a:solidFill>
-                    <a:prstClr val="black"/>
-                  </a:solidFill>
-                  <a:latin typeface="Times New Roman" panose="02020603050405020304" pitchFamily="18" charset="0"/>
-                  <a:cs typeface="Times New Roman" panose="02020603050405020304" pitchFamily="18" charset="0"/>
-                </a:endParaRPr>
-              </a:p>
-              <a:p>
-                <a:endParaRPr lang="en-IN" sz="2000" dirty="0">
-                  <a:solidFill>
-                    <a:prstClr val="black"/>
-                  </a:solidFill>
-                  <a:latin typeface="Times New Roman" panose="02020603050405020304" pitchFamily="18" charset="0"/>
-                  <a:cs typeface="Times New Roman" panose="02020603050405020304" pitchFamily="18" charset="0"/>
-                </a:endParaRPr>
-              </a:p>
-            </p:txBody>
-          </p:sp>
-          <p:sp>
-            <p:nvSpPr>
-              <p:cNvPr id="15" name="Rectangle 14">
-                <a:extLst>
-                  <a:ext uri="{FF2B5EF4-FFF2-40B4-BE49-F238E27FC236}">
-                    <a16:creationId xmlns:a16="http://schemas.microsoft.com/office/drawing/2014/main" id="{41B185FA-75CF-C600-B516-46FA4967B7D1}"/>
-                  </a:ext>
-                </a:extLst>
-              </p:cNvPr>
-              <p:cNvSpPr/>
-              <p:nvPr/>
-            </p:nvSpPr>
-            <p:spPr>
-              <a:xfrm>
-                <a:off x="2918564" y="5007446"/>
-                <a:ext cx="2768251" cy="707886"/>
-              </a:xfrm>
-              <a:prstGeom prst="rect">
-                <a:avLst/>
-              </a:prstGeom>
-            </p:spPr>
-            <p:txBody>
-              <a:bodyPr wrap="square">
-                <a:spAutoFit/>
-              </a:bodyPr>
-              <a:lstStyle/>
-              <a:p>
-                <a:r>
-                  <a:rPr lang="en-US" altLang="en-US" sz="2000" dirty="0">
-                    <a:solidFill>
-                      <a:prstClr val="black"/>
-                    </a:solidFill>
-                    <a:latin typeface="Times New Roman" panose="02020603050405020304" pitchFamily="18" charset="0"/>
-                    <a:cs typeface="Times New Roman" panose="02020603050405020304" pitchFamily="18" charset="0"/>
-                  </a:rPr>
-                  <a:t>R</a:t>
-                </a:r>
-                <a:r>
-                  <a:rPr lang="en-US" altLang="en-US" sz="2000" baseline="-25000" dirty="0">
-                    <a:solidFill>
-                      <a:prstClr val="black"/>
-                    </a:solidFill>
-                    <a:latin typeface="Times New Roman" panose="02020603050405020304" pitchFamily="18" charset="0"/>
-                    <a:cs typeface="Times New Roman" panose="02020603050405020304" pitchFamily="18" charset="0"/>
-                  </a:rPr>
-                  <a:t>1eq</a:t>
-                </a:r>
-                <a:r>
-                  <a:rPr lang="en-US" altLang="en-US" sz="2000" dirty="0">
-                    <a:solidFill>
-                      <a:prstClr val="black"/>
-                    </a:solidFill>
-                    <a:latin typeface="Times New Roman" panose="02020603050405020304" pitchFamily="18" charset="0"/>
-                    <a:cs typeface="Times New Roman" panose="02020603050405020304" pitchFamily="18" charset="0"/>
-                  </a:rPr>
-                  <a:t> = 14/3 ohms</a:t>
-                </a:r>
-                <a:endParaRPr lang="en-IN" sz="2000" dirty="0">
-                  <a:solidFill>
-                    <a:prstClr val="black"/>
-                  </a:solidFill>
-                  <a:latin typeface="Times New Roman" panose="02020603050405020304" pitchFamily="18" charset="0"/>
-                  <a:cs typeface="Times New Roman" panose="02020603050405020304" pitchFamily="18" charset="0"/>
-                </a:endParaRPr>
-              </a:p>
-              <a:p>
-                <a:endParaRPr lang="en-IN" sz="2000" dirty="0">
-                  <a:solidFill>
-                    <a:prstClr val="black"/>
-                  </a:solidFill>
-                  <a:latin typeface="Times New Roman" panose="02020603050405020304" pitchFamily="18" charset="0"/>
-                  <a:cs typeface="Times New Roman" panose="02020603050405020304" pitchFamily="18" charset="0"/>
-                </a:endParaRPr>
-              </a:p>
-            </p:txBody>
-          </p:sp>
-          <p:sp>
-            <p:nvSpPr>
-              <p:cNvPr id="16" name="Rectangle 15">
-                <a:extLst>
-                  <a:ext uri="{FF2B5EF4-FFF2-40B4-BE49-F238E27FC236}">
-                    <a16:creationId xmlns:a16="http://schemas.microsoft.com/office/drawing/2014/main" id="{F9B427D3-6333-1B3F-9F74-3A80F623F773}"/>
-                  </a:ext>
-                </a:extLst>
-              </p:cNvPr>
-              <p:cNvSpPr/>
-              <p:nvPr/>
-            </p:nvSpPr>
-            <p:spPr>
-              <a:xfrm>
-                <a:off x="829454" y="5410968"/>
-                <a:ext cx="8640872" cy="400110"/>
-              </a:xfrm>
-              <a:prstGeom prst="rect">
-                <a:avLst/>
-              </a:prstGeom>
-            </p:spPr>
-            <p:txBody>
-              <a:bodyPr wrap="square">
-                <a:spAutoFit/>
-              </a:bodyPr>
-              <a:lstStyle/>
-              <a:p>
-                <a:r>
-                  <a:rPr lang="en-IN" altLang="en-US" sz="2000" dirty="0">
-                    <a:solidFill>
-                      <a:srgbClr val="333333"/>
-                    </a:solidFill>
-                    <a:latin typeface="Times New Roman" panose="02020603050405020304" pitchFamily="18" charset="0"/>
-                    <a:cs typeface="Times New Roman" panose="02020603050405020304" pitchFamily="18" charset="0"/>
-                  </a:rPr>
-                  <a:t>Current with draw from the source-1 is calculated by  </a:t>
-                </a:r>
-                <a:r>
-                  <a:rPr lang="en-IN" altLang="en-US" sz="2000" dirty="0">
-                    <a:solidFill>
-                      <a:prstClr val="black"/>
-                    </a:solidFill>
-                    <a:latin typeface="Times New Roman" panose="02020603050405020304" pitchFamily="18" charset="0"/>
-                    <a:cs typeface="Times New Roman" panose="02020603050405020304" pitchFamily="18" charset="0"/>
-                  </a:rPr>
-                  <a:t>I</a:t>
-                </a:r>
-                <a:r>
-                  <a:rPr lang="en-US" altLang="en-US" sz="2000" baseline="-25000" dirty="0">
-                    <a:solidFill>
-                      <a:prstClr val="black"/>
-                    </a:solidFill>
-                    <a:latin typeface="Times New Roman" panose="02020603050405020304" pitchFamily="18" charset="0"/>
-                    <a:cs typeface="Times New Roman" panose="02020603050405020304" pitchFamily="18" charset="0"/>
-                  </a:rPr>
-                  <a:t>1</a:t>
-                </a:r>
-                <a:r>
-                  <a:rPr lang="en-IN" altLang="en-US" sz="2000" dirty="0">
-                    <a:solidFill>
-                      <a:prstClr val="black"/>
-                    </a:solidFill>
-                    <a:latin typeface="Times New Roman" panose="02020603050405020304" pitchFamily="18" charset="0"/>
-                    <a:cs typeface="Times New Roman" panose="02020603050405020304" pitchFamily="18" charset="0"/>
-                  </a:rPr>
-                  <a:t> =</a:t>
-                </a:r>
-                <a:r>
-                  <a:rPr lang="en-US" altLang="en-US" sz="2000" dirty="0">
-                    <a:solidFill>
-                      <a:prstClr val="black"/>
-                    </a:solidFill>
-                    <a:latin typeface="Times New Roman" panose="02020603050405020304" pitchFamily="18" charset="0"/>
-                    <a:cs typeface="Times New Roman" panose="02020603050405020304" pitchFamily="18" charset="0"/>
-                  </a:rPr>
-                  <a:t> V</a:t>
-                </a:r>
-                <a:r>
-                  <a:rPr lang="en-US" altLang="en-US" sz="2000" baseline="-25000" dirty="0">
-                    <a:solidFill>
-                      <a:prstClr val="black"/>
-                    </a:solidFill>
-                    <a:latin typeface="Times New Roman" panose="02020603050405020304" pitchFamily="18" charset="0"/>
-                    <a:cs typeface="Times New Roman" panose="02020603050405020304" pitchFamily="18" charset="0"/>
-                  </a:rPr>
-                  <a:t>1</a:t>
-                </a:r>
-                <a:r>
-                  <a:rPr lang="en-IN" altLang="en-US" sz="2000" dirty="0">
-                    <a:solidFill>
-                      <a:prstClr val="black"/>
-                    </a:solidFill>
-                    <a:latin typeface="Times New Roman" panose="02020603050405020304" pitchFamily="18" charset="0"/>
-                    <a:cs typeface="Times New Roman" panose="02020603050405020304" pitchFamily="18" charset="0"/>
-                  </a:rPr>
-                  <a:t> /</a:t>
-                </a:r>
-                <a:r>
-                  <a:rPr lang="en-US" altLang="en-US" sz="2000" dirty="0">
-                    <a:solidFill>
-                      <a:prstClr val="black"/>
-                    </a:solidFill>
-                    <a:latin typeface="Times New Roman" panose="02020603050405020304" pitchFamily="18" charset="0"/>
-                    <a:cs typeface="Times New Roman" panose="02020603050405020304" pitchFamily="18" charset="0"/>
-                  </a:rPr>
-                  <a:t> R</a:t>
-                </a:r>
-                <a:r>
-                  <a:rPr lang="en-US" altLang="en-US" sz="2000" baseline="-25000" dirty="0">
-                    <a:solidFill>
-                      <a:prstClr val="black"/>
-                    </a:solidFill>
-                    <a:latin typeface="Times New Roman" panose="02020603050405020304" pitchFamily="18" charset="0"/>
-                    <a:cs typeface="Times New Roman" panose="02020603050405020304" pitchFamily="18" charset="0"/>
-                  </a:rPr>
-                  <a:t>1eq</a:t>
-                </a:r>
-                <a:r>
-                  <a:rPr lang="en-IN" altLang="en-US" sz="2000" dirty="0">
-                    <a:solidFill>
-                      <a:prstClr val="black"/>
-                    </a:solidFill>
-                    <a:latin typeface="Times New Roman" panose="02020603050405020304" pitchFamily="18" charset="0"/>
-                    <a:cs typeface="Times New Roman" panose="02020603050405020304" pitchFamily="18" charset="0"/>
-                  </a:rPr>
-                  <a:t> = 28*3/14 = 6 Amp</a:t>
-                </a:r>
-                <a:endParaRPr lang="en-IN" sz="2000" dirty="0">
-                  <a:solidFill>
-                    <a:prstClr val="black"/>
-                  </a:solidFill>
-                  <a:latin typeface="Times New Roman" panose="02020603050405020304" pitchFamily="18" charset="0"/>
-                  <a:cs typeface="Times New Roman" panose="02020603050405020304" pitchFamily="18" charset="0"/>
-                </a:endParaRPr>
-              </a:p>
-            </p:txBody>
-          </p:sp>
-        </p:grpSp>
-      </p:grpSp>
-      <p:pic>
-        <p:nvPicPr>
-          <p:cNvPr id="17" name="Picture 16">
-            <a:extLst>
-              <a:ext uri="{FF2B5EF4-FFF2-40B4-BE49-F238E27FC236}">
-                <a16:creationId xmlns:a16="http://schemas.microsoft.com/office/drawing/2014/main" id="{1CEB4166-90C4-2C27-1E95-123C58A65B09}"/>
-              </a:ext>
-            </a:extLst>
-          </p:cNvPr>
-          <p:cNvPicPr>
-            <a:picLocks noChangeAspect="1"/>
-          </p:cNvPicPr>
-          <p:nvPr/>
-        </p:nvPicPr>
-        <p:blipFill>
-          <a:blip r:embed="rId2"/>
-          <a:stretch>
-            <a:fillRect/>
-          </a:stretch>
-        </p:blipFill>
-        <p:spPr>
-          <a:xfrm>
-            <a:off x="5952769" y="3882460"/>
-            <a:ext cx="3593238" cy="1709143"/>
-          </a:xfrm>
-          <a:prstGeom prst="rect">
-            <a:avLst/>
-          </a:prstGeom>
-        </p:spPr>
-      </p:pic>
-    </p:spTree>
-    <p:extLst>
-      <p:ext uri="{BB962C8B-B14F-4D97-AF65-F5344CB8AC3E}">
-        <p14:creationId xmlns:p14="http://schemas.microsoft.com/office/powerpoint/2010/main" val="4183667249"/>
       </p:ext>
     </p:extLst>
   </p:cSld>
